--- a/docs/methodology/abstract.pptx
+++ b/docs/methodology/abstract.pptx
@@ -6,8 +6,10 @@
   </p:sldMasterIdLst>
   <p:sldIdLst>
     <p:sldId id="256" r:id="rId2"/>
-    <p:sldId id="257" r:id="rId3"/>
-    <p:sldId id="258" r:id="rId4"/>
+    <p:sldId id="259" r:id="rId3"/>
+    <p:sldId id="260" r:id="rId4"/>
+    <p:sldId id="261" r:id="rId5"/>
+    <p:sldId id="258" r:id="rId6"/>
   </p:sldIdLst>
   <p:sldSz cx="12192000" cy="6858000"/>
   <p:notesSz cx="6858000" cy="9144000"/>
@@ -3429,5233 +3431,112 @@
           <a:chExt cx="0" cy="0"/>
         </a:xfrm>
       </p:grpSpPr>
-      <p:cxnSp>
-        <p:nvCxnSpPr>
-          <p:cNvPr id="142" name="Straight Arrow Connector 141">
-            <a:extLst>
-              <a:ext uri="{FF2B5EF4-FFF2-40B4-BE49-F238E27FC236}">
-                <a16:creationId xmlns:a16="http://schemas.microsoft.com/office/drawing/2014/main" id="{947AB7B9-DEA0-924C-1511-22BE95FE3CAF}"/>
-              </a:ext>
-            </a:extLst>
-          </p:cNvPr>
-          <p:cNvCxnSpPr>
-            <a:cxnSpLocks/>
-          </p:cNvCxnSpPr>
-          <p:nvPr/>
-        </p:nvCxnSpPr>
-        <p:spPr>
-          <a:xfrm>
-            <a:off x="2548174" y="1609423"/>
-            <a:ext cx="1426" cy="191684"/>
-          </a:xfrm>
-          <a:prstGeom prst="straightConnector1">
-            <a:avLst/>
-          </a:prstGeom>
-          <a:ln>
-            <a:tailEnd type="triangle"/>
-          </a:ln>
-        </p:spPr>
-        <p:style>
-          <a:lnRef idx="1">
-            <a:schemeClr val="accent1"/>
-          </a:lnRef>
-          <a:fillRef idx="0">
-            <a:schemeClr val="accent1"/>
-          </a:fillRef>
-          <a:effectRef idx="0">
-            <a:schemeClr val="accent1"/>
-          </a:effectRef>
-          <a:fontRef idx="minor">
-            <a:schemeClr val="tx1"/>
-          </a:fontRef>
-        </p:style>
-      </p:cxnSp>
-      <p:pic>
-        <p:nvPicPr>
-          <p:cNvPr id="14" name="Graphic 13" descr="Images with solid fill">
-            <a:extLst>
-              <a:ext uri="{FF2B5EF4-FFF2-40B4-BE49-F238E27FC236}">
-                <a16:creationId xmlns:a16="http://schemas.microsoft.com/office/drawing/2014/main" id="{9AD3E5C8-1239-D9C4-C093-54426569D4CC}"/>
-              </a:ext>
-            </a:extLst>
-          </p:cNvPr>
-          <p:cNvPicPr>
-            <a:picLocks noChangeAspect="1"/>
-          </p:cNvPicPr>
-          <p:nvPr/>
-        </p:nvPicPr>
-        <p:blipFill>
-          <a:blip r:embed="rId2">
-            <a:extLst>
-              <a:ext uri="{28A0092B-C50C-407E-A947-70E740481C1C}">
-                <a14:useLocalDpi xmlns:a14="http://schemas.microsoft.com/office/drawing/2010/main" val="0"/>
-              </a:ext>
-              <a:ext uri="{96DAC541-7B7A-43D3-8B79-37D633B846F1}">
-                <asvg:svgBlip xmlns:asvg="http://schemas.microsoft.com/office/drawing/2016/SVG/main" r:embed="rId3"/>
-              </a:ext>
-            </a:extLst>
-          </a:blip>
-          <a:stretch>
-            <a:fillRect/>
-          </a:stretch>
-        </p:blipFill>
-        <p:spPr>
-          <a:xfrm>
-            <a:off x="2851385" y="367298"/>
-            <a:ext cx="464372" cy="468529"/>
-          </a:xfrm>
-          <a:prstGeom prst="rect">
-            <a:avLst/>
-          </a:prstGeom>
-        </p:spPr>
-      </p:pic>
-      <p:pic>
-        <p:nvPicPr>
-          <p:cNvPr id="13" name="Graphic 12" descr="Drawing Figure with solid fill">
-            <a:extLst>
-              <a:ext uri="{FF2B5EF4-FFF2-40B4-BE49-F238E27FC236}">
-                <a16:creationId xmlns:a16="http://schemas.microsoft.com/office/drawing/2014/main" id="{4070AAA1-D8CE-E641-E876-B41775D58C54}"/>
-              </a:ext>
-            </a:extLst>
-          </p:cNvPr>
-          <p:cNvPicPr>
-            <a:picLocks noChangeAspect="1"/>
-          </p:cNvPicPr>
-          <p:nvPr/>
-        </p:nvPicPr>
-        <p:blipFill>
-          <a:blip r:embed="rId4">
-            <a:extLst>
-              <a:ext uri="{28A0092B-C50C-407E-A947-70E740481C1C}">
-                <a14:useLocalDpi xmlns:a14="http://schemas.microsoft.com/office/drawing/2010/main" val="0"/>
-              </a:ext>
-              <a:ext uri="{96DAC541-7B7A-43D3-8B79-37D633B846F1}">
-                <asvg:svgBlip xmlns:asvg="http://schemas.microsoft.com/office/drawing/2016/SVG/main" r:embed="rId5"/>
-              </a:ext>
-            </a:extLst>
-          </a:blip>
-          <a:stretch>
-            <a:fillRect/>
-          </a:stretch>
-        </p:blipFill>
-        <p:spPr>
-          <a:xfrm>
-            <a:off x="6923348" y="145507"/>
-            <a:ext cx="633118" cy="468529"/>
-          </a:xfrm>
-          <a:prstGeom prst="rect">
-            <a:avLst/>
-          </a:prstGeom>
-        </p:spPr>
-      </p:pic>
-      <p:pic>
-        <p:nvPicPr>
-          <p:cNvPr id="12" name="Graphic 11" descr="Drawing Figure with solid fill">
-            <a:extLst>
-              <a:ext uri="{FF2B5EF4-FFF2-40B4-BE49-F238E27FC236}">
-                <a16:creationId xmlns:a16="http://schemas.microsoft.com/office/drawing/2014/main" id="{32BB5633-01CC-3CF7-0A0F-E9EC930EC570}"/>
-              </a:ext>
-            </a:extLst>
-          </p:cNvPr>
-          <p:cNvPicPr>
-            <a:picLocks noChangeAspect="1"/>
-          </p:cNvPicPr>
-          <p:nvPr/>
-        </p:nvPicPr>
-        <p:blipFill>
-          <a:blip r:embed="rId6">
-            <a:extLst>
-              <a:ext uri="{28A0092B-C50C-407E-A947-70E740481C1C}">
-                <a14:useLocalDpi xmlns:a14="http://schemas.microsoft.com/office/drawing/2010/main" val="0"/>
-              </a:ext>
-              <a:ext uri="{96DAC541-7B7A-43D3-8B79-37D633B846F1}">
-                <asvg:svgBlip xmlns:asvg="http://schemas.microsoft.com/office/drawing/2016/SVG/main" r:embed="rId7"/>
-              </a:ext>
-            </a:extLst>
-          </a:blip>
-          <a:stretch>
-            <a:fillRect/>
-          </a:stretch>
-        </p:blipFill>
-        <p:spPr>
-          <a:xfrm>
-            <a:off x="6832930" y="260704"/>
-            <a:ext cx="633118" cy="468529"/>
-          </a:xfrm>
-          <a:prstGeom prst="rect">
-            <a:avLst/>
-          </a:prstGeom>
-        </p:spPr>
-      </p:pic>
-      <p:pic>
-        <p:nvPicPr>
-          <p:cNvPr id="11" name="Graphic 10" descr="Drawing Figure with solid fill">
-            <a:extLst>
-              <a:ext uri="{FF2B5EF4-FFF2-40B4-BE49-F238E27FC236}">
-                <a16:creationId xmlns:a16="http://schemas.microsoft.com/office/drawing/2014/main" id="{7242CD84-9078-8D01-C96F-661BCF2B38E4}"/>
-              </a:ext>
-            </a:extLst>
-          </p:cNvPr>
-          <p:cNvPicPr>
-            <a:picLocks noChangeAspect="1"/>
-          </p:cNvPicPr>
-          <p:nvPr/>
-        </p:nvPicPr>
-        <p:blipFill>
-          <a:blip r:embed="rId8">
-            <a:extLst>
-              <a:ext uri="{28A0092B-C50C-407E-A947-70E740481C1C}">
-                <a14:useLocalDpi xmlns:a14="http://schemas.microsoft.com/office/drawing/2010/main" val="0"/>
-              </a:ext>
-              <a:ext uri="{96DAC541-7B7A-43D3-8B79-37D633B846F1}">
-                <asvg:svgBlip xmlns:asvg="http://schemas.microsoft.com/office/drawing/2016/SVG/main" r:embed="rId9"/>
-              </a:ext>
-            </a:extLst>
-          </a:blip>
-          <a:stretch>
-            <a:fillRect/>
-          </a:stretch>
-        </p:blipFill>
-        <p:spPr>
-          <a:xfrm>
-            <a:off x="6742512" y="375900"/>
-            <a:ext cx="633118" cy="468529"/>
-          </a:xfrm>
-          <a:prstGeom prst="rect">
-            <a:avLst/>
-          </a:prstGeom>
-        </p:spPr>
-      </p:pic>
       <p:sp>
         <p:nvSpPr>
-          <p:cNvPr id="4" name="Rectangle: Rounded Corners 3">
-            <a:extLst>
-              <a:ext uri="{FF2B5EF4-FFF2-40B4-BE49-F238E27FC236}">
-                <a16:creationId xmlns:a16="http://schemas.microsoft.com/office/drawing/2014/main" id="{2650EC7E-AF32-D94C-BD1F-1C14338D28E4}"/>
-              </a:ext>
-            </a:extLst>
-          </p:cNvPr>
-          <p:cNvSpPr/>
-          <p:nvPr/>
+          <p:cNvPr id="2" name="Title 1">
+            <a:extLst>
+              <a:ext uri="{FF2B5EF4-FFF2-40B4-BE49-F238E27FC236}">
+                <a16:creationId xmlns:a16="http://schemas.microsoft.com/office/drawing/2014/main" id="{A8192CF1-76D1-5C81-20F2-C25A57BF24E3}"/>
+              </a:ext>
+            </a:extLst>
+          </p:cNvPr>
+          <p:cNvSpPr>
+            <a:spLocks noGrp="1"/>
+          </p:cNvSpPr>
+          <p:nvPr>
+            <p:ph type="title"/>
+          </p:nvPr>
         </p:nvSpPr>
-        <p:spPr>
-          <a:xfrm>
-            <a:off x="2477127" y="987847"/>
-            <a:ext cx="1037478" cy="580667"/>
-          </a:xfrm>
-          <a:prstGeom prst="roundRect">
-            <a:avLst>
-              <a:gd name="adj" fmla="val 12321"/>
-            </a:avLst>
-          </a:prstGeom>
-        </p:spPr>
-        <p:style>
-          <a:lnRef idx="2">
-            <a:schemeClr val="accent1">
-              <a:shade val="15000"/>
-            </a:schemeClr>
-          </a:lnRef>
-          <a:fillRef idx="1">
-            <a:schemeClr val="accent1"/>
-          </a:fillRef>
-          <a:effectRef idx="0">
-            <a:schemeClr val="accent1"/>
-          </a:effectRef>
-          <a:fontRef idx="minor">
-            <a:schemeClr val="lt1"/>
-          </a:fontRef>
-        </p:style>
+        <p:spPr/>
         <p:txBody>
-          <a:bodyPr rtlCol="0" anchor="ctr"/>
+          <a:bodyPr/>
           <a:lstStyle/>
           <a:p>
-            <a:pPr algn="ctr"/>
             <a:r>
-              <a:rPr lang="en-US" sz="900" dirty="0"/>
-              <a:t>Feature Encoder (Spatial Attention) (</a:t>
+              <a:rPr lang="en-US" dirty="0"/>
+              <a:t>Image Changes</a:t>
             </a:r>
-            <a:r>
-              <a:rPr lang="en-US" sz="900" dirty="0" err="1"/>
-              <a:t>ViT</a:t>
-            </a:r>
-            <a:r>
-              <a:rPr lang="en-US" sz="900" dirty="0"/>
-              <a:t>)</a:t>
-            </a:r>
-            <a:endParaRPr lang="de-DE" sz="900" dirty="0"/>
+            <a:endParaRPr lang="de-DE" dirty="0"/>
           </a:p>
         </p:txBody>
       </p:sp>
       <p:sp>
         <p:nvSpPr>
-          <p:cNvPr id="5" name="Rectangle: Rounded Corners 4">
-            <a:extLst>
-              <a:ext uri="{FF2B5EF4-FFF2-40B4-BE49-F238E27FC236}">
-                <a16:creationId xmlns:a16="http://schemas.microsoft.com/office/drawing/2014/main" id="{E7A54FA5-9A3E-3707-7266-2FABC87E6623}"/>
-              </a:ext>
-            </a:extLst>
-          </p:cNvPr>
-          <p:cNvSpPr/>
-          <p:nvPr/>
+          <p:cNvPr id="3" name="Content Placeholder 2">
+            <a:extLst>
+              <a:ext uri="{FF2B5EF4-FFF2-40B4-BE49-F238E27FC236}">
+                <a16:creationId xmlns:a16="http://schemas.microsoft.com/office/drawing/2014/main" id="{4F2CF269-43B6-84E7-0177-5A85278DD294}"/>
+              </a:ext>
+            </a:extLst>
+          </p:cNvPr>
+          <p:cNvSpPr>
+            <a:spLocks noGrp="1"/>
+          </p:cNvSpPr>
+          <p:nvPr>
+            <p:ph idx="1"/>
+          </p:nvPr>
         </p:nvSpPr>
-        <p:spPr>
-          <a:xfrm>
-            <a:off x="6561871" y="1020002"/>
-            <a:ext cx="1037478" cy="375268"/>
-          </a:xfrm>
-          <a:prstGeom prst="roundRect">
-            <a:avLst>
-              <a:gd name="adj" fmla="val 12321"/>
-            </a:avLst>
-          </a:prstGeom>
-        </p:spPr>
-        <p:style>
-          <a:lnRef idx="2">
-            <a:schemeClr val="accent1">
-              <a:shade val="15000"/>
-            </a:schemeClr>
-          </a:lnRef>
-          <a:fillRef idx="1">
-            <a:schemeClr val="accent1"/>
-          </a:fillRef>
-          <a:effectRef idx="0">
-            <a:schemeClr val="accent1"/>
-          </a:effectRef>
-          <a:fontRef idx="minor">
-            <a:schemeClr val="lt1"/>
-          </a:fontRef>
-        </p:style>
+        <p:spPr/>
         <p:txBody>
-          <a:bodyPr rtlCol="0" anchor="ctr"/>
+          <a:bodyPr/>
           <a:lstStyle/>
           <a:p>
-            <a:pPr algn="ctr"/>
             <a:r>
-              <a:rPr lang="en-US" sz="1100" dirty="0"/>
-              <a:t>Pose Encoder</a:t>
+              <a:rPr lang="en-US" dirty="0"/>
+              <a:t>In temporal direction of the Local and Global features</a:t>
             </a:r>
-            <a:endParaRPr lang="de-DE" sz="1100" dirty="0"/>
+          </a:p>
+          <a:p>
+            <a:r>
+              <a:rPr lang="en-US" dirty="0"/>
+              <a:t>Refers to the change in,</a:t>
+            </a:r>
+          </a:p>
+          <a:p>
+            <a:pPr lvl="1"/>
+            <a:r>
+              <a:rPr lang="en-US" dirty="0"/>
+              <a:t>Local/Global scale, shift, rotation etc.</a:t>
+            </a:r>
+          </a:p>
+          <a:p>
+            <a:pPr lvl="1"/>
+            <a:r>
+              <a:rPr lang="en-US" dirty="0"/>
+              <a:t>Local/Global color, Illumination, brightness, contrast etc.</a:t>
+            </a:r>
+          </a:p>
+          <a:p>
+            <a:pPr marL="457200" lvl="1" indent="0">
+              <a:buNone/>
+            </a:pPr>
+            <a:endParaRPr lang="en-US" dirty="0"/>
+          </a:p>
+          <a:p>
+            <a:endParaRPr lang="en-US" dirty="0"/>
+          </a:p>
+          <a:p>
+            <a:pPr lvl="1"/>
+            <a:endParaRPr lang="en-US" dirty="0"/>
+          </a:p>
+          <a:p>
+            <a:endParaRPr lang="en-US" dirty="0"/>
+          </a:p>
+          <a:p>
+            <a:endParaRPr lang="en-US" dirty="0"/>
+          </a:p>
+          <a:p>
+            <a:endParaRPr lang="en-US" dirty="0"/>
+          </a:p>
+          <a:p>
+            <a:endParaRPr lang="de-DE" dirty="0"/>
           </a:p>
         </p:txBody>
       </p:sp>
-      <p:sp>
-        <p:nvSpPr>
-          <p:cNvPr id="6" name="Rectangle: Rounded Corners 5">
-            <a:extLst>
-              <a:ext uri="{FF2B5EF4-FFF2-40B4-BE49-F238E27FC236}">
-                <a16:creationId xmlns:a16="http://schemas.microsoft.com/office/drawing/2014/main" id="{FD63E116-0862-F87A-D794-943BBC1ECE33}"/>
-              </a:ext>
-            </a:extLst>
-          </p:cNvPr>
-          <p:cNvSpPr/>
-          <p:nvPr/>
-        </p:nvSpPr>
-        <p:spPr>
-          <a:xfrm>
-            <a:off x="4448623" y="4512717"/>
-            <a:ext cx="1085240" cy="714087"/>
-          </a:xfrm>
-          <a:prstGeom prst="roundRect">
-            <a:avLst>
-              <a:gd name="adj" fmla="val 12321"/>
-            </a:avLst>
-          </a:prstGeom>
-        </p:spPr>
-        <p:style>
-          <a:lnRef idx="2">
-            <a:schemeClr val="accent1">
-              <a:shade val="15000"/>
-            </a:schemeClr>
-          </a:lnRef>
-          <a:fillRef idx="1">
-            <a:schemeClr val="accent1"/>
-          </a:fillRef>
-          <a:effectRef idx="0">
-            <a:schemeClr val="accent1"/>
-          </a:effectRef>
-          <a:fontRef idx="minor">
-            <a:schemeClr val="lt1"/>
-          </a:fontRef>
-        </p:style>
-        <p:txBody>
-          <a:bodyPr rtlCol="0" anchor="ctr"/>
-          <a:lstStyle/>
-          <a:p>
-            <a:pPr algn="ctr"/>
-            <a:r>
-              <a:rPr lang="en-US" sz="900" dirty="0"/>
-              <a:t>Transformer Decoder</a:t>
-            </a:r>
-            <a:endParaRPr lang="de-DE" sz="900" dirty="0"/>
-          </a:p>
-        </p:txBody>
-      </p:sp>
-      <p:pic>
-        <p:nvPicPr>
-          <p:cNvPr id="8" name="Graphic 7" descr="Images with solid fill">
-            <a:extLst>
-              <a:ext uri="{FF2B5EF4-FFF2-40B4-BE49-F238E27FC236}">
-                <a16:creationId xmlns:a16="http://schemas.microsoft.com/office/drawing/2014/main" id="{9F06ADF2-7D91-54FD-1CC7-9DCFDC57209C}"/>
-              </a:ext>
-            </a:extLst>
-          </p:cNvPr>
-          <p:cNvPicPr>
-            <a:picLocks noChangeAspect="1"/>
-          </p:cNvPicPr>
-          <p:nvPr/>
-        </p:nvPicPr>
-        <p:blipFill>
-          <a:blip r:embed="rId10">
-            <a:extLst>
-              <a:ext uri="{28A0092B-C50C-407E-A947-70E740481C1C}">
-                <a14:useLocalDpi xmlns:a14="http://schemas.microsoft.com/office/drawing/2010/main" val="0"/>
-              </a:ext>
-              <a:ext uri="{96DAC541-7B7A-43D3-8B79-37D633B846F1}">
-                <asvg:svgBlip xmlns:asvg="http://schemas.microsoft.com/office/drawing/2016/SVG/main" r:embed="rId11"/>
-              </a:ext>
-            </a:extLst>
-          </a:blip>
-          <a:stretch>
-            <a:fillRect/>
-          </a:stretch>
-        </p:blipFill>
-        <p:spPr>
-          <a:xfrm>
-            <a:off x="2779765" y="487629"/>
-            <a:ext cx="464372" cy="468529"/>
-          </a:xfrm>
-          <a:prstGeom prst="rect">
-            <a:avLst/>
-          </a:prstGeom>
-        </p:spPr>
-      </p:pic>
-      <p:pic>
-        <p:nvPicPr>
-          <p:cNvPr id="10" name="Graphic 9" descr="Drawing Figure with solid fill">
-            <a:extLst>
-              <a:ext uri="{FF2B5EF4-FFF2-40B4-BE49-F238E27FC236}">
-                <a16:creationId xmlns:a16="http://schemas.microsoft.com/office/drawing/2014/main" id="{6C74A144-82FB-0500-2A06-7B04BBBA2B38}"/>
-              </a:ext>
-            </a:extLst>
-          </p:cNvPr>
-          <p:cNvPicPr>
-            <a:picLocks noChangeAspect="1"/>
-          </p:cNvPicPr>
-          <p:nvPr/>
-        </p:nvPicPr>
-        <p:blipFill>
-          <a:blip r:embed="rId12">
-            <a:extLst>
-              <a:ext uri="{28A0092B-C50C-407E-A947-70E740481C1C}">
-                <a14:useLocalDpi xmlns:a14="http://schemas.microsoft.com/office/drawing/2010/main" val="0"/>
-              </a:ext>
-              <a:ext uri="{96DAC541-7B7A-43D3-8B79-37D633B846F1}">
-                <asvg:svgBlip xmlns:asvg="http://schemas.microsoft.com/office/drawing/2016/SVG/main" r:embed="rId13"/>
-              </a:ext>
-            </a:extLst>
-          </a:blip>
-          <a:stretch>
-            <a:fillRect/>
-          </a:stretch>
-        </p:blipFill>
-        <p:spPr>
-          <a:xfrm>
-            <a:off x="6659247" y="506139"/>
-            <a:ext cx="633118" cy="468529"/>
-          </a:xfrm>
-          <a:prstGeom prst="rect">
-            <a:avLst/>
-          </a:prstGeom>
-        </p:spPr>
-      </p:pic>
-      <p:sp>
-        <p:nvSpPr>
-          <p:cNvPr id="24" name="Rectangle: Rounded Corners 23">
-            <a:extLst>
-              <a:ext uri="{FF2B5EF4-FFF2-40B4-BE49-F238E27FC236}">
-                <a16:creationId xmlns:a16="http://schemas.microsoft.com/office/drawing/2014/main" id="{1CD7744A-ED15-4D93-9C6D-CAE768E5B63C}"/>
-              </a:ext>
-            </a:extLst>
-          </p:cNvPr>
-          <p:cNvSpPr/>
-          <p:nvPr/>
-        </p:nvSpPr>
-        <p:spPr>
-          <a:xfrm>
-            <a:off x="7519775" y="1860290"/>
-            <a:ext cx="79032" cy="421927"/>
-          </a:xfrm>
-          <a:prstGeom prst="roundRect">
-            <a:avLst/>
-          </a:prstGeom>
-          <a:ln>
-            <a:noFill/>
-          </a:ln>
-        </p:spPr>
-        <p:style>
-          <a:lnRef idx="2">
-            <a:schemeClr val="accent1">
-              <a:shade val="15000"/>
-            </a:schemeClr>
-          </a:lnRef>
-          <a:fillRef idx="1">
-            <a:schemeClr val="accent1"/>
-          </a:fillRef>
-          <a:effectRef idx="0">
-            <a:schemeClr val="accent1"/>
-          </a:effectRef>
-          <a:fontRef idx="minor">
-            <a:schemeClr val="lt1"/>
-          </a:fontRef>
-        </p:style>
-        <p:txBody>
-          <a:bodyPr rtlCol="0" anchor="ctr"/>
-          <a:lstStyle/>
-          <a:p>
-            <a:pPr algn="ctr"/>
-            <a:endParaRPr lang="de-DE"/>
-          </a:p>
-        </p:txBody>
-      </p:sp>
-      <p:sp>
-        <p:nvSpPr>
-          <p:cNvPr id="25" name="Rectangle: Rounded Corners 24">
-            <a:extLst>
-              <a:ext uri="{FF2B5EF4-FFF2-40B4-BE49-F238E27FC236}">
-                <a16:creationId xmlns:a16="http://schemas.microsoft.com/office/drawing/2014/main" id="{80E9A60E-9C4F-F671-ECA4-213A6C760396}"/>
-              </a:ext>
-            </a:extLst>
-          </p:cNvPr>
-          <p:cNvSpPr/>
-          <p:nvPr/>
-        </p:nvSpPr>
-        <p:spPr>
-          <a:xfrm>
-            <a:off x="7519775" y="1718249"/>
-            <a:ext cx="79032" cy="141250"/>
-          </a:xfrm>
-          <a:prstGeom prst="roundRect">
-            <a:avLst>
-              <a:gd name="adj" fmla="val 13802"/>
-            </a:avLst>
-          </a:prstGeom>
-          <a:solidFill>
-            <a:schemeClr val="accent4">
-              <a:lumMod val="60000"/>
-              <a:lumOff val="40000"/>
-            </a:schemeClr>
-          </a:solidFill>
-          <a:ln>
-            <a:noFill/>
-          </a:ln>
-        </p:spPr>
-        <p:style>
-          <a:lnRef idx="2">
-            <a:schemeClr val="accent4">
-              <a:shade val="15000"/>
-            </a:schemeClr>
-          </a:lnRef>
-          <a:fillRef idx="1">
-            <a:schemeClr val="accent4"/>
-          </a:fillRef>
-          <a:effectRef idx="0">
-            <a:schemeClr val="accent4"/>
-          </a:effectRef>
-          <a:fontRef idx="minor">
-            <a:schemeClr val="lt1"/>
-          </a:fontRef>
-        </p:style>
-        <p:txBody>
-          <a:bodyPr rtlCol="0" anchor="ctr"/>
-          <a:lstStyle/>
-          <a:p>
-            <a:pPr algn="ctr"/>
-            <a:endParaRPr lang="de-DE"/>
-          </a:p>
-        </p:txBody>
-      </p:sp>
-      <p:sp>
-        <p:nvSpPr>
-          <p:cNvPr id="23" name="Rectangle: Rounded Corners 22">
-            <a:extLst>
-              <a:ext uri="{FF2B5EF4-FFF2-40B4-BE49-F238E27FC236}">
-                <a16:creationId xmlns:a16="http://schemas.microsoft.com/office/drawing/2014/main" id="{8551FF82-4268-0FAE-4C17-EC1485059319}"/>
-              </a:ext>
-            </a:extLst>
-          </p:cNvPr>
-          <p:cNvSpPr/>
-          <p:nvPr/>
-        </p:nvSpPr>
-        <p:spPr>
-          <a:xfrm>
-            <a:off x="7277457" y="1860290"/>
-            <a:ext cx="79032" cy="421927"/>
-          </a:xfrm>
-          <a:prstGeom prst="roundRect">
-            <a:avLst/>
-          </a:prstGeom>
-          <a:ln>
-            <a:noFill/>
-          </a:ln>
-        </p:spPr>
-        <p:style>
-          <a:lnRef idx="2">
-            <a:schemeClr val="accent1">
-              <a:shade val="15000"/>
-            </a:schemeClr>
-          </a:lnRef>
-          <a:fillRef idx="1">
-            <a:schemeClr val="accent1"/>
-          </a:fillRef>
-          <a:effectRef idx="0">
-            <a:schemeClr val="accent1"/>
-          </a:effectRef>
-          <a:fontRef idx="minor">
-            <a:schemeClr val="lt1"/>
-          </a:fontRef>
-        </p:style>
-        <p:txBody>
-          <a:bodyPr rtlCol="0" anchor="ctr"/>
-          <a:lstStyle/>
-          <a:p>
-            <a:pPr algn="ctr"/>
-            <a:endParaRPr lang="de-DE"/>
-          </a:p>
-        </p:txBody>
-      </p:sp>
-      <p:sp>
-        <p:nvSpPr>
-          <p:cNvPr id="26" name="Rectangle: Rounded Corners 25">
-            <a:extLst>
-              <a:ext uri="{FF2B5EF4-FFF2-40B4-BE49-F238E27FC236}">
-                <a16:creationId xmlns:a16="http://schemas.microsoft.com/office/drawing/2014/main" id="{2D30599B-79CE-5EFA-86ED-B17B24F61F7E}"/>
-              </a:ext>
-            </a:extLst>
-          </p:cNvPr>
-          <p:cNvSpPr/>
-          <p:nvPr/>
-        </p:nvSpPr>
-        <p:spPr>
-          <a:xfrm>
-            <a:off x="7277457" y="1718249"/>
-            <a:ext cx="79032" cy="141250"/>
-          </a:xfrm>
-          <a:prstGeom prst="roundRect">
-            <a:avLst>
-              <a:gd name="adj" fmla="val 13802"/>
-            </a:avLst>
-          </a:prstGeom>
-          <a:solidFill>
-            <a:schemeClr val="accent4">
-              <a:lumMod val="60000"/>
-              <a:lumOff val="40000"/>
-            </a:schemeClr>
-          </a:solidFill>
-          <a:ln>
-            <a:noFill/>
-          </a:ln>
-        </p:spPr>
-        <p:style>
-          <a:lnRef idx="2">
-            <a:schemeClr val="accent4">
-              <a:shade val="15000"/>
-            </a:schemeClr>
-          </a:lnRef>
-          <a:fillRef idx="1">
-            <a:schemeClr val="accent4"/>
-          </a:fillRef>
-          <a:effectRef idx="0">
-            <a:schemeClr val="accent4"/>
-          </a:effectRef>
-          <a:fontRef idx="minor">
-            <a:schemeClr val="lt1"/>
-          </a:fontRef>
-        </p:style>
-        <p:txBody>
-          <a:bodyPr rtlCol="0" anchor="ctr"/>
-          <a:lstStyle/>
-          <a:p>
-            <a:pPr algn="ctr"/>
-            <a:endParaRPr lang="de-DE"/>
-          </a:p>
-        </p:txBody>
-      </p:sp>
-      <p:sp>
-        <p:nvSpPr>
-          <p:cNvPr id="22" name="Rectangle: Rounded Corners 21">
-            <a:extLst>
-              <a:ext uri="{FF2B5EF4-FFF2-40B4-BE49-F238E27FC236}">
-                <a16:creationId xmlns:a16="http://schemas.microsoft.com/office/drawing/2014/main" id="{224056A8-45FF-FCAB-6758-961D757CCC7D}"/>
-              </a:ext>
-            </a:extLst>
-          </p:cNvPr>
-          <p:cNvSpPr/>
-          <p:nvPr/>
-        </p:nvSpPr>
-        <p:spPr>
-          <a:xfrm>
-            <a:off x="7056637" y="1860290"/>
-            <a:ext cx="79032" cy="421927"/>
-          </a:xfrm>
-          <a:prstGeom prst="roundRect">
-            <a:avLst/>
-          </a:prstGeom>
-          <a:ln>
-            <a:noFill/>
-          </a:ln>
-        </p:spPr>
-        <p:style>
-          <a:lnRef idx="2">
-            <a:schemeClr val="accent1">
-              <a:shade val="15000"/>
-            </a:schemeClr>
-          </a:lnRef>
-          <a:fillRef idx="1">
-            <a:schemeClr val="accent1"/>
-          </a:fillRef>
-          <a:effectRef idx="0">
-            <a:schemeClr val="accent1"/>
-          </a:effectRef>
-          <a:fontRef idx="minor">
-            <a:schemeClr val="lt1"/>
-          </a:fontRef>
-        </p:style>
-        <p:txBody>
-          <a:bodyPr rtlCol="0" anchor="ctr"/>
-          <a:lstStyle/>
-          <a:p>
-            <a:pPr algn="ctr"/>
-            <a:endParaRPr lang="de-DE"/>
-          </a:p>
-        </p:txBody>
-      </p:sp>
-      <p:sp>
-        <p:nvSpPr>
-          <p:cNvPr id="27" name="Rectangle: Rounded Corners 26">
-            <a:extLst>
-              <a:ext uri="{FF2B5EF4-FFF2-40B4-BE49-F238E27FC236}">
-                <a16:creationId xmlns:a16="http://schemas.microsoft.com/office/drawing/2014/main" id="{14ECB7CB-6930-913F-3A85-844CC6179F54}"/>
-              </a:ext>
-            </a:extLst>
-          </p:cNvPr>
-          <p:cNvSpPr/>
-          <p:nvPr/>
-        </p:nvSpPr>
-        <p:spPr>
-          <a:xfrm>
-            <a:off x="7056764" y="1718249"/>
-            <a:ext cx="79032" cy="141250"/>
-          </a:xfrm>
-          <a:prstGeom prst="roundRect">
-            <a:avLst>
-              <a:gd name="adj" fmla="val 13802"/>
-            </a:avLst>
-          </a:prstGeom>
-          <a:solidFill>
-            <a:schemeClr val="accent4">
-              <a:lumMod val="60000"/>
-              <a:lumOff val="40000"/>
-            </a:schemeClr>
-          </a:solidFill>
-          <a:ln>
-            <a:noFill/>
-          </a:ln>
-        </p:spPr>
-        <p:style>
-          <a:lnRef idx="2">
-            <a:schemeClr val="accent4">
-              <a:shade val="15000"/>
-            </a:schemeClr>
-          </a:lnRef>
-          <a:fillRef idx="1">
-            <a:schemeClr val="accent4"/>
-          </a:fillRef>
-          <a:effectRef idx="0">
-            <a:schemeClr val="accent4"/>
-          </a:effectRef>
-          <a:fontRef idx="minor">
-            <a:schemeClr val="lt1"/>
-          </a:fontRef>
-        </p:style>
-        <p:txBody>
-          <a:bodyPr rtlCol="0" anchor="ctr"/>
-          <a:lstStyle/>
-          <a:p>
-            <a:pPr algn="ctr"/>
-            <a:endParaRPr lang="de-DE"/>
-          </a:p>
-        </p:txBody>
-      </p:sp>
-      <p:sp>
-        <p:nvSpPr>
-          <p:cNvPr id="21" name="Rectangle: Rounded Corners 20">
-            <a:extLst>
-              <a:ext uri="{FF2B5EF4-FFF2-40B4-BE49-F238E27FC236}">
-                <a16:creationId xmlns:a16="http://schemas.microsoft.com/office/drawing/2014/main" id="{14E18C82-53F3-93E7-7CE8-34360A761263}"/>
-              </a:ext>
-            </a:extLst>
-          </p:cNvPr>
-          <p:cNvSpPr/>
-          <p:nvPr/>
-        </p:nvSpPr>
-        <p:spPr>
-          <a:xfrm>
-            <a:off x="6820493" y="1860290"/>
-            <a:ext cx="79032" cy="421927"/>
-          </a:xfrm>
-          <a:prstGeom prst="roundRect">
-            <a:avLst/>
-          </a:prstGeom>
-          <a:ln>
-            <a:noFill/>
-          </a:ln>
-        </p:spPr>
-        <p:style>
-          <a:lnRef idx="2">
-            <a:schemeClr val="accent1">
-              <a:shade val="15000"/>
-            </a:schemeClr>
-          </a:lnRef>
-          <a:fillRef idx="1">
-            <a:schemeClr val="accent1"/>
-          </a:fillRef>
-          <a:effectRef idx="0">
-            <a:schemeClr val="accent1"/>
-          </a:effectRef>
-          <a:fontRef idx="minor">
-            <a:schemeClr val="lt1"/>
-          </a:fontRef>
-        </p:style>
-        <p:txBody>
-          <a:bodyPr rtlCol="0" anchor="ctr"/>
-          <a:lstStyle/>
-          <a:p>
-            <a:pPr algn="ctr"/>
-            <a:endParaRPr lang="de-DE"/>
-          </a:p>
-        </p:txBody>
-      </p:sp>
-      <p:sp>
-        <p:nvSpPr>
-          <p:cNvPr id="28" name="Rectangle: Rounded Corners 27">
-            <a:extLst>
-              <a:ext uri="{FF2B5EF4-FFF2-40B4-BE49-F238E27FC236}">
-                <a16:creationId xmlns:a16="http://schemas.microsoft.com/office/drawing/2014/main" id="{90488C63-B32D-FBAD-E462-CBD2F119DAE3}"/>
-              </a:ext>
-            </a:extLst>
-          </p:cNvPr>
-          <p:cNvSpPr/>
-          <p:nvPr/>
-        </p:nvSpPr>
-        <p:spPr>
-          <a:xfrm>
-            <a:off x="6820279" y="1718249"/>
-            <a:ext cx="79032" cy="141250"/>
-          </a:xfrm>
-          <a:prstGeom prst="roundRect">
-            <a:avLst>
-              <a:gd name="adj" fmla="val 13802"/>
-            </a:avLst>
-          </a:prstGeom>
-          <a:solidFill>
-            <a:schemeClr val="accent4">
-              <a:lumMod val="60000"/>
-              <a:lumOff val="40000"/>
-            </a:schemeClr>
-          </a:solidFill>
-          <a:ln>
-            <a:noFill/>
-          </a:ln>
-        </p:spPr>
-        <p:style>
-          <a:lnRef idx="2">
-            <a:schemeClr val="accent4">
-              <a:shade val="15000"/>
-            </a:schemeClr>
-          </a:lnRef>
-          <a:fillRef idx="1">
-            <a:schemeClr val="accent4"/>
-          </a:fillRef>
-          <a:effectRef idx="0">
-            <a:schemeClr val="accent4"/>
-          </a:effectRef>
-          <a:fontRef idx="minor">
-            <a:schemeClr val="lt1"/>
-          </a:fontRef>
-        </p:style>
-        <p:txBody>
-          <a:bodyPr rtlCol="0" anchor="ctr"/>
-          <a:lstStyle/>
-          <a:p>
-            <a:pPr algn="ctr"/>
-            <a:endParaRPr lang="de-DE"/>
-          </a:p>
-        </p:txBody>
-      </p:sp>
-      <p:sp>
-        <p:nvSpPr>
-          <p:cNvPr id="20" name="Rectangle: Rounded Corners 19">
-            <a:extLst>
-              <a:ext uri="{FF2B5EF4-FFF2-40B4-BE49-F238E27FC236}">
-                <a16:creationId xmlns:a16="http://schemas.microsoft.com/office/drawing/2014/main" id="{9033B2CE-10BB-6935-966B-E3B228DEF97A}"/>
-              </a:ext>
-            </a:extLst>
-          </p:cNvPr>
-          <p:cNvSpPr/>
-          <p:nvPr/>
-        </p:nvSpPr>
-        <p:spPr>
-          <a:xfrm>
-            <a:off x="6593187" y="1860290"/>
-            <a:ext cx="79032" cy="421927"/>
-          </a:xfrm>
-          <a:prstGeom prst="roundRect">
-            <a:avLst/>
-          </a:prstGeom>
-          <a:ln>
-            <a:noFill/>
-          </a:ln>
-        </p:spPr>
-        <p:style>
-          <a:lnRef idx="2">
-            <a:schemeClr val="accent1">
-              <a:shade val="15000"/>
-            </a:schemeClr>
-          </a:lnRef>
-          <a:fillRef idx="1">
-            <a:schemeClr val="accent1"/>
-          </a:fillRef>
-          <a:effectRef idx="0">
-            <a:schemeClr val="accent1"/>
-          </a:effectRef>
-          <a:fontRef idx="minor">
-            <a:schemeClr val="lt1"/>
-          </a:fontRef>
-        </p:style>
-        <p:txBody>
-          <a:bodyPr rtlCol="0" anchor="ctr"/>
-          <a:lstStyle/>
-          <a:p>
-            <a:pPr algn="ctr"/>
-            <a:endParaRPr lang="de-DE"/>
-          </a:p>
-        </p:txBody>
-      </p:sp>
-      <p:sp>
-        <p:nvSpPr>
-          <p:cNvPr id="29" name="Rectangle: Rounded Corners 28">
-            <a:extLst>
-              <a:ext uri="{FF2B5EF4-FFF2-40B4-BE49-F238E27FC236}">
-                <a16:creationId xmlns:a16="http://schemas.microsoft.com/office/drawing/2014/main" id="{0897A311-24C1-59B6-0D4A-98E2727CE698}"/>
-              </a:ext>
-            </a:extLst>
-          </p:cNvPr>
-          <p:cNvSpPr/>
-          <p:nvPr/>
-        </p:nvSpPr>
-        <p:spPr>
-          <a:xfrm>
-            <a:off x="6593187" y="1718249"/>
-            <a:ext cx="79032" cy="141250"/>
-          </a:xfrm>
-          <a:prstGeom prst="roundRect">
-            <a:avLst>
-              <a:gd name="adj" fmla="val 13802"/>
-            </a:avLst>
-          </a:prstGeom>
-          <a:solidFill>
-            <a:schemeClr val="accent4">
-              <a:lumMod val="60000"/>
-              <a:lumOff val="40000"/>
-            </a:schemeClr>
-          </a:solidFill>
-          <a:ln>
-            <a:noFill/>
-          </a:ln>
-        </p:spPr>
-        <p:style>
-          <a:lnRef idx="2">
-            <a:schemeClr val="accent4">
-              <a:shade val="15000"/>
-            </a:schemeClr>
-          </a:lnRef>
-          <a:fillRef idx="1">
-            <a:schemeClr val="accent4"/>
-          </a:fillRef>
-          <a:effectRef idx="0">
-            <a:schemeClr val="accent4"/>
-          </a:effectRef>
-          <a:fontRef idx="minor">
-            <a:schemeClr val="lt1"/>
-          </a:fontRef>
-        </p:style>
-        <p:txBody>
-          <a:bodyPr rtlCol="0" anchor="ctr"/>
-          <a:lstStyle/>
-          <a:p>
-            <a:pPr algn="ctr"/>
-            <a:endParaRPr lang="de-DE" dirty="0"/>
-          </a:p>
-        </p:txBody>
-      </p:sp>
-      <p:sp>
-        <p:nvSpPr>
-          <p:cNvPr id="35" name="TextBox 34">
-            <a:extLst>
-              <a:ext uri="{FF2B5EF4-FFF2-40B4-BE49-F238E27FC236}">
-                <a16:creationId xmlns:a16="http://schemas.microsoft.com/office/drawing/2014/main" id="{30069AAE-1792-B758-C766-57965DEB7B97}"/>
-              </a:ext>
-            </a:extLst>
-          </p:cNvPr>
-          <p:cNvSpPr txBox="1"/>
-          <p:nvPr/>
-        </p:nvSpPr>
-        <p:spPr>
-          <a:xfrm>
-            <a:off x="4337920" y="1489862"/>
-            <a:ext cx="336364" cy="184666"/>
-          </a:xfrm>
-          <a:prstGeom prst="rect">
-            <a:avLst/>
-          </a:prstGeom>
-          <a:noFill/>
-        </p:spPr>
-        <p:txBody>
-          <a:bodyPr wrap="square" rtlCol="0">
-            <a:spAutoFit/>
-          </a:bodyPr>
-          <a:lstStyle/>
-          <a:p>
-            <a:pPr algn="ctr"/>
-            <a:r>
-              <a:rPr lang="en-US" sz="600" dirty="0"/>
-              <a:t>t=n</a:t>
-            </a:r>
-            <a:endParaRPr lang="de-DE" sz="600" dirty="0"/>
-          </a:p>
-        </p:txBody>
-      </p:sp>
-      <p:sp>
-        <p:nvSpPr>
-          <p:cNvPr id="36" name="TextBox 35">
-            <a:extLst>
-              <a:ext uri="{FF2B5EF4-FFF2-40B4-BE49-F238E27FC236}">
-                <a16:creationId xmlns:a16="http://schemas.microsoft.com/office/drawing/2014/main" id="{6F2C0E8F-D512-5480-E40B-1E371A45A9C6}"/>
-              </a:ext>
-            </a:extLst>
-          </p:cNvPr>
-          <p:cNvSpPr txBox="1"/>
-          <p:nvPr/>
-        </p:nvSpPr>
-        <p:spPr>
-          <a:xfrm>
-            <a:off x="6557180" y="1362846"/>
-            <a:ext cx="528230" cy="184666"/>
-          </a:xfrm>
-          <a:prstGeom prst="rect">
-            <a:avLst/>
-          </a:prstGeom>
-          <a:noFill/>
-        </p:spPr>
-        <p:txBody>
-          <a:bodyPr wrap="square" rtlCol="0">
-            <a:spAutoFit/>
-          </a:bodyPr>
-          <a:lstStyle/>
-          <a:p>
-            <a:pPr algn="ctr"/>
-            <a:r>
-              <a:rPr lang="en-US" sz="600" dirty="0"/>
-              <a:t>t=n+1</a:t>
-            </a:r>
-            <a:endParaRPr lang="de-DE" sz="600" dirty="0"/>
-          </a:p>
-        </p:txBody>
-      </p:sp>
-      <p:sp>
-        <p:nvSpPr>
-          <p:cNvPr id="37" name="TextBox 36">
-            <a:extLst>
-              <a:ext uri="{FF2B5EF4-FFF2-40B4-BE49-F238E27FC236}">
-                <a16:creationId xmlns:a16="http://schemas.microsoft.com/office/drawing/2014/main" id="{8F5A59EF-21D4-8B1B-8A21-C702E0AEAB7E}"/>
-              </a:ext>
-            </a:extLst>
-          </p:cNvPr>
-          <p:cNvSpPr txBox="1"/>
-          <p:nvPr/>
-        </p:nvSpPr>
-        <p:spPr>
-          <a:xfrm>
-            <a:off x="6816141" y="1365099"/>
-            <a:ext cx="483024" cy="184666"/>
-          </a:xfrm>
-          <a:prstGeom prst="rect">
-            <a:avLst/>
-          </a:prstGeom>
-          <a:noFill/>
-        </p:spPr>
-        <p:txBody>
-          <a:bodyPr wrap="square" rtlCol="0">
-            <a:spAutoFit/>
-          </a:bodyPr>
-          <a:lstStyle/>
-          <a:p>
-            <a:pPr algn="ctr"/>
-            <a:r>
-              <a:rPr lang="en-US" sz="600" dirty="0"/>
-              <a:t>t=n+2</a:t>
-            </a:r>
-            <a:endParaRPr lang="de-DE" sz="600" dirty="0"/>
-          </a:p>
-        </p:txBody>
-      </p:sp>
-      <p:sp>
-        <p:nvSpPr>
-          <p:cNvPr id="38" name="TextBox 37">
-            <a:extLst>
-              <a:ext uri="{FF2B5EF4-FFF2-40B4-BE49-F238E27FC236}">
-                <a16:creationId xmlns:a16="http://schemas.microsoft.com/office/drawing/2014/main" id="{93C805BF-4D0D-42CC-FCBC-94776E7AD7DF}"/>
-              </a:ext>
-            </a:extLst>
-          </p:cNvPr>
-          <p:cNvSpPr txBox="1"/>
-          <p:nvPr/>
-        </p:nvSpPr>
-        <p:spPr>
-          <a:xfrm>
-            <a:off x="7026381" y="1366460"/>
-            <a:ext cx="506202" cy="184666"/>
-          </a:xfrm>
-          <a:prstGeom prst="rect">
-            <a:avLst/>
-          </a:prstGeom>
-          <a:noFill/>
-        </p:spPr>
-        <p:txBody>
-          <a:bodyPr wrap="square" rtlCol="0">
-            <a:spAutoFit/>
-          </a:bodyPr>
-          <a:lstStyle/>
-          <a:p>
-            <a:pPr algn="ctr"/>
-            <a:r>
-              <a:rPr lang="en-US" sz="600" dirty="0"/>
-              <a:t>t=n+3</a:t>
-            </a:r>
-            <a:endParaRPr lang="de-DE" sz="600" dirty="0"/>
-          </a:p>
-        </p:txBody>
-      </p:sp>
-      <p:sp>
-        <p:nvSpPr>
-          <p:cNvPr id="39" name="TextBox 38">
-            <a:extLst>
-              <a:ext uri="{FF2B5EF4-FFF2-40B4-BE49-F238E27FC236}">
-                <a16:creationId xmlns:a16="http://schemas.microsoft.com/office/drawing/2014/main" id="{C1DD5E7B-6996-3038-5109-DD010F54C8BD}"/>
-              </a:ext>
-            </a:extLst>
-          </p:cNvPr>
-          <p:cNvSpPr txBox="1"/>
-          <p:nvPr/>
-        </p:nvSpPr>
-        <p:spPr>
-          <a:xfrm>
-            <a:off x="7300803" y="1370074"/>
-            <a:ext cx="463592" cy="184666"/>
-          </a:xfrm>
-          <a:prstGeom prst="rect">
-            <a:avLst/>
-          </a:prstGeom>
-          <a:noFill/>
-        </p:spPr>
-        <p:txBody>
-          <a:bodyPr wrap="square" rtlCol="0">
-            <a:spAutoFit/>
-          </a:bodyPr>
-          <a:lstStyle/>
-          <a:p>
-            <a:pPr algn="ctr"/>
-            <a:r>
-              <a:rPr lang="en-US" sz="600" dirty="0"/>
-              <a:t>t=n+4</a:t>
-            </a:r>
-            <a:endParaRPr lang="de-DE" sz="600" dirty="0"/>
-          </a:p>
-        </p:txBody>
-      </p:sp>
-      <p:sp>
-        <p:nvSpPr>
-          <p:cNvPr id="52" name="Rectangle: Rounded Corners 51">
-            <a:extLst>
-              <a:ext uri="{FF2B5EF4-FFF2-40B4-BE49-F238E27FC236}">
-                <a16:creationId xmlns:a16="http://schemas.microsoft.com/office/drawing/2014/main" id="{D1CD7806-99DD-37B5-138C-5DF21F5DB9AF}"/>
-              </a:ext>
-            </a:extLst>
-          </p:cNvPr>
-          <p:cNvSpPr/>
-          <p:nvPr/>
-        </p:nvSpPr>
-        <p:spPr>
-          <a:xfrm>
-            <a:off x="2483321" y="2689039"/>
-            <a:ext cx="1037478" cy="714087"/>
-          </a:xfrm>
-          <a:prstGeom prst="roundRect">
-            <a:avLst>
-              <a:gd name="adj" fmla="val 12321"/>
-            </a:avLst>
-          </a:prstGeom>
-        </p:spPr>
-        <p:style>
-          <a:lnRef idx="2">
-            <a:schemeClr val="accent1">
-              <a:shade val="15000"/>
-            </a:schemeClr>
-          </a:lnRef>
-          <a:fillRef idx="1">
-            <a:schemeClr val="accent1"/>
-          </a:fillRef>
-          <a:effectRef idx="0">
-            <a:schemeClr val="accent1"/>
-          </a:effectRef>
-          <a:fontRef idx="minor">
-            <a:schemeClr val="lt1"/>
-          </a:fontRef>
-        </p:style>
-        <p:txBody>
-          <a:bodyPr rtlCol="0" anchor="ctr"/>
-          <a:lstStyle/>
-          <a:p>
-            <a:pPr algn="ctr"/>
-            <a:r>
-              <a:rPr lang="en-US" sz="1100" dirty="0"/>
-              <a:t>Encoder (Temporal Attention)</a:t>
-            </a:r>
-            <a:endParaRPr lang="de-DE" sz="1100" dirty="0"/>
-          </a:p>
-        </p:txBody>
-      </p:sp>
-      <p:sp>
-        <p:nvSpPr>
-          <p:cNvPr id="58" name="Rectangle: Rounded Corners 57">
-            <a:extLst>
-              <a:ext uri="{FF2B5EF4-FFF2-40B4-BE49-F238E27FC236}">
-                <a16:creationId xmlns:a16="http://schemas.microsoft.com/office/drawing/2014/main" id="{3ED038E4-700C-DC7A-13E2-BA728F95F470}"/>
-              </a:ext>
-            </a:extLst>
-          </p:cNvPr>
-          <p:cNvSpPr/>
-          <p:nvPr/>
-        </p:nvSpPr>
-        <p:spPr>
-          <a:xfrm>
-            <a:off x="3435574" y="1993175"/>
-            <a:ext cx="79032" cy="421927"/>
-          </a:xfrm>
-          <a:prstGeom prst="roundRect">
-            <a:avLst/>
-          </a:prstGeom>
-          <a:solidFill>
-            <a:schemeClr val="accent6">
-              <a:lumMod val="75000"/>
-            </a:schemeClr>
-          </a:solidFill>
-          <a:ln>
-            <a:noFill/>
-          </a:ln>
-        </p:spPr>
-        <p:style>
-          <a:lnRef idx="2">
-            <a:schemeClr val="accent1">
-              <a:shade val="15000"/>
-            </a:schemeClr>
-          </a:lnRef>
-          <a:fillRef idx="1">
-            <a:schemeClr val="accent1"/>
-          </a:fillRef>
-          <a:effectRef idx="0">
-            <a:schemeClr val="accent1"/>
-          </a:effectRef>
-          <a:fontRef idx="minor">
-            <a:schemeClr val="lt1"/>
-          </a:fontRef>
-        </p:style>
-        <p:txBody>
-          <a:bodyPr rtlCol="0" anchor="ctr"/>
-          <a:lstStyle/>
-          <a:p>
-            <a:pPr algn="ctr"/>
-            <a:endParaRPr lang="de-DE"/>
-          </a:p>
-        </p:txBody>
-      </p:sp>
-      <p:sp>
-        <p:nvSpPr>
-          <p:cNvPr id="59" name="Rectangle: Rounded Corners 58">
-            <a:extLst>
-              <a:ext uri="{FF2B5EF4-FFF2-40B4-BE49-F238E27FC236}">
-                <a16:creationId xmlns:a16="http://schemas.microsoft.com/office/drawing/2014/main" id="{A3A8F959-9E18-FFEA-15A1-06F52EA3CBA6}"/>
-              </a:ext>
-            </a:extLst>
-          </p:cNvPr>
-          <p:cNvSpPr/>
-          <p:nvPr/>
-        </p:nvSpPr>
-        <p:spPr>
-          <a:xfrm>
-            <a:off x="3435574" y="1851135"/>
-            <a:ext cx="79032" cy="141250"/>
-          </a:xfrm>
-          <a:prstGeom prst="roundRect">
-            <a:avLst>
-              <a:gd name="adj" fmla="val 13802"/>
-            </a:avLst>
-          </a:prstGeom>
-          <a:solidFill>
-            <a:schemeClr val="accent2">
-              <a:lumMod val="75000"/>
-            </a:schemeClr>
-          </a:solidFill>
-          <a:ln>
-            <a:noFill/>
-          </a:ln>
-        </p:spPr>
-        <p:style>
-          <a:lnRef idx="2">
-            <a:schemeClr val="accent4">
-              <a:shade val="15000"/>
-            </a:schemeClr>
-          </a:lnRef>
-          <a:fillRef idx="1">
-            <a:schemeClr val="accent4"/>
-          </a:fillRef>
-          <a:effectRef idx="0">
-            <a:schemeClr val="accent4"/>
-          </a:effectRef>
-          <a:fontRef idx="minor">
-            <a:schemeClr val="lt1"/>
-          </a:fontRef>
-        </p:style>
-        <p:txBody>
-          <a:bodyPr rtlCol="0" anchor="ctr"/>
-          <a:lstStyle/>
-          <a:p>
-            <a:pPr algn="ctr"/>
-            <a:endParaRPr lang="de-DE"/>
-          </a:p>
-        </p:txBody>
-      </p:sp>
-      <p:sp>
-        <p:nvSpPr>
-          <p:cNvPr id="60" name="Rectangle: Rounded Corners 59">
-            <a:extLst>
-              <a:ext uri="{FF2B5EF4-FFF2-40B4-BE49-F238E27FC236}">
-                <a16:creationId xmlns:a16="http://schemas.microsoft.com/office/drawing/2014/main" id="{95C27425-DF53-24B4-D6CD-145452D59EB3}"/>
-              </a:ext>
-            </a:extLst>
-          </p:cNvPr>
-          <p:cNvSpPr/>
-          <p:nvPr/>
-        </p:nvSpPr>
-        <p:spPr>
-          <a:xfrm>
-            <a:off x="3193255" y="1993175"/>
-            <a:ext cx="79032" cy="421927"/>
-          </a:xfrm>
-          <a:prstGeom prst="roundRect">
-            <a:avLst/>
-          </a:prstGeom>
-          <a:solidFill>
-            <a:schemeClr val="accent6">
-              <a:lumMod val="75000"/>
-            </a:schemeClr>
-          </a:solidFill>
-          <a:ln>
-            <a:noFill/>
-          </a:ln>
-        </p:spPr>
-        <p:style>
-          <a:lnRef idx="2">
-            <a:schemeClr val="accent1">
-              <a:shade val="15000"/>
-            </a:schemeClr>
-          </a:lnRef>
-          <a:fillRef idx="1">
-            <a:schemeClr val="accent1"/>
-          </a:fillRef>
-          <a:effectRef idx="0">
-            <a:schemeClr val="accent1"/>
-          </a:effectRef>
-          <a:fontRef idx="minor">
-            <a:schemeClr val="lt1"/>
-          </a:fontRef>
-        </p:style>
-        <p:txBody>
-          <a:bodyPr rtlCol="0" anchor="ctr"/>
-          <a:lstStyle/>
-          <a:p>
-            <a:pPr algn="ctr"/>
-            <a:endParaRPr lang="de-DE"/>
-          </a:p>
-        </p:txBody>
-      </p:sp>
-      <p:sp>
-        <p:nvSpPr>
-          <p:cNvPr id="61" name="Rectangle: Rounded Corners 60">
-            <a:extLst>
-              <a:ext uri="{FF2B5EF4-FFF2-40B4-BE49-F238E27FC236}">
-                <a16:creationId xmlns:a16="http://schemas.microsoft.com/office/drawing/2014/main" id="{6383A922-F69E-A449-8BE7-1F43E3ED6566}"/>
-              </a:ext>
-            </a:extLst>
-          </p:cNvPr>
-          <p:cNvSpPr/>
-          <p:nvPr/>
-        </p:nvSpPr>
-        <p:spPr>
-          <a:xfrm>
-            <a:off x="3193255" y="1851135"/>
-            <a:ext cx="79032" cy="141250"/>
-          </a:xfrm>
-          <a:prstGeom prst="roundRect">
-            <a:avLst>
-              <a:gd name="adj" fmla="val 13802"/>
-            </a:avLst>
-          </a:prstGeom>
-          <a:solidFill>
-            <a:schemeClr val="accent2">
-              <a:lumMod val="75000"/>
-            </a:schemeClr>
-          </a:solidFill>
-          <a:ln>
-            <a:noFill/>
-          </a:ln>
-        </p:spPr>
-        <p:style>
-          <a:lnRef idx="2">
-            <a:schemeClr val="accent4">
-              <a:shade val="15000"/>
-            </a:schemeClr>
-          </a:lnRef>
-          <a:fillRef idx="1">
-            <a:schemeClr val="accent4"/>
-          </a:fillRef>
-          <a:effectRef idx="0">
-            <a:schemeClr val="accent4"/>
-          </a:effectRef>
-          <a:fontRef idx="minor">
-            <a:schemeClr val="lt1"/>
-          </a:fontRef>
-        </p:style>
-        <p:txBody>
-          <a:bodyPr rtlCol="0" anchor="ctr"/>
-          <a:lstStyle/>
-          <a:p>
-            <a:pPr algn="ctr"/>
-            <a:endParaRPr lang="de-DE"/>
-          </a:p>
-        </p:txBody>
-      </p:sp>
-      <p:sp>
-        <p:nvSpPr>
-          <p:cNvPr id="62" name="Rectangle: Rounded Corners 61">
-            <a:extLst>
-              <a:ext uri="{FF2B5EF4-FFF2-40B4-BE49-F238E27FC236}">
-                <a16:creationId xmlns:a16="http://schemas.microsoft.com/office/drawing/2014/main" id="{70932DC0-0C55-2DF6-39A1-F126B46FEB4D}"/>
-              </a:ext>
-            </a:extLst>
-          </p:cNvPr>
-          <p:cNvSpPr/>
-          <p:nvPr/>
-        </p:nvSpPr>
-        <p:spPr>
-          <a:xfrm>
-            <a:off x="2972435" y="1993175"/>
-            <a:ext cx="79032" cy="421927"/>
-          </a:xfrm>
-          <a:prstGeom prst="roundRect">
-            <a:avLst/>
-          </a:prstGeom>
-          <a:solidFill>
-            <a:schemeClr val="accent6">
-              <a:lumMod val="75000"/>
-            </a:schemeClr>
-          </a:solidFill>
-          <a:ln>
-            <a:noFill/>
-          </a:ln>
-        </p:spPr>
-        <p:style>
-          <a:lnRef idx="2">
-            <a:schemeClr val="accent1">
-              <a:shade val="15000"/>
-            </a:schemeClr>
-          </a:lnRef>
-          <a:fillRef idx="1">
-            <a:schemeClr val="accent1"/>
-          </a:fillRef>
-          <a:effectRef idx="0">
-            <a:schemeClr val="accent1"/>
-          </a:effectRef>
-          <a:fontRef idx="minor">
-            <a:schemeClr val="lt1"/>
-          </a:fontRef>
-        </p:style>
-        <p:txBody>
-          <a:bodyPr rtlCol="0" anchor="ctr"/>
-          <a:lstStyle/>
-          <a:p>
-            <a:pPr algn="ctr"/>
-            <a:endParaRPr lang="de-DE"/>
-          </a:p>
-        </p:txBody>
-      </p:sp>
-      <p:sp>
-        <p:nvSpPr>
-          <p:cNvPr id="63" name="Rectangle: Rounded Corners 62">
-            <a:extLst>
-              <a:ext uri="{FF2B5EF4-FFF2-40B4-BE49-F238E27FC236}">
-                <a16:creationId xmlns:a16="http://schemas.microsoft.com/office/drawing/2014/main" id="{ADAF3AE4-4961-E51E-BD07-73556CDC1615}"/>
-              </a:ext>
-            </a:extLst>
-          </p:cNvPr>
-          <p:cNvSpPr/>
-          <p:nvPr/>
-        </p:nvSpPr>
-        <p:spPr>
-          <a:xfrm>
-            <a:off x="2972562" y="1851135"/>
-            <a:ext cx="79032" cy="141250"/>
-          </a:xfrm>
-          <a:prstGeom prst="roundRect">
-            <a:avLst>
-              <a:gd name="adj" fmla="val 13802"/>
-            </a:avLst>
-          </a:prstGeom>
-          <a:solidFill>
-            <a:schemeClr val="accent2">
-              <a:lumMod val="75000"/>
-            </a:schemeClr>
-          </a:solidFill>
-          <a:ln>
-            <a:noFill/>
-          </a:ln>
-        </p:spPr>
-        <p:style>
-          <a:lnRef idx="2">
-            <a:schemeClr val="accent4">
-              <a:shade val="15000"/>
-            </a:schemeClr>
-          </a:lnRef>
-          <a:fillRef idx="1">
-            <a:schemeClr val="accent4"/>
-          </a:fillRef>
-          <a:effectRef idx="0">
-            <a:schemeClr val="accent4"/>
-          </a:effectRef>
-          <a:fontRef idx="minor">
-            <a:schemeClr val="lt1"/>
-          </a:fontRef>
-        </p:style>
-        <p:txBody>
-          <a:bodyPr rtlCol="0" anchor="ctr"/>
-          <a:lstStyle/>
-          <a:p>
-            <a:pPr algn="ctr"/>
-            <a:endParaRPr lang="de-DE"/>
-          </a:p>
-        </p:txBody>
-      </p:sp>
-      <p:sp>
-        <p:nvSpPr>
-          <p:cNvPr id="64" name="Rectangle: Rounded Corners 63">
-            <a:extLst>
-              <a:ext uri="{FF2B5EF4-FFF2-40B4-BE49-F238E27FC236}">
-                <a16:creationId xmlns:a16="http://schemas.microsoft.com/office/drawing/2014/main" id="{03A6D89F-FFC3-46DC-2ED4-554747CBF2F8}"/>
-              </a:ext>
-            </a:extLst>
-          </p:cNvPr>
-          <p:cNvSpPr/>
-          <p:nvPr/>
-        </p:nvSpPr>
-        <p:spPr>
-          <a:xfrm>
-            <a:off x="2736291" y="1993175"/>
-            <a:ext cx="79032" cy="421927"/>
-          </a:xfrm>
-          <a:prstGeom prst="roundRect">
-            <a:avLst/>
-          </a:prstGeom>
-          <a:solidFill>
-            <a:schemeClr val="accent6">
-              <a:lumMod val="75000"/>
-            </a:schemeClr>
-          </a:solidFill>
-          <a:ln>
-            <a:noFill/>
-          </a:ln>
-        </p:spPr>
-        <p:style>
-          <a:lnRef idx="2">
-            <a:schemeClr val="accent1">
-              <a:shade val="15000"/>
-            </a:schemeClr>
-          </a:lnRef>
-          <a:fillRef idx="1">
-            <a:schemeClr val="accent1"/>
-          </a:fillRef>
-          <a:effectRef idx="0">
-            <a:schemeClr val="accent1"/>
-          </a:effectRef>
-          <a:fontRef idx="minor">
-            <a:schemeClr val="lt1"/>
-          </a:fontRef>
-        </p:style>
-        <p:txBody>
-          <a:bodyPr rtlCol="0" anchor="ctr"/>
-          <a:lstStyle/>
-          <a:p>
-            <a:pPr algn="ctr"/>
-            <a:endParaRPr lang="de-DE"/>
-          </a:p>
-        </p:txBody>
-      </p:sp>
-      <p:sp>
-        <p:nvSpPr>
-          <p:cNvPr id="65" name="Rectangle: Rounded Corners 64">
-            <a:extLst>
-              <a:ext uri="{FF2B5EF4-FFF2-40B4-BE49-F238E27FC236}">
-                <a16:creationId xmlns:a16="http://schemas.microsoft.com/office/drawing/2014/main" id="{EB0EBD49-D55E-7B6C-6F8C-3A0ED1596A48}"/>
-              </a:ext>
-            </a:extLst>
-          </p:cNvPr>
-          <p:cNvSpPr/>
-          <p:nvPr/>
-        </p:nvSpPr>
-        <p:spPr>
-          <a:xfrm>
-            <a:off x="2736077" y="1851135"/>
-            <a:ext cx="79032" cy="141250"/>
-          </a:xfrm>
-          <a:prstGeom prst="roundRect">
-            <a:avLst>
-              <a:gd name="adj" fmla="val 13802"/>
-            </a:avLst>
-          </a:prstGeom>
-          <a:solidFill>
-            <a:schemeClr val="accent2">
-              <a:lumMod val="75000"/>
-            </a:schemeClr>
-          </a:solidFill>
-          <a:ln>
-            <a:noFill/>
-          </a:ln>
-        </p:spPr>
-        <p:style>
-          <a:lnRef idx="2">
-            <a:schemeClr val="accent4">
-              <a:shade val="15000"/>
-            </a:schemeClr>
-          </a:lnRef>
-          <a:fillRef idx="1">
-            <a:schemeClr val="accent4"/>
-          </a:fillRef>
-          <a:effectRef idx="0">
-            <a:schemeClr val="accent4"/>
-          </a:effectRef>
-          <a:fontRef idx="minor">
-            <a:schemeClr val="lt1"/>
-          </a:fontRef>
-        </p:style>
-        <p:txBody>
-          <a:bodyPr rtlCol="0" anchor="ctr"/>
-          <a:lstStyle/>
-          <a:p>
-            <a:pPr algn="ctr"/>
-            <a:endParaRPr lang="de-DE"/>
-          </a:p>
-        </p:txBody>
-      </p:sp>
-      <p:sp>
-        <p:nvSpPr>
-          <p:cNvPr id="66" name="Rectangle: Rounded Corners 65">
-            <a:extLst>
-              <a:ext uri="{FF2B5EF4-FFF2-40B4-BE49-F238E27FC236}">
-                <a16:creationId xmlns:a16="http://schemas.microsoft.com/office/drawing/2014/main" id="{4EB8A1AE-0DE0-0177-952A-1E6BAEF0A79B}"/>
-              </a:ext>
-            </a:extLst>
-          </p:cNvPr>
-          <p:cNvSpPr/>
-          <p:nvPr/>
-        </p:nvSpPr>
-        <p:spPr>
-          <a:xfrm>
-            <a:off x="2508985" y="1993175"/>
-            <a:ext cx="79032" cy="421927"/>
-          </a:xfrm>
-          <a:prstGeom prst="roundRect">
-            <a:avLst/>
-          </a:prstGeom>
-          <a:solidFill>
-            <a:schemeClr val="accent6">
-              <a:lumMod val="75000"/>
-            </a:schemeClr>
-          </a:solidFill>
-          <a:ln>
-            <a:noFill/>
-          </a:ln>
-        </p:spPr>
-        <p:style>
-          <a:lnRef idx="2">
-            <a:schemeClr val="accent1">
-              <a:shade val="15000"/>
-            </a:schemeClr>
-          </a:lnRef>
-          <a:fillRef idx="1">
-            <a:schemeClr val="accent1"/>
-          </a:fillRef>
-          <a:effectRef idx="0">
-            <a:schemeClr val="accent1"/>
-          </a:effectRef>
-          <a:fontRef idx="minor">
-            <a:schemeClr val="lt1"/>
-          </a:fontRef>
-        </p:style>
-        <p:txBody>
-          <a:bodyPr rtlCol="0" anchor="ctr"/>
-          <a:lstStyle/>
-          <a:p>
-            <a:pPr algn="ctr"/>
-            <a:endParaRPr lang="de-DE"/>
-          </a:p>
-        </p:txBody>
-      </p:sp>
-      <p:sp>
-        <p:nvSpPr>
-          <p:cNvPr id="67" name="Rectangle: Rounded Corners 66">
-            <a:extLst>
-              <a:ext uri="{FF2B5EF4-FFF2-40B4-BE49-F238E27FC236}">
-                <a16:creationId xmlns:a16="http://schemas.microsoft.com/office/drawing/2014/main" id="{0D57A28E-242A-219B-FBE4-8C3C50D8BB0F}"/>
-              </a:ext>
-            </a:extLst>
-          </p:cNvPr>
-          <p:cNvSpPr/>
-          <p:nvPr/>
-        </p:nvSpPr>
-        <p:spPr>
-          <a:xfrm>
-            <a:off x="2508985" y="1851135"/>
-            <a:ext cx="79032" cy="141250"/>
-          </a:xfrm>
-          <a:prstGeom prst="roundRect">
-            <a:avLst>
-              <a:gd name="adj" fmla="val 13802"/>
-            </a:avLst>
-          </a:prstGeom>
-          <a:solidFill>
-            <a:schemeClr val="accent2">
-              <a:lumMod val="75000"/>
-            </a:schemeClr>
-          </a:solidFill>
-          <a:ln>
-            <a:noFill/>
-          </a:ln>
-        </p:spPr>
-        <p:style>
-          <a:lnRef idx="2">
-            <a:schemeClr val="accent4">
-              <a:shade val="15000"/>
-            </a:schemeClr>
-          </a:lnRef>
-          <a:fillRef idx="1">
-            <a:schemeClr val="accent4"/>
-          </a:fillRef>
-          <a:effectRef idx="0">
-            <a:schemeClr val="accent4"/>
-          </a:effectRef>
-          <a:fontRef idx="minor">
-            <a:schemeClr val="lt1"/>
-          </a:fontRef>
-        </p:style>
-        <p:txBody>
-          <a:bodyPr rtlCol="0" anchor="ctr"/>
-          <a:lstStyle/>
-          <a:p>
-            <a:pPr algn="ctr"/>
-            <a:endParaRPr lang="de-DE" dirty="0"/>
-          </a:p>
-        </p:txBody>
-      </p:sp>
-      <p:sp>
-        <p:nvSpPr>
-          <p:cNvPr id="68" name="TextBox 67">
-            <a:extLst>
-              <a:ext uri="{FF2B5EF4-FFF2-40B4-BE49-F238E27FC236}">
-                <a16:creationId xmlns:a16="http://schemas.microsoft.com/office/drawing/2014/main" id="{ED182292-5141-F03C-8572-D0BDD3870AC2}"/>
-              </a:ext>
-            </a:extLst>
-          </p:cNvPr>
-          <p:cNvSpPr txBox="1"/>
-          <p:nvPr/>
-        </p:nvSpPr>
-        <p:spPr>
-          <a:xfrm>
-            <a:off x="2371789" y="1569585"/>
-            <a:ext cx="336364" cy="184666"/>
-          </a:xfrm>
-          <a:prstGeom prst="rect">
-            <a:avLst/>
-          </a:prstGeom>
-          <a:noFill/>
-        </p:spPr>
-        <p:txBody>
-          <a:bodyPr wrap="square" rtlCol="0">
-            <a:spAutoFit/>
-          </a:bodyPr>
-          <a:lstStyle/>
-          <a:p>
-            <a:pPr algn="ctr"/>
-            <a:r>
-              <a:rPr lang="en-US" sz="600" dirty="0"/>
-              <a:t>t=n</a:t>
-            </a:r>
-            <a:endParaRPr lang="de-DE" sz="600" dirty="0"/>
-          </a:p>
-        </p:txBody>
-      </p:sp>
-      <p:sp>
-        <p:nvSpPr>
-          <p:cNvPr id="69" name="TextBox 68">
-            <a:extLst>
-              <a:ext uri="{FF2B5EF4-FFF2-40B4-BE49-F238E27FC236}">
-                <a16:creationId xmlns:a16="http://schemas.microsoft.com/office/drawing/2014/main" id="{A4DE49AD-4829-B8E2-7E9E-5E0B9D90A1B4}"/>
-              </a:ext>
-            </a:extLst>
-          </p:cNvPr>
-          <p:cNvSpPr txBox="1"/>
-          <p:nvPr/>
-        </p:nvSpPr>
-        <p:spPr>
-          <a:xfrm>
-            <a:off x="2541392" y="1565973"/>
-            <a:ext cx="466108" cy="184666"/>
-          </a:xfrm>
-          <a:prstGeom prst="rect">
-            <a:avLst/>
-          </a:prstGeom>
-          <a:noFill/>
-        </p:spPr>
-        <p:txBody>
-          <a:bodyPr wrap="square" rtlCol="0">
-            <a:spAutoFit/>
-          </a:bodyPr>
-          <a:lstStyle/>
-          <a:p>
-            <a:pPr algn="ctr"/>
-            <a:r>
-              <a:rPr lang="en-US" sz="600" dirty="0"/>
-              <a:t>t=n+1</a:t>
-            </a:r>
-            <a:endParaRPr lang="de-DE" sz="600" dirty="0"/>
-          </a:p>
-        </p:txBody>
-      </p:sp>
-      <p:sp>
-        <p:nvSpPr>
-          <p:cNvPr id="70" name="TextBox 69">
-            <a:extLst>
-              <a:ext uri="{FF2B5EF4-FFF2-40B4-BE49-F238E27FC236}">
-                <a16:creationId xmlns:a16="http://schemas.microsoft.com/office/drawing/2014/main" id="{8D73BB7C-EC07-400F-719C-06BFA1961171}"/>
-              </a:ext>
-            </a:extLst>
-          </p:cNvPr>
-          <p:cNvSpPr txBox="1"/>
-          <p:nvPr/>
-        </p:nvSpPr>
-        <p:spPr>
-          <a:xfrm>
-            <a:off x="2801069" y="1560181"/>
-            <a:ext cx="412720" cy="184666"/>
-          </a:xfrm>
-          <a:prstGeom prst="rect">
-            <a:avLst/>
-          </a:prstGeom>
-          <a:noFill/>
-        </p:spPr>
-        <p:txBody>
-          <a:bodyPr wrap="square" rtlCol="0">
-            <a:spAutoFit/>
-          </a:bodyPr>
-          <a:lstStyle/>
-          <a:p>
-            <a:pPr algn="ctr"/>
-            <a:r>
-              <a:rPr lang="en-US" sz="600" dirty="0"/>
-              <a:t>t=n+2</a:t>
-            </a:r>
-            <a:endParaRPr lang="de-DE" sz="600" dirty="0"/>
-          </a:p>
-        </p:txBody>
-      </p:sp>
-      <p:sp>
-        <p:nvSpPr>
-          <p:cNvPr id="71" name="TextBox 70">
-            <a:extLst>
-              <a:ext uri="{FF2B5EF4-FFF2-40B4-BE49-F238E27FC236}">
-                <a16:creationId xmlns:a16="http://schemas.microsoft.com/office/drawing/2014/main" id="{F78F00FD-3A4C-AA92-0902-C3A241C45BC4}"/>
-              </a:ext>
-            </a:extLst>
-          </p:cNvPr>
-          <p:cNvSpPr txBox="1"/>
-          <p:nvPr/>
-        </p:nvSpPr>
-        <p:spPr>
-          <a:xfrm>
-            <a:off x="3012197" y="1562297"/>
-            <a:ext cx="418892" cy="184666"/>
-          </a:xfrm>
-          <a:prstGeom prst="rect">
-            <a:avLst/>
-          </a:prstGeom>
-          <a:noFill/>
-        </p:spPr>
-        <p:txBody>
-          <a:bodyPr wrap="square" rtlCol="0">
-            <a:spAutoFit/>
-          </a:bodyPr>
-          <a:lstStyle/>
-          <a:p>
-            <a:pPr algn="ctr"/>
-            <a:r>
-              <a:rPr lang="en-US" sz="600" dirty="0"/>
-              <a:t>t=n+3</a:t>
-            </a:r>
-            <a:endParaRPr lang="de-DE" sz="600" dirty="0"/>
-          </a:p>
-        </p:txBody>
-      </p:sp>
-      <p:sp>
-        <p:nvSpPr>
-          <p:cNvPr id="72" name="TextBox 71">
-            <a:extLst>
-              <a:ext uri="{FF2B5EF4-FFF2-40B4-BE49-F238E27FC236}">
-                <a16:creationId xmlns:a16="http://schemas.microsoft.com/office/drawing/2014/main" id="{1FF51AA2-89FA-2E45-7122-FA06EF4B7145}"/>
-              </a:ext>
-            </a:extLst>
-          </p:cNvPr>
-          <p:cNvSpPr txBox="1"/>
-          <p:nvPr/>
-        </p:nvSpPr>
-        <p:spPr>
-          <a:xfrm>
-            <a:off x="3251713" y="1556438"/>
-            <a:ext cx="433308" cy="184666"/>
-          </a:xfrm>
-          <a:prstGeom prst="rect">
-            <a:avLst/>
-          </a:prstGeom>
-          <a:noFill/>
-        </p:spPr>
-        <p:txBody>
-          <a:bodyPr wrap="square" rtlCol="0">
-            <a:spAutoFit/>
-          </a:bodyPr>
-          <a:lstStyle/>
-          <a:p>
-            <a:pPr algn="ctr"/>
-            <a:r>
-              <a:rPr lang="en-US" sz="600" dirty="0"/>
-              <a:t>t=n+4</a:t>
-            </a:r>
-            <a:endParaRPr lang="de-DE" sz="600" dirty="0"/>
-          </a:p>
-        </p:txBody>
-      </p:sp>
-      <p:grpSp>
-        <p:nvGrpSpPr>
-          <p:cNvPr id="80" name="Group 79">
-            <a:extLst>
-              <a:ext uri="{FF2B5EF4-FFF2-40B4-BE49-F238E27FC236}">
-                <a16:creationId xmlns:a16="http://schemas.microsoft.com/office/drawing/2014/main" id="{A9433B24-7EAC-CC55-F166-0CF75D9F2541}"/>
-              </a:ext>
-            </a:extLst>
-          </p:cNvPr>
-          <p:cNvGrpSpPr/>
-          <p:nvPr/>
-        </p:nvGrpSpPr>
-        <p:grpSpPr>
-          <a:xfrm>
-            <a:off x="2629490" y="3654351"/>
-            <a:ext cx="745140" cy="714087"/>
-            <a:chOff x="1176338" y="4049984"/>
-            <a:chExt cx="1144118" cy="723164"/>
-          </a:xfrm>
-        </p:grpSpPr>
-        <p:sp>
-          <p:nvSpPr>
-            <p:cNvPr id="73" name="Rectangle: Rounded Corners 72">
-              <a:extLst>
-                <a:ext uri="{FF2B5EF4-FFF2-40B4-BE49-F238E27FC236}">
-                  <a16:creationId xmlns:a16="http://schemas.microsoft.com/office/drawing/2014/main" id="{D5A20952-8E3C-03D5-81F4-111B802FA030}"/>
-                </a:ext>
-              </a:extLst>
-            </p:cNvPr>
-            <p:cNvSpPr/>
-            <p:nvPr/>
-          </p:nvSpPr>
-          <p:spPr>
-            <a:xfrm>
-              <a:off x="1176338" y="4049984"/>
-              <a:ext cx="1144118" cy="723164"/>
-            </a:xfrm>
-            <a:prstGeom prst="roundRect">
-              <a:avLst/>
-            </a:prstGeom>
-            <a:solidFill>
-              <a:schemeClr val="accent1">
-                <a:lumMod val="20000"/>
-                <a:lumOff val="80000"/>
-              </a:schemeClr>
-            </a:solidFill>
-          </p:spPr>
-          <p:style>
-            <a:lnRef idx="2">
-              <a:schemeClr val="accent1">
-                <a:shade val="15000"/>
-              </a:schemeClr>
-            </a:lnRef>
-            <a:fillRef idx="1">
-              <a:schemeClr val="accent1"/>
-            </a:fillRef>
-            <a:effectRef idx="0">
-              <a:schemeClr val="accent1"/>
-            </a:effectRef>
-            <a:fontRef idx="minor">
-              <a:schemeClr val="lt1"/>
-            </a:fontRef>
-          </p:style>
-          <p:txBody>
-            <a:bodyPr rtlCol="0" anchor="ctr"/>
-            <a:lstStyle/>
-            <a:p>
-              <a:pPr algn="ctr"/>
-              <a:endParaRPr lang="de-DE"/>
-            </a:p>
-          </p:txBody>
-        </p:sp>
-        <p:sp>
-          <p:nvSpPr>
-            <p:cNvPr id="53" name="Rectangle: Rounded Corners 52">
-              <a:extLst>
-                <a:ext uri="{FF2B5EF4-FFF2-40B4-BE49-F238E27FC236}">
-                  <a16:creationId xmlns:a16="http://schemas.microsoft.com/office/drawing/2014/main" id="{EBA6CDA5-32A7-B322-5701-5D14D7007048}"/>
-                </a:ext>
-              </a:extLst>
-            </p:cNvPr>
-            <p:cNvSpPr/>
-            <p:nvPr/>
-          </p:nvSpPr>
-          <p:spPr>
-            <a:xfrm>
-              <a:off x="1291511" y="4286764"/>
-              <a:ext cx="113818" cy="405804"/>
-            </a:xfrm>
-            <a:prstGeom prst="roundRect">
-              <a:avLst/>
-            </a:prstGeom>
-            <a:solidFill>
-              <a:srgbClr val="7030A0"/>
-            </a:solidFill>
-            <a:ln>
-              <a:noFill/>
-            </a:ln>
-          </p:spPr>
-          <p:style>
-            <a:lnRef idx="2">
-              <a:schemeClr val="accent1">
-                <a:shade val="15000"/>
-              </a:schemeClr>
-            </a:lnRef>
-            <a:fillRef idx="1">
-              <a:schemeClr val="accent1"/>
-            </a:fillRef>
-            <a:effectRef idx="0">
-              <a:schemeClr val="accent1"/>
-            </a:effectRef>
-            <a:fontRef idx="minor">
-              <a:schemeClr val="lt1"/>
-            </a:fontRef>
-          </p:style>
-          <p:txBody>
-            <a:bodyPr rtlCol="0" anchor="ctr"/>
-            <a:lstStyle/>
-            <a:p>
-              <a:pPr algn="ctr"/>
-              <a:endParaRPr lang="de-DE"/>
-            </a:p>
-          </p:txBody>
-        </p:sp>
-        <p:sp>
-          <p:nvSpPr>
-            <p:cNvPr id="54" name="Rectangle: Rounded Corners 53">
-              <a:extLst>
-                <a:ext uri="{FF2B5EF4-FFF2-40B4-BE49-F238E27FC236}">
-                  <a16:creationId xmlns:a16="http://schemas.microsoft.com/office/drawing/2014/main" id="{CB13003A-77CA-418C-4FFF-CE9AB96643DB}"/>
-                </a:ext>
-              </a:extLst>
-            </p:cNvPr>
-            <p:cNvSpPr/>
-            <p:nvPr/>
-          </p:nvSpPr>
-          <p:spPr>
-            <a:xfrm>
-              <a:off x="1490219" y="4286763"/>
-              <a:ext cx="113817" cy="410875"/>
-            </a:xfrm>
-            <a:prstGeom prst="roundRect">
-              <a:avLst/>
-            </a:prstGeom>
-            <a:solidFill>
-              <a:srgbClr val="7030A0"/>
-            </a:solidFill>
-            <a:ln>
-              <a:noFill/>
-            </a:ln>
-          </p:spPr>
-          <p:style>
-            <a:lnRef idx="2">
-              <a:schemeClr val="accent1">
-                <a:shade val="15000"/>
-              </a:schemeClr>
-            </a:lnRef>
-            <a:fillRef idx="1">
-              <a:schemeClr val="accent1"/>
-            </a:fillRef>
-            <a:effectRef idx="0">
-              <a:schemeClr val="accent1"/>
-            </a:effectRef>
-            <a:fontRef idx="minor">
-              <a:schemeClr val="lt1"/>
-            </a:fontRef>
-          </p:style>
-          <p:txBody>
-            <a:bodyPr rtlCol="0" anchor="ctr"/>
-            <a:lstStyle/>
-            <a:p>
-              <a:pPr algn="ctr"/>
-              <a:endParaRPr lang="de-DE"/>
-            </a:p>
-          </p:txBody>
-        </p:sp>
-        <p:sp>
-          <p:nvSpPr>
-            <p:cNvPr id="55" name="Rectangle: Rounded Corners 54">
-              <a:extLst>
-                <a:ext uri="{FF2B5EF4-FFF2-40B4-BE49-F238E27FC236}">
-                  <a16:creationId xmlns:a16="http://schemas.microsoft.com/office/drawing/2014/main" id="{22CB406B-C7BB-4C05-5C32-E63BC305C795}"/>
-                </a:ext>
-              </a:extLst>
-            </p:cNvPr>
-            <p:cNvSpPr/>
-            <p:nvPr/>
-          </p:nvSpPr>
-          <p:spPr>
-            <a:xfrm>
-              <a:off x="1698777" y="4286763"/>
-              <a:ext cx="111072" cy="410875"/>
-            </a:xfrm>
-            <a:prstGeom prst="roundRect">
-              <a:avLst/>
-            </a:prstGeom>
-            <a:solidFill>
-              <a:srgbClr val="7030A0"/>
-            </a:solidFill>
-            <a:ln>
-              <a:noFill/>
-            </a:ln>
-          </p:spPr>
-          <p:style>
-            <a:lnRef idx="2">
-              <a:schemeClr val="accent1">
-                <a:shade val="15000"/>
-              </a:schemeClr>
-            </a:lnRef>
-            <a:fillRef idx="1">
-              <a:schemeClr val="accent1"/>
-            </a:fillRef>
-            <a:effectRef idx="0">
-              <a:schemeClr val="accent1"/>
-            </a:effectRef>
-            <a:fontRef idx="minor">
-              <a:schemeClr val="lt1"/>
-            </a:fontRef>
-          </p:style>
-          <p:txBody>
-            <a:bodyPr rtlCol="0" anchor="ctr"/>
-            <a:lstStyle/>
-            <a:p>
-              <a:pPr algn="ctr"/>
-              <a:endParaRPr lang="de-DE"/>
-            </a:p>
-          </p:txBody>
-        </p:sp>
-        <p:sp>
-          <p:nvSpPr>
-            <p:cNvPr id="56" name="Rectangle: Rounded Corners 55">
-              <a:extLst>
-                <a:ext uri="{FF2B5EF4-FFF2-40B4-BE49-F238E27FC236}">
-                  <a16:creationId xmlns:a16="http://schemas.microsoft.com/office/drawing/2014/main" id="{055BA897-C554-79C0-041E-3928B408E2D9}"/>
-                </a:ext>
-              </a:extLst>
-            </p:cNvPr>
-            <p:cNvSpPr/>
-            <p:nvPr/>
-          </p:nvSpPr>
-          <p:spPr>
-            <a:xfrm>
-              <a:off x="1908139" y="4281693"/>
-              <a:ext cx="110307" cy="410875"/>
-            </a:xfrm>
-            <a:prstGeom prst="roundRect">
-              <a:avLst/>
-            </a:prstGeom>
-            <a:solidFill>
-              <a:srgbClr val="7030A0"/>
-            </a:solidFill>
-            <a:ln>
-              <a:noFill/>
-            </a:ln>
-          </p:spPr>
-          <p:style>
-            <a:lnRef idx="2">
-              <a:schemeClr val="accent1">
-                <a:shade val="15000"/>
-              </a:schemeClr>
-            </a:lnRef>
-            <a:fillRef idx="1">
-              <a:schemeClr val="accent1"/>
-            </a:fillRef>
-            <a:effectRef idx="0">
-              <a:schemeClr val="accent1"/>
-            </a:effectRef>
-            <a:fontRef idx="minor">
-              <a:schemeClr val="lt1"/>
-            </a:fontRef>
-          </p:style>
-          <p:txBody>
-            <a:bodyPr rtlCol="0" anchor="ctr"/>
-            <a:lstStyle/>
-            <a:p>
-              <a:pPr algn="ctr"/>
-              <a:endParaRPr lang="de-DE"/>
-            </a:p>
-          </p:txBody>
-        </p:sp>
-        <p:sp>
-          <p:nvSpPr>
-            <p:cNvPr id="57" name="Rectangle: Rounded Corners 56">
-              <a:extLst>
-                <a:ext uri="{FF2B5EF4-FFF2-40B4-BE49-F238E27FC236}">
-                  <a16:creationId xmlns:a16="http://schemas.microsoft.com/office/drawing/2014/main" id="{02F0F2B1-C24B-1466-157A-B339572F30DA}"/>
-                </a:ext>
-              </a:extLst>
-            </p:cNvPr>
-            <p:cNvSpPr/>
-            <p:nvPr/>
-          </p:nvSpPr>
-          <p:spPr>
-            <a:xfrm>
-              <a:off x="2119752" y="4281693"/>
-              <a:ext cx="110307" cy="410875"/>
-            </a:xfrm>
-            <a:prstGeom prst="roundRect">
-              <a:avLst/>
-            </a:prstGeom>
-            <a:solidFill>
-              <a:srgbClr val="7030A0"/>
-            </a:solidFill>
-            <a:ln>
-              <a:noFill/>
-            </a:ln>
-          </p:spPr>
-          <p:style>
-            <a:lnRef idx="2">
-              <a:schemeClr val="accent1">
-                <a:shade val="15000"/>
-              </a:schemeClr>
-            </a:lnRef>
-            <a:fillRef idx="1">
-              <a:schemeClr val="accent1"/>
-            </a:fillRef>
-            <a:effectRef idx="0">
-              <a:schemeClr val="accent1"/>
-            </a:effectRef>
-            <a:fontRef idx="minor">
-              <a:schemeClr val="lt1"/>
-            </a:fontRef>
-          </p:style>
-          <p:txBody>
-            <a:bodyPr rtlCol="0" anchor="ctr"/>
-            <a:lstStyle/>
-            <a:p>
-              <a:pPr algn="ctr"/>
-              <a:endParaRPr lang="de-DE"/>
-            </a:p>
-          </p:txBody>
-        </p:sp>
-        <p:sp>
-          <p:nvSpPr>
-            <p:cNvPr id="74" name="Rectangle: Rounded Corners 73">
-              <a:extLst>
-                <a:ext uri="{FF2B5EF4-FFF2-40B4-BE49-F238E27FC236}">
-                  <a16:creationId xmlns:a16="http://schemas.microsoft.com/office/drawing/2014/main" id="{485153CC-0EC2-F718-5FE3-286F27FF7AB8}"/>
-                </a:ext>
-              </a:extLst>
-            </p:cNvPr>
-            <p:cNvSpPr/>
-            <p:nvPr/>
-          </p:nvSpPr>
-          <p:spPr>
-            <a:xfrm>
-              <a:off x="2120324" y="4138649"/>
-              <a:ext cx="109735" cy="143045"/>
-            </a:xfrm>
-            <a:prstGeom prst="roundRect">
-              <a:avLst>
-                <a:gd name="adj" fmla="val 13802"/>
-              </a:avLst>
-            </a:prstGeom>
-            <a:solidFill>
-              <a:srgbClr val="002060"/>
-            </a:solidFill>
-            <a:ln>
-              <a:noFill/>
-            </a:ln>
-          </p:spPr>
-          <p:style>
-            <a:lnRef idx="2">
-              <a:schemeClr val="accent4">
-                <a:shade val="15000"/>
-              </a:schemeClr>
-            </a:lnRef>
-            <a:fillRef idx="1">
-              <a:schemeClr val="accent4"/>
-            </a:fillRef>
-            <a:effectRef idx="0">
-              <a:schemeClr val="accent4"/>
-            </a:effectRef>
-            <a:fontRef idx="minor">
-              <a:schemeClr val="lt1"/>
-            </a:fontRef>
-          </p:style>
-          <p:txBody>
-            <a:bodyPr rtlCol="0" anchor="ctr"/>
-            <a:lstStyle/>
-            <a:p>
-              <a:pPr algn="ctr"/>
-              <a:endParaRPr lang="de-DE"/>
-            </a:p>
-          </p:txBody>
-        </p:sp>
-        <p:sp>
-          <p:nvSpPr>
-            <p:cNvPr id="75" name="Rectangle: Rounded Corners 74">
-              <a:extLst>
-                <a:ext uri="{FF2B5EF4-FFF2-40B4-BE49-F238E27FC236}">
-                  <a16:creationId xmlns:a16="http://schemas.microsoft.com/office/drawing/2014/main" id="{91AB41F5-D3E8-DF74-660B-922B751905D1}"/>
-                </a:ext>
-              </a:extLst>
-            </p:cNvPr>
-            <p:cNvSpPr/>
-            <p:nvPr/>
-          </p:nvSpPr>
-          <p:spPr>
-            <a:xfrm>
-              <a:off x="1911597" y="4138649"/>
-              <a:ext cx="106850" cy="143045"/>
-            </a:xfrm>
-            <a:prstGeom prst="roundRect">
-              <a:avLst>
-                <a:gd name="adj" fmla="val 13802"/>
-              </a:avLst>
-            </a:prstGeom>
-            <a:solidFill>
-              <a:srgbClr val="002060"/>
-            </a:solidFill>
-            <a:ln>
-              <a:noFill/>
-            </a:ln>
-          </p:spPr>
-          <p:style>
-            <a:lnRef idx="2">
-              <a:schemeClr val="accent4">
-                <a:shade val="15000"/>
-              </a:schemeClr>
-            </a:lnRef>
-            <a:fillRef idx="1">
-              <a:schemeClr val="accent4"/>
-            </a:fillRef>
-            <a:effectRef idx="0">
-              <a:schemeClr val="accent4"/>
-            </a:effectRef>
-            <a:fontRef idx="minor">
-              <a:schemeClr val="lt1"/>
-            </a:fontRef>
-          </p:style>
-          <p:txBody>
-            <a:bodyPr rtlCol="0" anchor="ctr"/>
-            <a:lstStyle/>
-            <a:p>
-              <a:pPr algn="ctr"/>
-              <a:endParaRPr lang="de-DE" dirty="0"/>
-            </a:p>
-          </p:txBody>
-        </p:sp>
-        <p:sp>
-          <p:nvSpPr>
-            <p:cNvPr id="76" name="Rectangle: Rounded Corners 75">
-              <a:extLst>
-                <a:ext uri="{FF2B5EF4-FFF2-40B4-BE49-F238E27FC236}">
-                  <a16:creationId xmlns:a16="http://schemas.microsoft.com/office/drawing/2014/main" id="{5B13BCFA-121B-632A-862C-8AAC5FF29D66}"/>
-                </a:ext>
-              </a:extLst>
-            </p:cNvPr>
-            <p:cNvSpPr/>
-            <p:nvPr/>
-          </p:nvSpPr>
-          <p:spPr>
-            <a:xfrm>
-              <a:off x="1699543" y="4143719"/>
-              <a:ext cx="110306" cy="143045"/>
-            </a:xfrm>
-            <a:prstGeom prst="roundRect">
-              <a:avLst>
-                <a:gd name="adj" fmla="val 13802"/>
-              </a:avLst>
-            </a:prstGeom>
-            <a:solidFill>
-              <a:srgbClr val="002060"/>
-            </a:solidFill>
-            <a:ln>
-              <a:noFill/>
-            </a:ln>
-          </p:spPr>
-          <p:style>
-            <a:lnRef idx="2">
-              <a:schemeClr val="accent4">
-                <a:shade val="15000"/>
-              </a:schemeClr>
-            </a:lnRef>
-            <a:fillRef idx="1">
-              <a:schemeClr val="accent4"/>
-            </a:fillRef>
-            <a:effectRef idx="0">
-              <a:schemeClr val="accent4"/>
-            </a:effectRef>
-            <a:fontRef idx="minor">
-              <a:schemeClr val="lt1"/>
-            </a:fontRef>
-          </p:style>
-          <p:txBody>
-            <a:bodyPr rtlCol="0" anchor="ctr"/>
-            <a:lstStyle/>
-            <a:p>
-              <a:pPr algn="ctr"/>
-              <a:endParaRPr lang="de-DE"/>
-            </a:p>
-          </p:txBody>
-        </p:sp>
-        <p:sp>
-          <p:nvSpPr>
-            <p:cNvPr id="77" name="Rectangle: Rounded Corners 76">
-              <a:extLst>
-                <a:ext uri="{FF2B5EF4-FFF2-40B4-BE49-F238E27FC236}">
-                  <a16:creationId xmlns:a16="http://schemas.microsoft.com/office/drawing/2014/main" id="{0B480483-4B06-3F84-54DA-3F4D19E56762}"/>
-                </a:ext>
-              </a:extLst>
-            </p:cNvPr>
-            <p:cNvSpPr/>
-            <p:nvPr/>
-          </p:nvSpPr>
-          <p:spPr>
-            <a:xfrm>
-              <a:off x="1490463" y="4143719"/>
-              <a:ext cx="113573" cy="143045"/>
-            </a:xfrm>
-            <a:prstGeom prst="roundRect">
-              <a:avLst>
-                <a:gd name="adj" fmla="val 13802"/>
-              </a:avLst>
-            </a:prstGeom>
-            <a:solidFill>
-              <a:srgbClr val="002060"/>
-            </a:solidFill>
-            <a:ln>
-              <a:noFill/>
-            </a:ln>
-          </p:spPr>
-          <p:style>
-            <a:lnRef idx="2">
-              <a:schemeClr val="accent4">
-                <a:shade val="15000"/>
-              </a:schemeClr>
-            </a:lnRef>
-            <a:fillRef idx="1">
-              <a:schemeClr val="accent4"/>
-            </a:fillRef>
-            <a:effectRef idx="0">
-              <a:schemeClr val="accent4"/>
-            </a:effectRef>
-            <a:fontRef idx="minor">
-              <a:schemeClr val="lt1"/>
-            </a:fontRef>
-          </p:style>
-          <p:txBody>
-            <a:bodyPr rtlCol="0" anchor="ctr"/>
-            <a:lstStyle/>
-            <a:p>
-              <a:pPr algn="ctr"/>
-              <a:endParaRPr lang="de-DE"/>
-            </a:p>
-          </p:txBody>
-        </p:sp>
-        <p:sp>
-          <p:nvSpPr>
-            <p:cNvPr id="78" name="Rectangle: Rounded Corners 77">
-              <a:extLst>
-                <a:ext uri="{FF2B5EF4-FFF2-40B4-BE49-F238E27FC236}">
-                  <a16:creationId xmlns:a16="http://schemas.microsoft.com/office/drawing/2014/main" id="{EFE70FA1-8171-9810-1527-C8E30B6B01AA}"/>
-                </a:ext>
-              </a:extLst>
-            </p:cNvPr>
-            <p:cNvSpPr/>
-            <p:nvPr/>
-          </p:nvSpPr>
-          <p:spPr>
-            <a:xfrm>
-              <a:off x="1291511" y="4143718"/>
-              <a:ext cx="113817" cy="143045"/>
-            </a:xfrm>
-            <a:prstGeom prst="roundRect">
-              <a:avLst>
-                <a:gd name="adj" fmla="val 13802"/>
-              </a:avLst>
-            </a:prstGeom>
-            <a:solidFill>
-              <a:srgbClr val="002060"/>
-            </a:solidFill>
-            <a:ln>
-              <a:noFill/>
-            </a:ln>
-          </p:spPr>
-          <p:style>
-            <a:lnRef idx="2">
-              <a:schemeClr val="accent4">
-                <a:shade val="15000"/>
-              </a:schemeClr>
-            </a:lnRef>
-            <a:fillRef idx="1">
-              <a:schemeClr val="accent4"/>
-            </a:fillRef>
-            <a:effectRef idx="0">
-              <a:schemeClr val="accent4"/>
-            </a:effectRef>
-            <a:fontRef idx="minor">
-              <a:schemeClr val="lt1"/>
-            </a:fontRef>
-          </p:style>
-          <p:txBody>
-            <a:bodyPr rtlCol="0" anchor="ctr"/>
-            <a:lstStyle/>
-            <a:p>
-              <a:pPr algn="ctr"/>
-              <a:endParaRPr lang="de-DE" dirty="0"/>
-            </a:p>
-          </p:txBody>
-        </p:sp>
-      </p:grpSp>
-      <p:sp>
-        <p:nvSpPr>
-          <p:cNvPr id="79" name="Rectangle: Rounded Corners 78">
-            <a:extLst>
-              <a:ext uri="{FF2B5EF4-FFF2-40B4-BE49-F238E27FC236}">
-                <a16:creationId xmlns:a16="http://schemas.microsoft.com/office/drawing/2014/main" id="{5911B011-0553-6116-05DA-8F895C7BD20E}"/>
-              </a:ext>
-            </a:extLst>
-          </p:cNvPr>
-          <p:cNvSpPr/>
-          <p:nvPr/>
-        </p:nvSpPr>
-        <p:spPr>
-          <a:xfrm>
-            <a:off x="6570220" y="2448074"/>
-            <a:ext cx="1037478" cy="714087"/>
-          </a:xfrm>
-          <a:prstGeom prst="roundRect">
-            <a:avLst>
-              <a:gd name="adj" fmla="val 12321"/>
-            </a:avLst>
-          </a:prstGeom>
-        </p:spPr>
-        <p:style>
-          <a:lnRef idx="2">
-            <a:schemeClr val="accent1">
-              <a:shade val="15000"/>
-            </a:schemeClr>
-          </a:lnRef>
-          <a:fillRef idx="1">
-            <a:schemeClr val="accent1"/>
-          </a:fillRef>
-          <a:effectRef idx="0">
-            <a:schemeClr val="accent1"/>
-          </a:effectRef>
-          <a:fontRef idx="minor">
-            <a:schemeClr val="lt1"/>
-          </a:fontRef>
-        </p:style>
-        <p:txBody>
-          <a:bodyPr rtlCol="0" anchor="ctr"/>
-          <a:lstStyle/>
-          <a:p>
-            <a:pPr algn="ctr"/>
-            <a:r>
-              <a:rPr lang="en-US" sz="1100" dirty="0"/>
-              <a:t>Encoder (Temporal Attention)</a:t>
-            </a:r>
-            <a:endParaRPr lang="de-DE" sz="1100" dirty="0"/>
-          </a:p>
-        </p:txBody>
-      </p:sp>
-      <p:grpSp>
-        <p:nvGrpSpPr>
-          <p:cNvPr id="94" name="Group 93">
-            <a:extLst>
-              <a:ext uri="{FF2B5EF4-FFF2-40B4-BE49-F238E27FC236}">
-                <a16:creationId xmlns:a16="http://schemas.microsoft.com/office/drawing/2014/main" id="{5DE8A701-5FF7-5147-E111-5F0813F7E607}"/>
-              </a:ext>
-            </a:extLst>
-          </p:cNvPr>
-          <p:cNvGrpSpPr/>
-          <p:nvPr/>
-        </p:nvGrpSpPr>
-        <p:grpSpPr>
-          <a:xfrm>
-            <a:off x="4618674" y="3544485"/>
-            <a:ext cx="745140" cy="714087"/>
-            <a:chOff x="1176338" y="4049984"/>
-            <a:chExt cx="1144118" cy="723164"/>
-          </a:xfrm>
-        </p:grpSpPr>
-        <p:sp>
-          <p:nvSpPr>
-            <p:cNvPr id="95" name="Rectangle: Rounded Corners 94">
-              <a:extLst>
-                <a:ext uri="{FF2B5EF4-FFF2-40B4-BE49-F238E27FC236}">
-                  <a16:creationId xmlns:a16="http://schemas.microsoft.com/office/drawing/2014/main" id="{C9A13343-CDD8-2AE7-7526-CC96000E7553}"/>
-                </a:ext>
-              </a:extLst>
-            </p:cNvPr>
-            <p:cNvSpPr/>
-            <p:nvPr/>
-          </p:nvSpPr>
-          <p:spPr>
-            <a:xfrm>
-              <a:off x="1176338" y="4049984"/>
-              <a:ext cx="1144118" cy="723164"/>
-            </a:xfrm>
-            <a:prstGeom prst="roundRect">
-              <a:avLst/>
-            </a:prstGeom>
-            <a:solidFill>
-              <a:schemeClr val="accent1">
-                <a:lumMod val="20000"/>
-                <a:lumOff val="80000"/>
-              </a:schemeClr>
-            </a:solidFill>
-          </p:spPr>
-          <p:style>
-            <a:lnRef idx="2">
-              <a:schemeClr val="accent1">
-                <a:shade val="15000"/>
-              </a:schemeClr>
-            </a:lnRef>
-            <a:fillRef idx="1">
-              <a:schemeClr val="accent1"/>
-            </a:fillRef>
-            <a:effectRef idx="0">
-              <a:schemeClr val="accent1"/>
-            </a:effectRef>
-            <a:fontRef idx="minor">
-              <a:schemeClr val="lt1"/>
-            </a:fontRef>
-          </p:style>
-          <p:txBody>
-            <a:bodyPr rtlCol="0" anchor="ctr"/>
-            <a:lstStyle/>
-            <a:p>
-              <a:pPr algn="ctr"/>
-              <a:endParaRPr lang="de-DE"/>
-            </a:p>
-          </p:txBody>
-        </p:sp>
-        <p:sp>
-          <p:nvSpPr>
-            <p:cNvPr id="96" name="Rectangle: Rounded Corners 95">
-              <a:extLst>
-                <a:ext uri="{FF2B5EF4-FFF2-40B4-BE49-F238E27FC236}">
-                  <a16:creationId xmlns:a16="http://schemas.microsoft.com/office/drawing/2014/main" id="{CF9DEB1F-192A-A677-9AC2-15D09823D5AD}"/>
-                </a:ext>
-              </a:extLst>
-            </p:cNvPr>
-            <p:cNvSpPr/>
-            <p:nvPr/>
-          </p:nvSpPr>
-          <p:spPr>
-            <a:xfrm>
-              <a:off x="1291511" y="4286764"/>
-              <a:ext cx="113818" cy="405804"/>
-            </a:xfrm>
-            <a:prstGeom prst="roundRect">
-              <a:avLst/>
-            </a:prstGeom>
-            <a:solidFill>
-              <a:srgbClr val="FF0000"/>
-            </a:solidFill>
-            <a:ln>
-              <a:noFill/>
-            </a:ln>
-          </p:spPr>
-          <p:style>
-            <a:lnRef idx="2">
-              <a:schemeClr val="accent1">
-                <a:shade val="15000"/>
-              </a:schemeClr>
-            </a:lnRef>
-            <a:fillRef idx="1">
-              <a:schemeClr val="accent1"/>
-            </a:fillRef>
-            <a:effectRef idx="0">
-              <a:schemeClr val="accent1"/>
-            </a:effectRef>
-            <a:fontRef idx="minor">
-              <a:schemeClr val="lt1"/>
-            </a:fontRef>
-          </p:style>
-          <p:txBody>
-            <a:bodyPr rtlCol="0" anchor="ctr"/>
-            <a:lstStyle/>
-            <a:p>
-              <a:pPr algn="ctr"/>
-              <a:endParaRPr lang="de-DE"/>
-            </a:p>
-          </p:txBody>
-        </p:sp>
-        <p:sp>
-          <p:nvSpPr>
-            <p:cNvPr id="97" name="Rectangle: Rounded Corners 96">
-              <a:extLst>
-                <a:ext uri="{FF2B5EF4-FFF2-40B4-BE49-F238E27FC236}">
-                  <a16:creationId xmlns:a16="http://schemas.microsoft.com/office/drawing/2014/main" id="{2FFEFFA4-4E4B-C204-A154-13E2974B448E}"/>
-                </a:ext>
-              </a:extLst>
-            </p:cNvPr>
-            <p:cNvSpPr/>
-            <p:nvPr/>
-          </p:nvSpPr>
-          <p:spPr>
-            <a:xfrm>
-              <a:off x="1490219" y="4286763"/>
-              <a:ext cx="113817" cy="410875"/>
-            </a:xfrm>
-            <a:prstGeom prst="roundRect">
-              <a:avLst/>
-            </a:prstGeom>
-            <a:solidFill>
-              <a:srgbClr val="FF0000"/>
-            </a:solidFill>
-            <a:ln>
-              <a:noFill/>
-            </a:ln>
-          </p:spPr>
-          <p:style>
-            <a:lnRef idx="2">
-              <a:schemeClr val="accent1">
-                <a:shade val="15000"/>
-              </a:schemeClr>
-            </a:lnRef>
-            <a:fillRef idx="1">
-              <a:schemeClr val="accent1"/>
-            </a:fillRef>
-            <a:effectRef idx="0">
-              <a:schemeClr val="accent1"/>
-            </a:effectRef>
-            <a:fontRef idx="minor">
-              <a:schemeClr val="lt1"/>
-            </a:fontRef>
-          </p:style>
-          <p:txBody>
-            <a:bodyPr rtlCol="0" anchor="ctr"/>
-            <a:lstStyle/>
-            <a:p>
-              <a:pPr algn="ctr"/>
-              <a:endParaRPr lang="de-DE"/>
-            </a:p>
-          </p:txBody>
-        </p:sp>
-        <p:sp>
-          <p:nvSpPr>
-            <p:cNvPr id="98" name="Rectangle: Rounded Corners 97">
-              <a:extLst>
-                <a:ext uri="{FF2B5EF4-FFF2-40B4-BE49-F238E27FC236}">
-                  <a16:creationId xmlns:a16="http://schemas.microsoft.com/office/drawing/2014/main" id="{B0E2DCF1-D4C3-791C-86F9-DC73B7E01867}"/>
-                </a:ext>
-              </a:extLst>
-            </p:cNvPr>
-            <p:cNvSpPr/>
-            <p:nvPr/>
-          </p:nvSpPr>
-          <p:spPr>
-            <a:xfrm>
-              <a:off x="1698777" y="4286763"/>
-              <a:ext cx="111072" cy="410875"/>
-            </a:xfrm>
-            <a:prstGeom prst="roundRect">
-              <a:avLst/>
-            </a:prstGeom>
-            <a:solidFill>
-              <a:srgbClr val="FF0000"/>
-            </a:solidFill>
-            <a:ln>
-              <a:noFill/>
-            </a:ln>
-          </p:spPr>
-          <p:style>
-            <a:lnRef idx="2">
-              <a:schemeClr val="accent1">
-                <a:shade val="15000"/>
-              </a:schemeClr>
-            </a:lnRef>
-            <a:fillRef idx="1">
-              <a:schemeClr val="accent1"/>
-            </a:fillRef>
-            <a:effectRef idx="0">
-              <a:schemeClr val="accent1"/>
-            </a:effectRef>
-            <a:fontRef idx="minor">
-              <a:schemeClr val="lt1"/>
-            </a:fontRef>
-          </p:style>
-          <p:txBody>
-            <a:bodyPr rtlCol="0" anchor="ctr"/>
-            <a:lstStyle/>
-            <a:p>
-              <a:pPr algn="ctr"/>
-              <a:endParaRPr lang="de-DE"/>
-            </a:p>
-          </p:txBody>
-        </p:sp>
-        <p:sp>
-          <p:nvSpPr>
-            <p:cNvPr id="99" name="Rectangle: Rounded Corners 98">
-              <a:extLst>
-                <a:ext uri="{FF2B5EF4-FFF2-40B4-BE49-F238E27FC236}">
-                  <a16:creationId xmlns:a16="http://schemas.microsoft.com/office/drawing/2014/main" id="{A43D26DB-B44E-EE2E-9FB2-7393891ACCC6}"/>
-                </a:ext>
-              </a:extLst>
-            </p:cNvPr>
-            <p:cNvSpPr/>
-            <p:nvPr/>
-          </p:nvSpPr>
-          <p:spPr>
-            <a:xfrm>
-              <a:off x="1908139" y="4281693"/>
-              <a:ext cx="110307" cy="410875"/>
-            </a:xfrm>
-            <a:prstGeom prst="roundRect">
-              <a:avLst/>
-            </a:prstGeom>
-            <a:solidFill>
-              <a:srgbClr val="FF0000"/>
-            </a:solidFill>
-            <a:ln>
-              <a:noFill/>
-            </a:ln>
-          </p:spPr>
-          <p:style>
-            <a:lnRef idx="2">
-              <a:schemeClr val="accent1">
-                <a:shade val="15000"/>
-              </a:schemeClr>
-            </a:lnRef>
-            <a:fillRef idx="1">
-              <a:schemeClr val="accent1"/>
-            </a:fillRef>
-            <a:effectRef idx="0">
-              <a:schemeClr val="accent1"/>
-            </a:effectRef>
-            <a:fontRef idx="minor">
-              <a:schemeClr val="lt1"/>
-            </a:fontRef>
-          </p:style>
-          <p:txBody>
-            <a:bodyPr rtlCol="0" anchor="ctr"/>
-            <a:lstStyle/>
-            <a:p>
-              <a:pPr algn="ctr"/>
-              <a:endParaRPr lang="de-DE"/>
-            </a:p>
-          </p:txBody>
-        </p:sp>
-        <p:sp>
-          <p:nvSpPr>
-            <p:cNvPr id="100" name="Rectangle: Rounded Corners 99">
-              <a:extLst>
-                <a:ext uri="{FF2B5EF4-FFF2-40B4-BE49-F238E27FC236}">
-                  <a16:creationId xmlns:a16="http://schemas.microsoft.com/office/drawing/2014/main" id="{81DD57BB-AC37-6981-47F4-2826E709902A}"/>
-                </a:ext>
-              </a:extLst>
-            </p:cNvPr>
-            <p:cNvSpPr/>
-            <p:nvPr/>
-          </p:nvSpPr>
-          <p:spPr>
-            <a:xfrm>
-              <a:off x="2119752" y="4281693"/>
-              <a:ext cx="110307" cy="410875"/>
-            </a:xfrm>
-            <a:prstGeom prst="roundRect">
-              <a:avLst/>
-            </a:prstGeom>
-            <a:solidFill>
-              <a:srgbClr val="FF0000"/>
-            </a:solidFill>
-            <a:ln>
-              <a:noFill/>
-            </a:ln>
-          </p:spPr>
-          <p:style>
-            <a:lnRef idx="2">
-              <a:schemeClr val="accent1">
-                <a:shade val="15000"/>
-              </a:schemeClr>
-            </a:lnRef>
-            <a:fillRef idx="1">
-              <a:schemeClr val="accent1"/>
-            </a:fillRef>
-            <a:effectRef idx="0">
-              <a:schemeClr val="accent1"/>
-            </a:effectRef>
-            <a:fontRef idx="minor">
-              <a:schemeClr val="lt1"/>
-            </a:fontRef>
-          </p:style>
-          <p:txBody>
-            <a:bodyPr rtlCol="0" anchor="ctr"/>
-            <a:lstStyle/>
-            <a:p>
-              <a:pPr algn="ctr"/>
-              <a:endParaRPr lang="de-DE"/>
-            </a:p>
-          </p:txBody>
-        </p:sp>
-        <p:sp>
-          <p:nvSpPr>
-            <p:cNvPr id="101" name="Rectangle: Rounded Corners 100">
-              <a:extLst>
-                <a:ext uri="{FF2B5EF4-FFF2-40B4-BE49-F238E27FC236}">
-                  <a16:creationId xmlns:a16="http://schemas.microsoft.com/office/drawing/2014/main" id="{E93E3A6F-C539-E913-B403-790F6BED2351}"/>
-                </a:ext>
-              </a:extLst>
-            </p:cNvPr>
-            <p:cNvSpPr/>
-            <p:nvPr/>
-          </p:nvSpPr>
-          <p:spPr>
-            <a:xfrm>
-              <a:off x="2120324" y="4138649"/>
-              <a:ext cx="109735" cy="143045"/>
-            </a:xfrm>
-            <a:prstGeom prst="roundRect">
-              <a:avLst>
-                <a:gd name="adj" fmla="val 13802"/>
-              </a:avLst>
-            </a:prstGeom>
-            <a:solidFill>
-              <a:srgbClr val="92D050"/>
-            </a:solidFill>
-            <a:ln>
-              <a:noFill/>
-            </a:ln>
-          </p:spPr>
-          <p:style>
-            <a:lnRef idx="2">
-              <a:schemeClr val="accent4">
-                <a:shade val="15000"/>
-              </a:schemeClr>
-            </a:lnRef>
-            <a:fillRef idx="1">
-              <a:schemeClr val="accent4"/>
-            </a:fillRef>
-            <a:effectRef idx="0">
-              <a:schemeClr val="accent4"/>
-            </a:effectRef>
-            <a:fontRef idx="minor">
-              <a:schemeClr val="lt1"/>
-            </a:fontRef>
-          </p:style>
-          <p:txBody>
-            <a:bodyPr rtlCol="0" anchor="ctr"/>
-            <a:lstStyle/>
-            <a:p>
-              <a:pPr algn="ctr"/>
-              <a:endParaRPr lang="de-DE"/>
-            </a:p>
-          </p:txBody>
-        </p:sp>
-        <p:sp>
-          <p:nvSpPr>
-            <p:cNvPr id="102" name="Rectangle: Rounded Corners 101">
-              <a:extLst>
-                <a:ext uri="{FF2B5EF4-FFF2-40B4-BE49-F238E27FC236}">
-                  <a16:creationId xmlns:a16="http://schemas.microsoft.com/office/drawing/2014/main" id="{DF17CDCD-53E6-4CB0-8B95-72C0EA95A92F}"/>
-                </a:ext>
-              </a:extLst>
-            </p:cNvPr>
-            <p:cNvSpPr/>
-            <p:nvPr/>
-          </p:nvSpPr>
-          <p:spPr>
-            <a:xfrm>
-              <a:off x="1911597" y="4138649"/>
-              <a:ext cx="106850" cy="143045"/>
-            </a:xfrm>
-            <a:prstGeom prst="roundRect">
-              <a:avLst>
-                <a:gd name="adj" fmla="val 13802"/>
-              </a:avLst>
-            </a:prstGeom>
-            <a:solidFill>
-              <a:srgbClr val="92D050"/>
-            </a:solidFill>
-            <a:ln>
-              <a:noFill/>
-            </a:ln>
-          </p:spPr>
-          <p:style>
-            <a:lnRef idx="2">
-              <a:schemeClr val="accent4">
-                <a:shade val="15000"/>
-              </a:schemeClr>
-            </a:lnRef>
-            <a:fillRef idx="1">
-              <a:schemeClr val="accent4"/>
-            </a:fillRef>
-            <a:effectRef idx="0">
-              <a:schemeClr val="accent4"/>
-            </a:effectRef>
-            <a:fontRef idx="minor">
-              <a:schemeClr val="lt1"/>
-            </a:fontRef>
-          </p:style>
-          <p:txBody>
-            <a:bodyPr rtlCol="0" anchor="ctr"/>
-            <a:lstStyle/>
-            <a:p>
-              <a:pPr algn="ctr"/>
-              <a:endParaRPr lang="de-DE" dirty="0"/>
-            </a:p>
-          </p:txBody>
-        </p:sp>
-        <p:sp>
-          <p:nvSpPr>
-            <p:cNvPr id="103" name="Rectangle: Rounded Corners 102">
-              <a:extLst>
-                <a:ext uri="{FF2B5EF4-FFF2-40B4-BE49-F238E27FC236}">
-                  <a16:creationId xmlns:a16="http://schemas.microsoft.com/office/drawing/2014/main" id="{55F850C4-2A5E-C979-D016-753CF06213FA}"/>
-                </a:ext>
-              </a:extLst>
-            </p:cNvPr>
-            <p:cNvSpPr/>
-            <p:nvPr/>
-          </p:nvSpPr>
-          <p:spPr>
-            <a:xfrm>
-              <a:off x="1699543" y="4143719"/>
-              <a:ext cx="110306" cy="143045"/>
-            </a:xfrm>
-            <a:prstGeom prst="roundRect">
-              <a:avLst>
-                <a:gd name="adj" fmla="val 13802"/>
-              </a:avLst>
-            </a:prstGeom>
-            <a:solidFill>
-              <a:srgbClr val="92D050"/>
-            </a:solidFill>
-            <a:ln>
-              <a:noFill/>
-            </a:ln>
-          </p:spPr>
-          <p:style>
-            <a:lnRef idx="2">
-              <a:schemeClr val="accent4">
-                <a:shade val="15000"/>
-              </a:schemeClr>
-            </a:lnRef>
-            <a:fillRef idx="1">
-              <a:schemeClr val="accent4"/>
-            </a:fillRef>
-            <a:effectRef idx="0">
-              <a:schemeClr val="accent4"/>
-            </a:effectRef>
-            <a:fontRef idx="minor">
-              <a:schemeClr val="lt1"/>
-            </a:fontRef>
-          </p:style>
-          <p:txBody>
-            <a:bodyPr rtlCol="0" anchor="ctr"/>
-            <a:lstStyle/>
-            <a:p>
-              <a:pPr algn="ctr"/>
-              <a:endParaRPr lang="de-DE"/>
-            </a:p>
-          </p:txBody>
-        </p:sp>
-        <p:sp>
-          <p:nvSpPr>
-            <p:cNvPr id="104" name="Rectangle: Rounded Corners 103">
-              <a:extLst>
-                <a:ext uri="{FF2B5EF4-FFF2-40B4-BE49-F238E27FC236}">
-                  <a16:creationId xmlns:a16="http://schemas.microsoft.com/office/drawing/2014/main" id="{A446B799-DDCE-E663-1C02-675E065FA46A}"/>
-                </a:ext>
-              </a:extLst>
-            </p:cNvPr>
-            <p:cNvSpPr/>
-            <p:nvPr/>
-          </p:nvSpPr>
-          <p:spPr>
-            <a:xfrm>
-              <a:off x="1490463" y="4143719"/>
-              <a:ext cx="113573" cy="143045"/>
-            </a:xfrm>
-            <a:prstGeom prst="roundRect">
-              <a:avLst>
-                <a:gd name="adj" fmla="val 13802"/>
-              </a:avLst>
-            </a:prstGeom>
-            <a:solidFill>
-              <a:srgbClr val="92D050"/>
-            </a:solidFill>
-            <a:ln>
-              <a:noFill/>
-            </a:ln>
-          </p:spPr>
-          <p:style>
-            <a:lnRef idx="2">
-              <a:schemeClr val="accent4">
-                <a:shade val="15000"/>
-              </a:schemeClr>
-            </a:lnRef>
-            <a:fillRef idx="1">
-              <a:schemeClr val="accent4"/>
-            </a:fillRef>
-            <a:effectRef idx="0">
-              <a:schemeClr val="accent4"/>
-            </a:effectRef>
-            <a:fontRef idx="minor">
-              <a:schemeClr val="lt1"/>
-            </a:fontRef>
-          </p:style>
-          <p:txBody>
-            <a:bodyPr rtlCol="0" anchor="ctr"/>
-            <a:lstStyle/>
-            <a:p>
-              <a:pPr algn="ctr"/>
-              <a:endParaRPr lang="de-DE"/>
-            </a:p>
-          </p:txBody>
-        </p:sp>
-        <p:sp>
-          <p:nvSpPr>
-            <p:cNvPr id="105" name="Rectangle: Rounded Corners 104">
-              <a:extLst>
-                <a:ext uri="{FF2B5EF4-FFF2-40B4-BE49-F238E27FC236}">
-                  <a16:creationId xmlns:a16="http://schemas.microsoft.com/office/drawing/2014/main" id="{89FA548D-F1ED-7230-000C-B424685135EA}"/>
-                </a:ext>
-              </a:extLst>
-            </p:cNvPr>
-            <p:cNvSpPr/>
-            <p:nvPr/>
-          </p:nvSpPr>
-          <p:spPr>
-            <a:xfrm>
-              <a:off x="1291511" y="4143718"/>
-              <a:ext cx="113817" cy="143045"/>
-            </a:xfrm>
-            <a:prstGeom prst="roundRect">
-              <a:avLst>
-                <a:gd name="adj" fmla="val 13802"/>
-              </a:avLst>
-            </a:prstGeom>
-            <a:solidFill>
-              <a:srgbClr val="92D050"/>
-            </a:solidFill>
-            <a:ln>
-              <a:noFill/>
-            </a:ln>
-          </p:spPr>
-          <p:style>
-            <a:lnRef idx="2">
-              <a:schemeClr val="accent4">
-                <a:shade val="15000"/>
-              </a:schemeClr>
-            </a:lnRef>
-            <a:fillRef idx="1">
-              <a:schemeClr val="accent4"/>
-            </a:fillRef>
-            <a:effectRef idx="0">
-              <a:schemeClr val="accent4"/>
-            </a:effectRef>
-            <a:fontRef idx="minor">
-              <a:schemeClr val="lt1"/>
-            </a:fontRef>
-          </p:style>
-          <p:txBody>
-            <a:bodyPr rtlCol="0" anchor="ctr"/>
-            <a:lstStyle/>
-            <a:p>
-              <a:pPr algn="ctr"/>
-              <a:endParaRPr lang="de-DE" dirty="0"/>
-            </a:p>
-          </p:txBody>
-        </p:sp>
-      </p:grpSp>
-      <p:cxnSp>
-        <p:nvCxnSpPr>
-          <p:cNvPr id="107" name="Connector: Elbow 106">
-            <a:extLst>
-              <a:ext uri="{FF2B5EF4-FFF2-40B4-BE49-F238E27FC236}">
-                <a16:creationId xmlns:a16="http://schemas.microsoft.com/office/drawing/2014/main" id="{09F1E870-4BF8-4866-6595-0584545980B7}"/>
-              </a:ext>
-            </a:extLst>
-          </p:cNvPr>
-          <p:cNvCxnSpPr>
-            <a:cxnSpLocks/>
-            <a:stCxn id="73" idx="3"/>
-            <a:endCxn id="6" idx="1"/>
-          </p:cNvCxnSpPr>
-          <p:nvPr/>
-        </p:nvCxnSpPr>
-        <p:spPr>
-          <a:xfrm>
-            <a:off x="3374630" y="4011395"/>
-            <a:ext cx="1073993" cy="858365"/>
-          </a:xfrm>
-          <a:prstGeom prst="bentConnector3">
-            <a:avLst/>
-          </a:prstGeom>
-          <a:ln w="38100">
-            <a:tailEnd type="triangle"/>
-          </a:ln>
-        </p:spPr>
-        <p:style>
-          <a:lnRef idx="1">
-            <a:schemeClr val="accent1"/>
-          </a:lnRef>
-          <a:fillRef idx="0">
-            <a:schemeClr val="accent1"/>
-          </a:fillRef>
-          <a:effectRef idx="0">
-            <a:schemeClr val="accent1"/>
-          </a:effectRef>
-          <a:fontRef idx="minor">
-            <a:schemeClr val="tx1"/>
-          </a:fontRef>
-        </p:style>
-      </p:cxnSp>
-      <p:grpSp>
-        <p:nvGrpSpPr>
-          <p:cNvPr id="136" name="Group 135">
-            <a:extLst>
-              <a:ext uri="{FF2B5EF4-FFF2-40B4-BE49-F238E27FC236}">
-                <a16:creationId xmlns:a16="http://schemas.microsoft.com/office/drawing/2014/main" id="{F6161DA0-036B-7F05-D9C4-1D2CA55B0D01}"/>
-              </a:ext>
-            </a:extLst>
-          </p:cNvPr>
-          <p:cNvGrpSpPr/>
-          <p:nvPr/>
-        </p:nvGrpSpPr>
-        <p:grpSpPr>
-          <a:xfrm>
-            <a:off x="4526722" y="6035219"/>
-            <a:ext cx="944438" cy="822781"/>
-            <a:chOff x="8828674" y="5639940"/>
-            <a:chExt cx="894833" cy="833239"/>
-          </a:xfrm>
-        </p:grpSpPr>
-        <p:pic>
-          <p:nvPicPr>
-            <p:cNvPr id="114" name="Graphic 113" descr="Drawing Figure with solid fill">
-              <a:extLst>
-                <a:ext uri="{FF2B5EF4-FFF2-40B4-BE49-F238E27FC236}">
-                  <a16:creationId xmlns:a16="http://schemas.microsoft.com/office/drawing/2014/main" id="{7F10E669-9FEA-EC70-9966-836388479CD3}"/>
-                </a:ext>
-              </a:extLst>
-            </p:cNvPr>
-            <p:cNvPicPr>
-              <a:picLocks noChangeAspect="1"/>
-            </p:cNvPicPr>
-            <p:nvPr/>
-          </p:nvPicPr>
-          <p:blipFill>
-            <a:blip r:embed="rId4">
-              <a:extLst>
-                <a:ext uri="{28A0092B-C50C-407E-A947-70E740481C1C}">
-                  <a14:useLocalDpi xmlns:a14="http://schemas.microsoft.com/office/drawing/2010/main" val="0"/>
-                </a:ext>
-                <a:ext uri="{96DAC541-7B7A-43D3-8B79-37D633B846F1}">
-                  <asvg:svgBlip xmlns:asvg="http://schemas.microsoft.com/office/drawing/2016/SVG/main" r:embed="rId5"/>
-                </a:ext>
-              </a:extLst>
-            </a:blip>
-            <a:stretch>
-              <a:fillRect/>
-            </a:stretch>
-          </p:blipFill>
-          <p:spPr>
-            <a:xfrm>
-              <a:off x="9249023" y="5639940"/>
-              <a:ext cx="474484" cy="474484"/>
-            </a:xfrm>
-            <a:prstGeom prst="rect">
-              <a:avLst/>
-            </a:prstGeom>
-          </p:spPr>
-        </p:pic>
-        <p:pic>
-          <p:nvPicPr>
-            <p:cNvPr id="115" name="Graphic 114" descr="Drawing Figure with solid fill">
-              <a:extLst>
-                <a:ext uri="{FF2B5EF4-FFF2-40B4-BE49-F238E27FC236}">
-                  <a16:creationId xmlns:a16="http://schemas.microsoft.com/office/drawing/2014/main" id="{EDE05AD1-EDF3-0B5A-5D63-FD574BE9C66F}"/>
-                </a:ext>
-              </a:extLst>
-            </p:cNvPr>
-            <p:cNvPicPr>
-              <a:picLocks noChangeAspect="1"/>
-            </p:cNvPicPr>
-            <p:nvPr/>
-          </p:nvPicPr>
-          <p:blipFill>
-            <a:blip r:embed="rId6">
-              <a:extLst>
-                <a:ext uri="{28A0092B-C50C-407E-A947-70E740481C1C}">
-                  <a14:useLocalDpi xmlns:a14="http://schemas.microsoft.com/office/drawing/2010/main" val="0"/>
-                </a:ext>
-                <a:ext uri="{96DAC541-7B7A-43D3-8B79-37D633B846F1}">
-                  <asvg:svgBlip xmlns:asvg="http://schemas.microsoft.com/office/drawing/2016/SVG/main" r:embed="rId7"/>
-                </a:ext>
-              </a:extLst>
-            </a:blip>
-            <a:stretch>
-              <a:fillRect/>
-            </a:stretch>
-          </p:blipFill>
-          <p:spPr>
-            <a:xfrm>
-              <a:off x="9110192" y="5756601"/>
-              <a:ext cx="474484" cy="474484"/>
-            </a:xfrm>
-            <a:prstGeom prst="rect">
-              <a:avLst/>
-            </a:prstGeom>
-          </p:spPr>
-        </p:pic>
-        <p:pic>
-          <p:nvPicPr>
-            <p:cNvPr id="116" name="Graphic 115" descr="Drawing Figure with solid fill">
-              <a:extLst>
-                <a:ext uri="{FF2B5EF4-FFF2-40B4-BE49-F238E27FC236}">
-                  <a16:creationId xmlns:a16="http://schemas.microsoft.com/office/drawing/2014/main" id="{492AB4D9-CB5E-7DEB-7CB6-2AA799473DD7}"/>
-                </a:ext>
-              </a:extLst>
-            </p:cNvPr>
-            <p:cNvPicPr>
-              <a:picLocks noChangeAspect="1"/>
-            </p:cNvPicPr>
-            <p:nvPr/>
-          </p:nvPicPr>
-          <p:blipFill>
-            <a:blip r:embed="rId8">
-              <a:extLst>
-                <a:ext uri="{28A0092B-C50C-407E-A947-70E740481C1C}">
-                  <a14:useLocalDpi xmlns:a14="http://schemas.microsoft.com/office/drawing/2010/main" val="0"/>
-                </a:ext>
-                <a:ext uri="{96DAC541-7B7A-43D3-8B79-37D633B846F1}">
-                  <asvg:svgBlip xmlns:asvg="http://schemas.microsoft.com/office/drawing/2016/SVG/main" r:embed="rId9"/>
-                </a:ext>
-              </a:extLst>
-            </a:blip>
-            <a:stretch>
-              <a:fillRect/>
-            </a:stretch>
-          </p:blipFill>
-          <p:spPr>
-            <a:xfrm>
-              <a:off x="8971361" y="5873262"/>
-              <a:ext cx="474484" cy="474484"/>
-            </a:xfrm>
-            <a:prstGeom prst="rect">
-              <a:avLst/>
-            </a:prstGeom>
-          </p:spPr>
-        </p:pic>
-        <p:pic>
-          <p:nvPicPr>
-            <p:cNvPr id="117" name="Graphic 116" descr="Drawing Figure with solid fill">
-              <a:extLst>
-                <a:ext uri="{FF2B5EF4-FFF2-40B4-BE49-F238E27FC236}">
-                  <a16:creationId xmlns:a16="http://schemas.microsoft.com/office/drawing/2014/main" id="{5217958E-62C2-2E36-22D3-12FCF12A526B}"/>
-                </a:ext>
-              </a:extLst>
-            </p:cNvPr>
-            <p:cNvPicPr>
-              <a:picLocks noChangeAspect="1"/>
-            </p:cNvPicPr>
-            <p:nvPr/>
-          </p:nvPicPr>
-          <p:blipFill>
-            <a:blip r:embed="rId12">
-              <a:extLst>
-                <a:ext uri="{28A0092B-C50C-407E-A947-70E740481C1C}">
-                  <a14:useLocalDpi xmlns:a14="http://schemas.microsoft.com/office/drawing/2010/main" val="0"/>
-                </a:ext>
-                <a:ext uri="{96DAC541-7B7A-43D3-8B79-37D633B846F1}">
-                  <asvg:svgBlip xmlns:asvg="http://schemas.microsoft.com/office/drawing/2016/SVG/main" r:embed="rId13"/>
-                </a:ext>
-              </a:extLst>
-            </a:blip>
-            <a:stretch>
-              <a:fillRect/>
-            </a:stretch>
-          </p:blipFill>
-          <p:spPr>
-            <a:xfrm>
-              <a:off x="8828674" y="5998695"/>
-              <a:ext cx="474484" cy="474484"/>
-            </a:xfrm>
-            <a:prstGeom prst="rect">
-              <a:avLst/>
-            </a:prstGeom>
-          </p:spPr>
-        </p:pic>
-      </p:grpSp>
-      <p:cxnSp>
-        <p:nvCxnSpPr>
-          <p:cNvPr id="119" name="Straight Arrow Connector 118">
-            <a:extLst>
-              <a:ext uri="{FF2B5EF4-FFF2-40B4-BE49-F238E27FC236}">
-                <a16:creationId xmlns:a16="http://schemas.microsoft.com/office/drawing/2014/main" id="{A347E1BB-BBCD-5230-E932-7D6973DD38D8}"/>
-              </a:ext>
-            </a:extLst>
-          </p:cNvPr>
-          <p:cNvCxnSpPr>
-            <a:cxnSpLocks/>
-            <a:stCxn id="59" idx="3"/>
-            <a:endCxn id="29" idx="1"/>
-          </p:cNvCxnSpPr>
-          <p:nvPr/>
-        </p:nvCxnSpPr>
-        <p:spPr>
-          <a:xfrm flipV="1">
-            <a:off x="3514606" y="1788874"/>
-            <a:ext cx="3078581" cy="132886"/>
-          </a:xfrm>
-          <a:prstGeom prst="straightConnector1">
-            <a:avLst/>
-          </a:prstGeom>
-          <a:ln w="28575">
-            <a:headEnd type="arrow" w="med" len="med"/>
-            <a:tailEnd type="arrow" w="med" len="med"/>
-          </a:ln>
-        </p:spPr>
-        <p:style>
-          <a:lnRef idx="1">
-            <a:schemeClr val="accent1"/>
-          </a:lnRef>
-          <a:fillRef idx="0">
-            <a:schemeClr val="accent1"/>
-          </a:fillRef>
-          <a:effectRef idx="0">
-            <a:schemeClr val="accent1"/>
-          </a:effectRef>
-          <a:fontRef idx="minor">
-            <a:schemeClr val="tx1"/>
-          </a:fontRef>
-        </p:style>
-      </p:cxnSp>
-      <p:sp>
-        <p:nvSpPr>
-          <p:cNvPr id="123" name="TextBox 122">
-            <a:extLst>
-              <a:ext uri="{FF2B5EF4-FFF2-40B4-BE49-F238E27FC236}">
-                <a16:creationId xmlns:a16="http://schemas.microsoft.com/office/drawing/2014/main" id="{D421FF89-D6CC-DF81-87DB-67F121E8BCE8}"/>
-              </a:ext>
-            </a:extLst>
-          </p:cNvPr>
-          <p:cNvSpPr txBox="1"/>
-          <p:nvPr/>
-        </p:nvSpPr>
-        <p:spPr>
-          <a:xfrm>
-            <a:off x="3623130" y="953677"/>
-            <a:ext cx="753350" cy="577435"/>
-          </a:xfrm>
-          <a:prstGeom prst="rect">
-            <a:avLst/>
-          </a:prstGeom>
-          <a:noFill/>
-        </p:spPr>
-        <p:txBody>
-          <a:bodyPr wrap="square" rtlCol="0">
-            <a:spAutoFit/>
-          </a:bodyPr>
-          <a:lstStyle/>
-          <a:p>
-            <a:r>
-              <a:rPr lang="en-US" sz="800" dirty="0"/>
-              <a:t>Global Features i.e. (Global image feature and Global root joint feature)</a:t>
-            </a:r>
-            <a:endParaRPr lang="de-DE" sz="800" dirty="0"/>
-          </a:p>
-        </p:txBody>
-      </p:sp>
-      <p:cxnSp>
-        <p:nvCxnSpPr>
-          <p:cNvPr id="124" name="Straight Arrow Connector 123">
-            <a:extLst>
-              <a:ext uri="{FF2B5EF4-FFF2-40B4-BE49-F238E27FC236}">
-                <a16:creationId xmlns:a16="http://schemas.microsoft.com/office/drawing/2014/main" id="{C9B03279-6C39-9D9C-5519-9460E9F3EFAC}"/>
-              </a:ext>
-            </a:extLst>
-          </p:cNvPr>
-          <p:cNvCxnSpPr>
-            <a:cxnSpLocks/>
-            <a:stCxn id="58" idx="3"/>
-            <a:endCxn id="20" idx="1"/>
-          </p:cNvCxnSpPr>
-          <p:nvPr/>
-        </p:nvCxnSpPr>
-        <p:spPr>
-          <a:xfrm flipV="1">
-            <a:off x="3514606" y="2071254"/>
-            <a:ext cx="3078581" cy="132885"/>
-          </a:xfrm>
-          <a:prstGeom prst="straightConnector1">
-            <a:avLst/>
-          </a:prstGeom>
-          <a:ln w="28575">
-            <a:headEnd type="arrow" w="med" len="med"/>
-            <a:tailEnd type="arrow" w="med" len="med"/>
-          </a:ln>
-        </p:spPr>
-        <p:style>
-          <a:lnRef idx="1">
-            <a:schemeClr val="accent1"/>
-          </a:lnRef>
-          <a:fillRef idx="0">
-            <a:schemeClr val="accent1"/>
-          </a:fillRef>
-          <a:effectRef idx="0">
-            <a:schemeClr val="accent1"/>
-          </a:effectRef>
-          <a:fontRef idx="minor">
-            <a:schemeClr val="tx1"/>
-          </a:fontRef>
-        </p:style>
-      </p:cxnSp>
-      <p:sp>
-        <p:nvSpPr>
-          <p:cNvPr id="127" name="TextBox 126">
-            <a:extLst>
-              <a:ext uri="{FF2B5EF4-FFF2-40B4-BE49-F238E27FC236}">
-                <a16:creationId xmlns:a16="http://schemas.microsoft.com/office/drawing/2014/main" id="{28233B82-529D-7CD1-7BBA-3B09B9E32185}"/>
-              </a:ext>
-            </a:extLst>
-          </p:cNvPr>
-          <p:cNvSpPr txBox="1"/>
-          <p:nvPr/>
-        </p:nvSpPr>
-        <p:spPr>
-          <a:xfrm>
-            <a:off x="3610607" y="2290202"/>
-            <a:ext cx="799099" cy="577435"/>
-          </a:xfrm>
-          <a:prstGeom prst="rect">
-            <a:avLst/>
-          </a:prstGeom>
-          <a:noFill/>
-        </p:spPr>
-        <p:txBody>
-          <a:bodyPr wrap="square" rtlCol="0">
-            <a:spAutoFit/>
-          </a:bodyPr>
-          <a:lstStyle/>
-          <a:p>
-            <a:r>
-              <a:rPr lang="en-US" sz="800" dirty="0"/>
-              <a:t>Local Features i.e. (Local image feature and Local root relative pose feature)</a:t>
-            </a:r>
-            <a:endParaRPr lang="de-DE" sz="800" dirty="0"/>
-          </a:p>
-        </p:txBody>
-      </p:sp>
-      <p:cxnSp>
-        <p:nvCxnSpPr>
-          <p:cNvPr id="130" name="Straight Arrow Connector 129">
-            <a:extLst>
-              <a:ext uri="{FF2B5EF4-FFF2-40B4-BE49-F238E27FC236}">
-                <a16:creationId xmlns:a16="http://schemas.microsoft.com/office/drawing/2014/main" id="{1F7C26DC-FCA3-76EB-A7C8-EFEFD114D21F}"/>
-              </a:ext>
-            </a:extLst>
-          </p:cNvPr>
-          <p:cNvCxnSpPr>
-            <a:cxnSpLocks/>
-            <a:stCxn id="95" idx="2"/>
-            <a:endCxn id="6" idx="0"/>
-          </p:cNvCxnSpPr>
-          <p:nvPr/>
-        </p:nvCxnSpPr>
-        <p:spPr>
-          <a:xfrm>
-            <a:off x="4991244" y="4258572"/>
-            <a:ext cx="0" cy="254145"/>
-          </a:xfrm>
-          <a:prstGeom prst="straightConnector1">
-            <a:avLst/>
-          </a:prstGeom>
-          <a:ln w="38100">
-            <a:tailEnd type="triangle"/>
-          </a:ln>
-        </p:spPr>
-        <p:style>
-          <a:lnRef idx="1">
-            <a:schemeClr val="accent1"/>
-          </a:lnRef>
-          <a:fillRef idx="0">
-            <a:schemeClr val="accent1"/>
-          </a:fillRef>
-          <a:effectRef idx="0">
-            <a:schemeClr val="accent1"/>
-          </a:effectRef>
-          <a:fontRef idx="minor">
-            <a:schemeClr val="tx1"/>
-          </a:fontRef>
-        </p:style>
-      </p:cxnSp>
-      <p:sp>
-        <p:nvSpPr>
-          <p:cNvPr id="139" name="Rectangle 138">
-            <a:extLst>
-              <a:ext uri="{FF2B5EF4-FFF2-40B4-BE49-F238E27FC236}">
-                <a16:creationId xmlns:a16="http://schemas.microsoft.com/office/drawing/2014/main" id="{74469785-6E59-6798-5667-F087AF8DF2CE}"/>
-              </a:ext>
-            </a:extLst>
-          </p:cNvPr>
-          <p:cNvSpPr/>
-          <p:nvPr/>
-        </p:nvSpPr>
-        <p:spPr>
-          <a:xfrm>
-            <a:off x="4451873" y="5576177"/>
-            <a:ext cx="1098259" cy="252575"/>
-          </a:xfrm>
-          <a:prstGeom prst="rect">
-            <a:avLst/>
-          </a:prstGeom>
-        </p:spPr>
-        <p:style>
-          <a:lnRef idx="2">
-            <a:schemeClr val="accent1">
-              <a:shade val="15000"/>
-            </a:schemeClr>
-          </a:lnRef>
-          <a:fillRef idx="1">
-            <a:schemeClr val="accent1"/>
-          </a:fillRef>
-          <a:effectRef idx="0">
-            <a:schemeClr val="accent1"/>
-          </a:effectRef>
-          <a:fontRef idx="minor">
-            <a:schemeClr val="lt1"/>
-          </a:fontRef>
-        </p:style>
-        <p:txBody>
-          <a:bodyPr rtlCol="0" anchor="ctr"/>
-          <a:lstStyle/>
-          <a:p>
-            <a:pPr algn="ctr"/>
-            <a:r>
-              <a:rPr lang="en-US" sz="1050" dirty="0"/>
-              <a:t>Linear Projection</a:t>
-            </a:r>
-            <a:endParaRPr lang="de-DE" sz="1050" dirty="0"/>
-          </a:p>
-        </p:txBody>
-      </p:sp>
-      <p:cxnSp>
-        <p:nvCxnSpPr>
-          <p:cNvPr id="141" name="Straight Arrow Connector 140">
-            <a:extLst>
-              <a:ext uri="{FF2B5EF4-FFF2-40B4-BE49-F238E27FC236}">
-                <a16:creationId xmlns:a16="http://schemas.microsoft.com/office/drawing/2014/main" id="{29285F2B-9406-3D56-9F07-76ADDC6E57AF}"/>
-              </a:ext>
-            </a:extLst>
-          </p:cNvPr>
-          <p:cNvCxnSpPr>
-            <a:stCxn id="52" idx="2"/>
-            <a:endCxn id="73" idx="0"/>
-          </p:cNvCxnSpPr>
-          <p:nvPr/>
-        </p:nvCxnSpPr>
-        <p:spPr>
-          <a:xfrm>
-            <a:off x="3002060" y="3403126"/>
-            <a:ext cx="0" cy="251225"/>
-          </a:xfrm>
-          <a:prstGeom prst="straightConnector1">
-            <a:avLst/>
-          </a:prstGeom>
-          <a:ln>
-            <a:tailEnd type="triangle"/>
-          </a:ln>
-        </p:spPr>
-        <p:style>
-          <a:lnRef idx="1">
-            <a:schemeClr val="accent1"/>
-          </a:lnRef>
-          <a:fillRef idx="0">
-            <a:schemeClr val="accent1"/>
-          </a:fillRef>
-          <a:effectRef idx="0">
-            <a:schemeClr val="accent1"/>
-          </a:effectRef>
-          <a:fontRef idx="minor">
-            <a:schemeClr val="tx1"/>
-          </a:fontRef>
-        </p:style>
-      </p:cxnSp>
-      <p:cxnSp>
-        <p:nvCxnSpPr>
-          <p:cNvPr id="143" name="Straight Arrow Connector 142">
-            <a:extLst>
-              <a:ext uri="{FF2B5EF4-FFF2-40B4-BE49-F238E27FC236}">
-                <a16:creationId xmlns:a16="http://schemas.microsoft.com/office/drawing/2014/main" id="{152ADA7E-F43B-E65D-424B-E6886EE56179}"/>
-              </a:ext>
-            </a:extLst>
-          </p:cNvPr>
-          <p:cNvCxnSpPr/>
-          <p:nvPr/>
-        </p:nvCxnSpPr>
-        <p:spPr>
-          <a:xfrm>
-            <a:off x="2773507" y="1611579"/>
-            <a:ext cx="1426" cy="191684"/>
-          </a:xfrm>
-          <a:prstGeom prst="straightConnector1">
-            <a:avLst/>
-          </a:prstGeom>
-          <a:ln>
-            <a:tailEnd type="triangle"/>
-          </a:ln>
-        </p:spPr>
-        <p:style>
-          <a:lnRef idx="1">
-            <a:schemeClr val="accent1"/>
-          </a:lnRef>
-          <a:fillRef idx="0">
-            <a:schemeClr val="accent1"/>
-          </a:fillRef>
-          <a:effectRef idx="0">
-            <a:schemeClr val="accent1"/>
-          </a:effectRef>
-          <a:fontRef idx="minor">
-            <a:schemeClr val="tx1"/>
-          </a:fontRef>
-        </p:style>
-      </p:cxnSp>
-      <p:cxnSp>
-        <p:nvCxnSpPr>
-          <p:cNvPr id="144" name="Straight Arrow Connector 143">
-            <a:extLst>
-              <a:ext uri="{FF2B5EF4-FFF2-40B4-BE49-F238E27FC236}">
-                <a16:creationId xmlns:a16="http://schemas.microsoft.com/office/drawing/2014/main" id="{A77052A4-F862-41EF-5865-6B14A4BCB050}"/>
-              </a:ext>
-            </a:extLst>
-          </p:cNvPr>
-          <p:cNvCxnSpPr/>
-          <p:nvPr/>
-        </p:nvCxnSpPr>
-        <p:spPr>
-          <a:xfrm>
-            <a:off x="3013020" y="1607989"/>
-            <a:ext cx="1426" cy="191684"/>
-          </a:xfrm>
-          <a:prstGeom prst="straightConnector1">
-            <a:avLst/>
-          </a:prstGeom>
-          <a:ln>
-            <a:tailEnd type="triangle"/>
-          </a:ln>
-        </p:spPr>
-        <p:style>
-          <a:lnRef idx="1">
-            <a:schemeClr val="accent1"/>
-          </a:lnRef>
-          <a:fillRef idx="0">
-            <a:schemeClr val="accent1"/>
-          </a:fillRef>
-          <a:effectRef idx="0">
-            <a:schemeClr val="accent1"/>
-          </a:effectRef>
-          <a:fontRef idx="minor">
-            <a:schemeClr val="tx1"/>
-          </a:fontRef>
-        </p:style>
-      </p:cxnSp>
-      <p:cxnSp>
-        <p:nvCxnSpPr>
-          <p:cNvPr id="145" name="Straight Arrow Connector 144">
-            <a:extLst>
-              <a:ext uri="{FF2B5EF4-FFF2-40B4-BE49-F238E27FC236}">
-                <a16:creationId xmlns:a16="http://schemas.microsoft.com/office/drawing/2014/main" id="{8F8546DF-39C6-0BA9-BF07-68D27944FA4B}"/>
-              </a:ext>
-            </a:extLst>
-          </p:cNvPr>
-          <p:cNvCxnSpPr/>
-          <p:nvPr/>
-        </p:nvCxnSpPr>
-        <p:spPr>
-          <a:xfrm>
-            <a:off x="3234324" y="1605075"/>
-            <a:ext cx="1426" cy="191684"/>
-          </a:xfrm>
-          <a:prstGeom prst="straightConnector1">
-            <a:avLst/>
-          </a:prstGeom>
-          <a:ln>
-            <a:tailEnd type="triangle"/>
-          </a:ln>
-        </p:spPr>
-        <p:style>
-          <a:lnRef idx="1">
-            <a:schemeClr val="accent1"/>
-          </a:lnRef>
-          <a:fillRef idx="0">
-            <a:schemeClr val="accent1"/>
-          </a:fillRef>
-          <a:effectRef idx="0">
-            <a:schemeClr val="accent1"/>
-          </a:effectRef>
-          <a:fontRef idx="minor">
-            <a:schemeClr val="tx1"/>
-          </a:fontRef>
-        </p:style>
-      </p:cxnSp>
-      <p:cxnSp>
-        <p:nvCxnSpPr>
-          <p:cNvPr id="146" name="Straight Arrow Connector 145">
-            <a:extLst>
-              <a:ext uri="{FF2B5EF4-FFF2-40B4-BE49-F238E27FC236}">
-                <a16:creationId xmlns:a16="http://schemas.microsoft.com/office/drawing/2014/main" id="{398127E1-2445-400A-DA46-A48AC74637AC}"/>
-              </a:ext>
-            </a:extLst>
-          </p:cNvPr>
-          <p:cNvCxnSpPr>
-            <a:cxnSpLocks/>
-          </p:cNvCxnSpPr>
-          <p:nvPr/>
-        </p:nvCxnSpPr>
-        <p:spPr>
-          <a:xfrm>
-            <a:off x="3474701" y="1607989"/>
-            <a:ext cx="1426" cy="191684"/>
-          </a:xfrm>
-          <a:prstGeom prst="straightConnector1">
-            <a:avLst/>
-          </a:prstGeom>
-          <a:ln>
-            <a:tailEnd type="triangle"/>
-          </a:ln>
-        </p:spPr>
-        <p:style>
-          <a:lnRef idx="1">
-            <a:schemeClr val="accent1"/>
-          </a:lnRef>
-          <a:fillRef idx="0">
-            <a:schemeClr val="accent1"/>
-          </a:fillRef>
-          <a:effectRef idx="0">
-            <a:schemeClr val="accent1"/>
-          </a:effectRef>
-          <a:fontRef idx="minor">
-            <a:schemeClr val="tx1"/>
-          </a:fontRef>
-        </p:style>
-      </p:cxnSp>
-      <p:cxnSp>
-        <p:nvCxnSpPr>
-          <p:cNvPr id="149" name="Straight Arrow Connector 148">
-            <a:extLst>
-              <a:ext uri="{FF2B5EF4-FFF2-40B4-BE49-F238E27FC236}">
-                <a16:creationId xmlns:a16="http://schemas.microsoft.com/office/drawing/2014/main" id="{25D3C72B-7A21-E7A9-E107-0E6FF21FF470}"/>
-              </a:ext>
-            </a:extLst>
-          </p:cNvPr>
-          <p:cNvCxnSpPr>
-            <a:cxnSpLocks/>
-          </p:cNvCxnSpPr>
-          <p:nvPr/>
-        </p:nvCxnSpPr>
-        <p:spPr>
-          <a:xfrm>
-            <a:off x="2546748" y="2445918"/>
-            <a:ext cx="1426" cy="191684"/>
-          </a:xfrm>
-          <a:prstGeom prst="straightConnector1">
-            <a:avLst/>
-          </a:prstGeom>
-          <a:ln>
-            <a:tailEnd type="triangle"/>
-          </a:ln>
-        </p:spPr>
-        <p:style>
-          <a:lnRef idx="1">
-            <a:schemeClr val="accent1"/>
-          </a:lnRef>
-          <a:fillRef idx="0">
-            <a:schemeClr val="accent1"/>
-          </a:fillRef>
-          <a:effectRef idx="0">
-            <a:schemeClr val="accent1"/>
-          </a:effectRef>
-          <a:fontRef idx="minor">
-            <a:schemeClr val="tx1"/>
-          </a:fontRef>
-        </p:style>
-      </p:cxnSp>
-      <p:cxnSp>
-        <p:nvCxnSpPr>
-          <p:cNvPr id="150" name="Straight Arrow Connector 149">
-            <a:extLst>
-              <a:ext uri="{FF2B5EF4-FFF2-40B4-BE49-F238E27FC236}">
-                <a16:creationId xmlns:a16="http://schemas.microsoft.com/office/drawing/2014/main" id="{2980CEA4-A8DC-73E8-2F9A-7E3F5773A9F7}"/>
-              </a:ext>
-            </a:extLst>
-          </p:cNvPr>
-          <p:cNvCxnSpPr>
-            <a:cxnSpLocks/>
-          </p:cNvCxnSpPr>
-          <p:nvPr/>
-        </p:nvCxnSpPr>
-        <p:spPr>
-          <a:xfrm>
-            <a:off x="2772081" y="2448074"/>
-            <a:ext cx="1426" cy="191684"/>
-          </a:xfrm>
-          <a:prstGeom prst="straightConnector1">
-            <a:avLst/>
-          </a:prstGeom>
-          <a:ln>
-            <a:tailEnd type="triangle"/>
-          </a:ln>
-        </p:spPr>
-        <p:style>
-          <a:lnRef idx="1">
-            <a:schemeClr val="accent1"/>
-          </a:lnRef>
-          <a:fillRef idx="0">
-            <a:schemeClr val="accent1"/>
-          </a:fillRef>
-          <a:effectRef idx="0">
-            <a:schemeClr val="accent1"/>
-          </a:effectRef>
-          <a:fontRef idx="minor">
-            <a:schemeClr val="tx1"/>
-          </a:fontRef>
-        </p:style>
-      </p:cxnSp>
-      <p:cxnSp>
-        <p:nvCxnSpPr>
-          <p:cNvPr id="151" name="Straight Arrow Connector 150">
-            <a:extLst>
-              <a:ext uri="{FF2B5EF4-FFF2-40B4-BE49-F238E27FC236}">
-                <a16:creationId xmlns:a16="http://schemas.microsoft.com/office/drawing/2014/main" id="{11F7D419-3A31-A23B-5FEB-35B1E4CC91E2}"/>
-              </a:ext>
-            </a:extLst>
-          </p:cNvPr>
-          <p:cNvCxnSpPr>
-            <a:cxnSpLocks/>
-          </p:cNvCxnSpPr>
-          <p:nvPr/>
-        </p:nvCxnSpPr>
-        <p:spPr>
-          <a:xfrm>
-            <a:off x="3011594" y="2444485"/>
-            <a:ext cx="1426" cy="191684"/>
-          </a:xfrm>
-          <a:prstGeom prst="straightConnector1">
-            <a:avLst/>
-          </a:prstGeom>
-          <a:ln>
-            <a:tailEnd type="triangle"/>
-          </a:ln>
-        </p:spPr>
-        <p:style>
-          <a:lnRef idx="1">
-            <a:schemeClr val="accent1"/>
-          </a:lnRef>
-          <a:fillRef idx="0">
-            <a:schemeClr val="accent1"/>
-          </a:fillRef>
-          <a:effectRef idx="0">
-            <a:schemeClr val="accent1"/>
-          </a:effectRef>
-          <a:fontRef idx="minor">
-            <a:schemeClr val="tx1"/>
-          </a:fontRef>
-        </p:style>
-      </p:cxnSp>
-      <p:cxnSp>
-        <p:nvCxnSpPr>
-          <p:cNvPr id="152" name="Straight Arrow Connector 151">
-            <a:extLst>
-              <a:ext uri="{FF2B5EF4-FFF2-40B4-BE49-F238E27FC236}">
-                <a16:creationId xmlns:a16="http://schemas.microsoft.com/office/drawing/2014/main" id="{CC805BAE-917C-3EBD-F0AB-70264624CB3A}"/>
-              </a:ext>
-            </a:extLst>
-          </p:cNvPr>
-          <p:cNvCxnSpPr>
-            <a:cxnSpLocks/>
-          </p:cNvCxnSpPr>
-          <p:nvPr/>
-        </p:nvCxnSpPr>
-        <p:spPr>
-          <a:xfrm>
-            <a:off x="3232899" y="2441571"/>
-            <a:ext cx="1426" cy="191684"/>
-          </a:xfrm>
-          <a:prstGeom prst="straightConnector1">
-            <a:avLst/>
-          </a:prstGeom>
-          <a:ln>
-            <a:tailEnd type="triangle"/>
-          </a:ln>
-        </p:spPr>
-        <p:style>
-          <a:lnRef idx="1">
-            <a:schemeClr val="accent1"/>
-          </a:lnRef>
-          <a:fillRef idx="0">
-            <a:schemeClr val="accent1"/>
-          </a:fillRef>
-          <a:effectRef idx="0">
-            <a:schemeClr val="accent1"/>
-          </a:effectRef>
-          <a:fontRef idx="minor">
-            <a:schemeClr val="tx1"/>
-          </a:fontRef>
-        </p:style>
-      </p:cxnSp>
-      <p:cxnSp>
-        <p:nvCxnSpPr>
-          <p:cNvPr id="153" name="Straight Arrow Connector 152">
-            <a:extLst>
-              <a:ext uri="{FF2B5EF4-FFF2-40B4-BE49-F238E27FC236}">
-                <a16:creationId xmlns:a16="http://schemas.microsoft.com/office/drawing/2014/main" id="{2B61C851-DC38-D425-3786-F0E0B070433B}"/>
-              </a:ext>
-            </a:extLst>
-          </p:cNvPr>
-          <p:cNvCxnSpPr>
-            <a:cxnSpLocks/>
-          </p:cNvCxnSpPr>
-          <p:nvPr/>
-        </p:nvCxnSpPr>
-        <p:spPr>
-          <a:xfrm>
-            <a:off x="3473275" y="2444485"/>
-            <a:ext cx="1426" cy="191684"/>
-          </a:xfrm>
-          <a:prstGeom prst="straightConnector1">
-            <a:avLst/>
-          </a:prstGeom>
-          <a:ln>
-            <a:tailEnd type="triangle"/>
-          </a:ln>
-        </p:spPr>
-        <p:style>
-          <a:lnRef idx="1">
-            <a:schemeClr val="accent1"/>
-          </a:lnRef>
-          <a:fillRef idx="0">
-            <a:schemeClr val="accent1"/>
-          </a:fillRef>
-          <a:effectRef idx="0">
-            <a:schemeClr val="accent1"/>
-          </a:effectRef>
-          <a:fontRef idx="minor">
-            <a:schemeClr val="tx1"/>
-          </a:fontRef>
-        </p:style>
-      </p:cxnSp>
-      <p:cxnSp>
-        <p:nvCxnSpPr>
-          <p:cNvPr id="165" name="Straight Arrow Connector 164">
-            <a:extLst>
-              <a:ext uri="{FF2B5EF4-FFF2-40B4-BE49-F238E27FC236}">
-                <a16:creationId xmlns:a16="http://schemas.microsoft.com/office/drawing/2014/main" id="{121F8601-084D-AA45-0991-A7E347824050}"/>
-              </a:ext>
-            </a:extLst>
-          </p:cNvPr>
-          <p:cNvCxnSpPr>
-            <a:cxnSpLocks/>
-          </p:cNvCxnSpPr>
-          <p:nvPr/>
-        </p:nvCxnSpPr>
-        <p:spPr>
-          <a:xfrm>
-            <a:off x="6628549" y="1497906"/>
-            <a:ext cx="1426" cy="191684"/>
-          </a:xfrm>
-          <a:prstGeom prst="straightConnector1">
-            <a:avLst/>
-          </a:prstGeom>
-          <a:ln>
-            <a:tailEnd type="triangle"/>
-          </a:ln>
-        </p:spPr>
-        <p:style>
-          <a:lnRef idx="1">
-            <a:schemeClr val="accent1"/>
-          </a:lnRef>
-          <a:fillRef idx="0">
-            <a:schemeClr val="accent1"/>
-          </a:fillRef>
-          <a:effectRef idx="0">
-            <a:schemeClr val="accent1"/>
-          </a:effectRef>
-          <a:fontRef idx="minor">
-            <a:schemeClr val="tx1"/>
-          </a:fontRef>
-        </p:style>
-      </p:cxnSp>
-      <p:cxnSp>
-        <p:nvCxnSpPr>
-          <p:cNvPr id="166" name="Straight Arrow Connector 165">
-            <a:extLst>
-              <a:ext uri="{FF2B5EF4-FFF2-40B4-BE49-F238E27FC236}">
-                <a16:creationId xmlns:a16="http://schemas.microsoft.com/office/drawing/2014/main" id="{7B65B2CB-9394-9B26-9375-D3968C5260FD}"/>
-              </a:ext>
-            </a:extLst>
-          </p:cNvPr>
-          <p:cNvCxnSpPr>
-            <a:cxnSpLocks/>
-          </p:cNvCxnSpPr>
-          <p:nvPr/>
-        </p:nvCxnSpPr>
-        <p:spPr>
-          <a:xfrm>
-            <a:off x="6859859" y="1502748"/>
-            <a:ext cx="1426" cy="191684"/>
-          </a:xfrm>
-          <a:prstGeom prst="straightConnector1">
-            <a:avLst/>
-          </a:prstGeom>
-          <a:ln>
-            <a:tailEnd type="triangle"/>
-          </a:ln>
-        </p:spPr>
-        <p:style>
-          <a:lnRef idx="1">
-            <a:schemeClr val="accent1"/>
-          </a:lnRef>
-          <a:fillRef idx="0">
-            <a:schemeClr val="accent1"/>
-          </a:fillRef>
-          <a:effectRef idx="0">
-            <a:schemeClr val="accent1"/>
-          </a:effectRef>
-          <a:fontRef idx="minor">
-            <a:schemeClr val="tx1"/>
-          </a:fontRef>
-        </p:style>
-      </p:cxnSp>
-      <p:cxnSp>
-        <p:nvCxnSpPr>
-          <p:cNvPr id="167" name="Straight Arrow Connector 166">
-            <a:extLst>
-              <a:ext uri="{FF2B5EF4-FFF2-40B4-BE49-F238E27FC236}">
-                <a16:creationId xmlns:a16="http://schemas.microsoft.com/office/drawing/2014/main" id="{E8514EC3-15C0-EC82-9427-C739675AE3AC}"/>
-              </a:ext>
-            </a:extLst>
-          </p:cNvPr>
-          <p:cNvCxnSpPr>
-            <a:cxnSpLocks/>
-          </p:cNvCxnSpPr>
-          <p:nvPr/>
-        </p:nvCxnSpPr>
-        <p:spPr>
-          <a:xfrm>
-            <a:off x="7097121" y="1501931"/>
-            <a:ext cx="1426" cy="191684"/>
-          </a:xfrm>
-          <a:prstGeom prst="straightConnector1">
-            <a:avLst/>
-          </a:prstGeom>
-          <a:ln>
-            <a:tailEnd type="triangle"/>
-          </a:ln>
-        </p:spPr>
-        <p:style>
-          <a:lnRef idx="1">
-            <a:schemeClr val="accent1"/>
-          </a:lnRef>
-          <a:fillRef idx="0">
-            <a:schemeClr val="accent1"/>
-          </a:fillRef>
-          <a:effectRef idx="0">
-            <a:schemeClr val="accent1"/>
-          </a:effectRef>
-          <a:fontRef idx="minor">
-            <a:schemeClr val="tx1"/>
-          </a:fontRef>
-        </p:style>
-      </p:cxnSp>
-      <p:cxnSp>
-        <p:nvCxnSpPr>
-          <p:cNvPr id="168" name="Straight Arrow Connector 167">
-            <a:extLst>
-              <a:ext uri="{FF2B5EF4-FFF2-40B4-BE49-F238E27FC236}">
-                <a16:creationId xmlns:a16="http://schemas.microsoft.com/office/drawing/2014/main" id="{4CD0252D-4D2B-2BF0-074C-14DC65CBCA2F}"/>
-              </a:ext>
-            </a:extLst>
-          </p:cNvPr>
-          <p:cNvCxnSpPr>
-            <a:cxnSpLocks/>
-          </p:cNvCxnSpPr>
-          <p:nvPr/>
-        </p:nvCxnSpPr>
-        <p:spPr>
-          <a:xfrm>
-            <a:off x="7313407" y="1502748"/>
-            <a:ext cx="1426" cy="191684"/>
-          </a:xfrm>
-          <a:prstGeom prst="straightConnector1">
-            <a:avLst/>
-          </a:prstGeom>
-          <a:ln>
-            <a:tailEnd type="triangle"/>
-          </a:ln>
-        </p:spPr>
-        <p:style>
-          <a:lnRef idx="1">
-            <a:schemeClr val="accent1"/>
-          </a:lnRef>
-          <a:fillRef idx="0">
-            <a:schemeClr val="accent1"/>
-          </a:fillRef>
-          <a:effectRef idx="0">
-            <a:schemeClr val="accent1"/>
-          </a:effectRef>
-          <a:fontRef idx="minor">
-            <a:schemeClr val="tx1"/>
-          </a:fontRef>
-        </p:style>
-      </p:cxnSp>
-      <p:cxnSp>
-        <p:nvCxnSpPr>
-          <p:cNvPr id="169" name="Straight Arrow Connector 168">
-            <a:extLst>
-              <a:ext uri="{FF2B5EF4-FFF2-40B4-BE49-F238E27FC236}">
-                <a16:creationId xmlns:a16="http://schemas.microsoft.com/office/drawing/2014/main" id="{642BEED7-B60F-2EA1-CEA6-FF43622792CA}"/>
-              </a:ext>
-            </a:extLst>
-          </p:cNvPr>
-          <p:cNvCxnSpPr>
-            <a:cxnSpLocks/>
-          </p:cNvCxnSpPr>
-          <p:nvPr/>
-        </p:nvCxnSpPr>
-        <p:spPr>
-          <a:xfrm>
-            <a:off x="7559291" y="1501931"/>
-            <a:ext cx="1426" cy="191684"/>
-          </a:xfrm>
-          <a:prstGeom prst="straightConnector1">
-            <a:avLst/>
-          </a:prstGeom>
-          <a:ln>
-            <a:tailEnd type="triangle"/>
-          </a:ln>
-        </p:spPr>
-        <p:style>
-          <a:lnRef idx="1">
-            <a:schemeClr val="accent1"/>
-          </a:lnRef>
-          <a:fillRef idx="0">
-            <a:schemeClr val="accent1"/>
-          </a:fillRef>
-          <a:effectRef idx="0">
-            <a:schemeClr val="accent1"/>
-          </a:effectRef>
-          <a:fontRef idx="minor">
-            <a:schemeClr val="tx1"/>
-          </a:fontRef>
-        </p:style>
-      </p:cxnSp>
-      <p:cxnSp>
-        <p:nvCxnSpPr>
-          <p:cNvPr id="170" name="Straight Arrow Connector 169">
-            <a:extLst>
-              <a:ext uri="{FF2B5EF4-FFF2-40B4-BE49-F238E27FC236}">
-                <a16:creationId xmlns:a16="http://schemas.microsoft.com/office/drawing/2014/main" id="{4DBB3F06-5350-6CE3-B2CE-EFF821A00C9F}"/>
-              </a:ext>
-            </a:extLst>
-          </p:cNvPr>
-          <p:cNvCxnSpPr>
-            <a:cxnSpLocks/>
-          </p:cNvCxnSpPr>
-          <p:nvPr/>
-        </p:nvCxnSpPr>
-        <p:spPr>
-          <a:xfrm>
-            <a:off x="6625723" y="2264222"/>
-            <a:ext cx="1426" cy="191684"/>
-          </a:xfrm>
-          <a:prstGeom prst="straightConnector1">
-            <a:avLst/>
-          </a:prstGeom>
-          <a:ln>
-            <a:tailEnd type="triangle"/>
-          </a:ln>
-        </p:spPr>
-        <p:style>
-          <a:lnRef idx="1">
-            <a:schemeClr val="accent1"/>
-          </a:lnRef>
-          <a:fillRef idx="0">
-            <a:schemeClr val="accent1"/>
-          </a:fillRef>
-          <a:effectRef idx="0">
-            <a:schemeClr val="accent1"/>
-          </a:effectRef>
-          <a:fontRef idx="minor">
-            <a:schemeClr val="tx1"/>
-          </a:fontRef>
-        </p:style>
-      </p:cxnSp>
-      <p:cxnSp>
-        <p:nvCxnSpPr>
-          <p:cNvPr id="171" name="Straight Arrow Connector 170">
-            <a:extLst>
-              <a:ext uri="{FF2B5EF4-FFF2-40B4-BE49-F238E27FC236}">
-                <a16:creationId xmlns:a16="http://schemas.microsoft.com/office/drawing/2014/main" id="{717F96CA-2F5E-A91D-963D-57A8149C2C32}"/>
-              </a:ext>
-            </a:extLst>
-          </p:cNvPr>
-          <p:cNvCxnSpPr>
-            <a:cxnSpLocks/>
-          </p:cNvCxnSpPr>
-          <p:nvPr/>
-        </p:nvCxnSpPr>
-        <p:spPr>
-          <a:xfrm>
-            <a:off x="6857033" y="2269065"/>
-            <a:ext cx="1426" cy="191684"/>
-          </a:xfrm>
-          <a:prstGeom prst="straightConnector1">
-            <a:avLst/>
-          </a:prstGeom>
-          <a:ln>
-            <a:tailEnd type="triangle"/>
-          </a:ln>
-        </p:spPr>
-        <p:style>
-          <a:lnRef idx="1">
-            <a:schemeClr val="accent1"/>
-          </a:lnRef>
-          <a:fillRef idx="0">
-            <a:schemeClr val="accent1"/>
-          </a:fillRef>
-          <a:effectRef idx="0">
-            <a:schemeClr val="accent1"/>
-          </a:effectRef>
-          <a:fontRef idx="minor">
-            <a:schemeClr val="tx1"/>
-          </a:fontRef>
-        </p:style>
-      </p:cxnSp>
-      <p:cxnSp>
-        <p:nvCxnSpPr>
-          <p:cNvPr id="172" name="Straight Arrow Connector 171">
-            <a:extLst>
-              <a:ext uri="{FF2B5EF4-FFF2-40B4-BE49-F238E27FC236}">
-                <a16:creationId xmlns:a16="http://schemas.microsoft.com/office/drawing/2014/main" id="{8F9B3CC7-4BCF-F7AF-74D5-2B71A72C64F9}"/>
-              </a:ext>
-            </a:extLst>
-          </p:cNvPr>
-          <p:cNvCxnSpPr>
-            <a:cxnSpLocks/>
-          </p:cNvCxnSpPr>
-          <p:nvPr/>
-        </p:nvCxnSpPr>
-        <p:spPr>
-          <a:xfrm>
-            <a:off x="7094295" y="2268247"/>
-            <a:ext cx="1426" cy="191684"/>
-          </a:xfrm>
-          <a:prstGeom prst="straightConnector1">
-            <a:avLst/>
-          </a:prstGeom>
-          <a:ln>
-            <a:tailEnd type="triangle"/>
-          </a:ln>
-        </p:spPr>
-        <p:style>
-          <a:lnRef idx="1">
-            <a:schemeClr val="accent1"/>
-          </a:lnRef>
-          <a:fillRef idx="0">
-            <a:schemeClr val="accent1"/>
-          </a:fillRef>
-          <a:effectRef idx="0">
-            <a:schemeClr val="accent1"/>
-          </a:effectRef>
-          <a:fontRef idx="minor">
-            <a:schemeClr val="tx1"/>
-          </a:fontRef>
-        </p:style>
-      </p:cxnSp>
-      <p:cxnSp>
-        <p:nvCxnSpPr>
-          <p:cNvPr id="173" name="Straight Arrow Connector 172">
-            <a:extLst>
-              <a:ext uri="{FF2B5EF4-FFF2-40B4-BE49-F238E27FC236}">
-                <a16:creationId xmlns:a16="http://schemas.microsoft.com/office/drawing/2014/main" id="{D07E5FF8-C4A4-CA98-C2D2-1374BD9C5BF4}"/>
-              </a:ext>
-            </a:extLst>
-          </p:cNvPr>
-          <p:cNvCxnSpPr>
-            <a:cxnSpLocks/>
-          </p:cNvCxnSpPr>
-          <p:nvPr/>
-        </p:nvCxnSpPr>
-        <p:spPr>
-          <a:xfrm>
-            <a:off x="7310581" y="2269065"/>
-            <a:ext cx="1426" cy="191684"/>
-          </a:xfrm>
-          <a:prstGeom prst="straightConnector1">
-            <a:avLst/>
-          </a:prstGeom>
-          <a:ln>
-            <a:tailEnd type="triangle"/>
-          </a:ln>
-        </p:spPr>
-        <p:style>
-          <a:lnRef idx="1">
-            <a:schemeClr val="accent1"/>
-          </a:lnRef>
-          <a:fillRef idx="0">
-            <a:schemeClr val="accent1"/>
-          </a:fillRef>
-          <a:effectRef idx="0">
-            <a:schemeClr val="accent1"/>
-          </a:effectRef>
-          <a:fontRef idx="minor">
-            <a:schemeClr val="tx1"/>
-          </a:fontRef>
-        </p:style>
-      </p:cxnSp>
-      <p:cxnSp>
-        <p:nvCxnSpPr>
-          <p:cNvPr id="174" name="Straight Arrow Connector 173">
-            <a:extLst>
-              <a:ext uri="{FF2B5EF4-FFF2-40B4-BE49-F238E27FC236}">
-                <a16:creationId xmlns:a16="http://schemas.microsoft.com/office/drawing/2014/main" id="{E4EF21D9-1A77-A204-E49F-F76336057C1B}"/>
-              </a:ext>
-            </a:extLst>
-          </p:cNvPr>
-          <p:cNvCxnSpPr>
-            <a:cxnSpLocks/>
-          </p:cNvCxnSpPr>
-          <p:nvPr/>
-        </p:nvCxnSpPr>
-        <p:spPr>
-          <a:xfrm>
-            <a:off x="7556465" y="2268247"/>
-            <a:ext cx="1426" cy="191684"/>
-          </a:xfrm>
-          <a:prstGeom prst="straightConnector1">
-            <a:avLst/>
-          </a:prstGeom>
-          <a:ln>
-            <a:tailEnd type="triangle"/>
-          </a:ln>
-        </p:spPr>
-        <p:style>
-          <a:lnRef idx="1">
-            <a:schemeClr val="accent1"/>
-          </a:lnRef>
-          <a:fillRef idx="0">
-            <a:schemeClr val="accent1"/>
-          </a:fillRef>
-          <a:effectRef idx="0">
-            <a:schemeClr val="accent1"/>
-          </a:effectRef>
-          <a:fontRef idx="minor">
-            <a:schemeClr val="tx1"/>
-          </a:fontRef>
-        </p:style>
-      </p:cxnSp>
-      <p:cxnSp>
-        <p:nvCxnSpPr>
-          <p:cNvPr id="175" name="Straight Arrow Connector 174">
-            <a:extLst>
-              <a:ext uri="{FF2B5EF4-FFF2-40B4-BE49-F238E27FC236}">
-                <a16:creationId xmlns:a16="http://schemas.microsoft.com/office/drawing/2014/main" id="{FEB39BD4-143F-2C3E-76B5-30F7DE677A68}"/>
-              </a:ext>
-            </a:extLst>
-          </p:cNvPr>
-          <p:cNvCxnSpPr>
-            <a:cxnSpLocks/>
-            <a:stCxn id="30" idx="1"/>
-            <a:endCxn id="6" idx="3"/>
-          </p:cNvCxnSpPr>
-          <p:nvPr/>
-        </p:nvCxnSpPr>
-        <p:spPr>
-          <a:xfrm rot="10800000" flipV="1">
-            <a:off x="5533863" y="4028601"/>
-            <a:ext cx="1254072" cy="841160"/>
-          </a:xfrm>
-          <a:prstGeom prst="bentConnector3">
-            <a:avLst>
-              <a:gd name="adj1" fmla="val 50000"/>
-            </a:avLst>
-          </a:prstGeom>
-          <a:ln w="38100">
-            <a:tailEnd type="triangle"/>
-          </a:ln>
-        </p:spPr>
-        <p:style>
-          <a:lnRef idx="1">
-            <a:schemeClr val="accent1"/>
-          </a:lnRef>
-          <a:fillRef idx="0">
-            <a:schemeClr val="accent1"/>
-          </a:fillRef>
-          <a:effectRef idx="0">
-            <a:schemeClr val="accent1"/>
-          </a:effectRef>
-          <a:fontRef idx="minor">
-            <a:schemeClr val="tx1"/>
-          </a:fontRef>
-        </p:style>
-      </p:cxnSp>
-      <p:cxnSp>
-        <p:nvCxnSpPr>
-          <p:cNvPr id="185" name="Straight Arrow Connector 184">
-            <a:extLst>
-              <a:ext uri="{FF2B5EF4-FFF2-40B4-BE49-F238E27FC236}">
-                <a16:creationId xmlns:a16="http://schemas.microsoft.com/office/drawing/2014/main" id="{0D838317-805F-20DB-3EDF-D5E55BEDC3FA}"/>
-              </a:ext>
-            </a:extLst>
-          </p:cNvPr>
-          <p:cNvCxnSpPr>
-            <a:cxnSpLocks/>
-            <a:endCxn id="139" idx="0"/>
-          </p:cNvCxnSpPr>
-          <p:nvPr/>
-        </p:nvCxnSpPr>
-        <p:spPr>
-          <a:xfrm>
-            <a:off x="4999577" y="5226804"/>
-            <a:ext cx="1426" cy="349373"/>
-          </a:xfrm>
-          <a:prstGeom prst="straightConnector1">
-            <a:avLst/>
-          </a:prstGeom>
-          <a:ln w="38100">
-            <a:tailEnd type="triangle"/>
-          </a:ln>
-        </p:spPr>
-        <p:style>
-          <a:lnRef idx="1">
-            <a:schemeClr val="accent1"/>
-          </a:lnRef>
-          <a:fillRef idx="0">
-            <a:schemeClr val="accent1"/>
-          </a:fillRef>
-          <a:effectRef idx="0">
-            <a:schemeClr val="accent1"/>
-          </a:effectRef>
-          <a:fontRef idx="minor">
-            <a:schemeClr val="tx1"/>
-          </a:fontRef>
-        </p:style>
-      </p:cxnSp>
-      <p:cxnSp>
-        <p:nvCxnSpPr>
-          <p:cNvPr id="191" name="Connector: Curved 190">
-            <a:extLst>
-              <a:ext uri="{FF2B5EF4-FFF2-40B4-BE49-F238E27FC236}">
-                <a16:creationId xmlns:a16="http://schemas.microsoft.com/office/drawing/2014/main" id="{6C5D11B2-8DB2-11C6-2DEB-75087969C749}"/>
-              </a:ext>
-            </a:extLst>
-          </p:cNvPr>
-          <p:cNvCxnSpPr>
-            <a:cxnSpLocks/>
-            <a:stCxn id="139" idx="3"/>
-            <a:endCxn id="95" idx="3"/>
-          </p:cNvCxnSpPr>
-          <p:nvPr/>
-        </p:nvCxnSpPr>
-        <p:spPr>
-          <a:xfrm flipH="1" flipV="1">
-            <a:off x="5363814" y="3901528"/>
-            <a:ext cx="186319" cy="1800937"/>
-          </a:xfrm>
-          <a:prstGeom prst="curvedConnector3">
-            <a:avLst>
-              <a:gd name="adj1" fmla="val -367574"/>
-            </a:avLst>
-          </a:prstGeom>
-          <a:ln w="28575">
-            <a:prstDash val="lgDash"/>
-            <a:tailEnd type="triangle"/>
-          </a:ln>
-        </p:spPr>
-        <p:style>
-          <a:lnRef idx="1">
-            <a:schemeClr val="accent1"/>
-          </a:lnRef>
-          <a:fillRef idx="0">
-            <a:schemeClr val="accent1"/>
-          </a:fillRef>
-          <a:effectRef idx="0">
-            <a:schemeClr val="accent1"/>
-          </a:effectRef>
-          <a:fontRef idx="minor">
-            <a:schemeClr val="tx1"/>
-          </a:fontRef>
-        </p:style>
-      </p:cxnSp>
-      <p:grpSp>
-        <p:nvGrpSpPr>
-          <p:cNvPr id="19" name="Group 18">
-            <a:extLst>
-              <a:ext uri="{FF2B5EF4-FFF2-40B4-BE49-F238E27FC236}">
-                <a16:creationId xmlns:a16="http://schemas.microsoft.com/office/drawing/2014/main" id="{1A2DFF17-DC45-80C6-92C0-D75A43BC114C}"/>
-              </a:ext>
-            </a:extLst>
-          </p:cNvPr>
-          <p:cNvGrpSpPr/>
-          <p:nvPr/>
-        </p:nvGrpSpPr>
-        <p:grpSpPr>
-          <a:xfrm>
-            <a:off x="6787935" y="3671557"/>
-            <a:ext cx="745140" cy="714087"/>
-            <a:chOff x="1176338" y="4049984"/>
-            <a:chExt cx="1144118" cy="723164"/>
-          </a:xfrm>
-        </p:grpSpPr>
-        <p:sp>
-          <p:nvSpPr>
-            <p:cNvPr id="30" name="Rectangle: Rounded Corners 29">
-              <a:extLst>
-                <a:ext uri="{FF2B5EF4-FFF2-40B4-BE49-F238E27FC236}">
-                  <a16:creationId xmlns:a16="http://schemas.microsoft.com/office/drawing/2014/main" id="{181E2A44-0780-E95B-51BE-A96D35641FE3}"/>
-                </a:ext>
-              </a:extLst>
-            </p:cNvPr>
-            <p:cNvSpPr/>
-            <p:nvPr/>
-          </p:nvSpPr>
-          <p:spPr>
-            <a:xfrm>
-              <a:off x="1176338" y="4049984"/>
-              <a:ext cx="1144118" cy="723164"/>
-            </a:xfrm>
-            <a:prstGeom prst="roundRect">
-              <a:avLst/>
-            </a:prstGeom>
-            <a:solidFill>
-              <a:schemeClr val="accent1">
-                <a:lumMod val="20000"/>
-                <a:lumOff val="80000"/>
-              </a:schemeClr>
-            </a:solidFill>
-          </p:spPr>
-          <p:style>
-            <a:lnRef idx="2">
-              <a:schemeClr val="accent1">
-                <a:shade val="15000"/>
-              </a:schemeClr>
-            </a:lnRef>
-            <a:fillRef idx="1">
-              <a:schemeClr val="accent1"/>
-            </a:fillRef>
-            <a:effectRef idx="0">
-              <a:schemeClr val="accent1"/>
-            </a:effectRef>
-            <a:fontRef idx="minor">
-              <a:schemeClr val="lt1"/>
-            </a:fontRef>
-          </p:style>
-          <p:txBody>
-            <a:bodyPr rtlCol="0" anchor="ctr"/>
-            <a:lstStyle/>
-            <a:p>
-              <a:pPr algn="ctr"/>
-              <a:endParaRPr lang="de-DE"/>
-            </a:p>
-          </p:txBody>
-        </p:sp>
-        <p:sp>
-          <p:nvSpPr>
-            <p:cNvPr id="31" name="Rectangle: Rounded Corners 30">
-              <a:extLst>
-                <a:ext uri="{FF2B5EF4-FFF2-40B4-BE49-F238E27FC236}">
-                  <a16:creationId xmlns:a16="http://schemas.microsoft.com/office/drawing/2014/main" id="{9E184510-B499-54F6-93FE-239B336632D1}"/>
-                </a:ext>
-              </a:extLst>
-            </p:cNvPr>
-            <p:cNvSpPr/>
-            <p:nvPr/>
-          </p:nvSpPr>
-          <p:spPr>
-            <a:xfrm>
-              <a:off x="1291511" y="4286764"/>
-              <a:ext cx="113818" cy="405804"/>
-            </a:xfrm>
-            <a:prstGeom prst="roundRect">
-              <a:avLst/>
-            </a:prstGeom>
-            <a:solidFill>
-              <a:srgbClr val="7030A0"/>
-            </a:solidFill>
-            <a:ln>
-              <a:noFill/>
-            </a:ln>
-          </p:spPr>
-          <p:style>
-            <a:lnRef idx="2">
-              <a:schemeClr val="accent1">
-                <a:shade val="15000"/>
-              </a:schemeClr>
-            </a:lnRef>
-            <a:fillRef idx="1">
-              <a:schemeClr val="accent1"/>
-            </a:fillRef>
-            <a:effectRef idx="0">
-              <a:schemeClr val="accent1"/>
-            </a:effectRef>
-            <a:fontRef idx="minor">
-              <a:schemeClr val="lt1"/>
-            </a:fontRef>
-          </p:style>
-          <p:txBody>
-            <a:bodyPr rtlCol="0" anchor="ctr"/>
-            <a:lstStyle/>
-            <a:p>
-              <a:pPr algn="ctr"/>
-              <a:endParaRPr lang="de-DE"/>
-            </a:p>
-          </p:txBody>
-        </p:sp>
-        <p:sp>
-          <p:nvSpPr>
-            <p:cNvPr id="32" name="Rectangle: Rounded Corners 31">
-              <a:extLst>
-                <a:ext uri="{FF2B5EF4-FFF2-40B4-BE49-F238E27FC236}">
-                  <a16:creationId xmlns:a16="http://schemas.microsoft.com/office/drawing/2014/main" id="{482F3926-538B-9C75-E127-E98526DF9FDB}"/>
-                </a:ext>
-              </a:extLst>
-            </p:cNvPr>
-            <p:cNvSpPr/>
-            <p:nvPr/>
-          </p:nvSpPr>
-          <p:spPr>
-            <a:xfrm>
-              <a:off x="1490219" y="4286763"/>
-              <a:ext cx="113817" cy="410875"/>
-            </a:xfrm>
-            <a:prstGeom prst="roundRect">
-              <a:avLst/>
-            </a:prstGeom>
-            <a:solidFill>
-              <a:srgbClr val="7030A0"/>
-            </a:solidFill>
-            <a:ln>
-              <a:noFill/>
-            </a:ln>
-          </p:spPr>
-          <p:style>
-            <a:lnRef idx="2">
-              <a:schemeClr val="accent1">
-                <a:shade val="15000"/>
-              </a:schemeClr>
-            </a:lnRef>
-            <a:fillRef idx="1">
-              <a:schemeClr val="accent1"/>
-            </a:fillRef>
-            <a:effectRef idx="0">
-              <a:schemeClr val="accent1"/>
-            </a:effectRef>
-            <a:fontRef idx="minor">
-              <a:schemeClr val="lt1"/>
-            </a:fontRef>
-          </p:style>
-          <p:txBody>
-            <a:bodyPr rtlCol="0" anchor="ctr"/>
-            <a:lstStyle/>
-            <a:p>
-              <a:pPr algn="ctr"/>
-              <a:endParaRPr lang="de-DE"/>
-            </a:p>
-          </p:txBody>
-        </p:sp>
-        <p:sp>
-          <p:nvSpPr>
-            <p:cNvPr id="33" name="Rectangle: Rounded Corners 32">
-              <a:extLst>
-                <a:ext uri="{FF2B5EF4-FFF2-40B4-BE49-F238E27FC236}">
-                  <a16:creationId xmlns:a16="http://schemas.microsoft.com/office/drawing/2014/main" id="{77B47B55-A060-CCF2-B22F-169DE05C158B}"/>
-                </a:ext>
-              </a:extLst>
-            </p:cNvPr>
-            <p:cNvSpPr/>
-            <p:nvPr/>
-          </p:nvSpPr>
-          <p:spPr>
-            <a:xfrm>
-              <a:off x="1698777" y="4286763"/>
-              <a:ext cx="111072" cy="410875"/>
-            </a:xfrm>
-            <a:prstGeom prst="roundRect">
-              <a:avLst/>
-            </a:prstGeom>
-            <a:solidFill>
-              <a:srgbClr val="7030A0"/>
-            </a:solidFill>
-            <a:ln>
-              <a:noFill/>
-            </a:ln>
-          </p:spPr>
-          <p:style>
-            <a:lnRef idx="2">
-              <a:schemeClr val="accent1">
-                <a:shade val="15000"/>
-              </a:schemeClr>
-            </a:lnRef>
-            <a:fillRef idx="1">
-              <a:schemeClr val="accent1"/>
-            </a:fillRef>
-            <a:effectRef idx="0">
-              <a:schemeClr val="accent1"/>
-            </a:effectRef>
-            <a:fontRef idx="minor">
-              <a:schemeClr val="lt1"/>
-            </a:fontRef>
-          </p:style>
-          <p:txBody>
-            <a:bodyPr rtlCol="0" anchor="ctr"/>
-            <a:lstStyle/>
-            <a:p>
-              <a:pPr algn="ctr"/>
-              <a:endParaRPr lang="de-DE"/>
-            </a:p>
-          </p:txBody>
-        </p:sp>
-        <p:sp>
-          <p:nvSpPr>
-            <p:cNvPr id="34" name="Rectangle: Rounded Corners 33">
-              <a:extLst>
-                <a:ext uri="{FF2B5EF4-FFF2-40B4-BE49-F238E27FC236}">
-                  <a16:creationId xmlns:a16="http://schemas.microsoft.com/office/drawing/2014/main" id="{C0443AC9-36DE-9FC9-F3EC-FD38609BC6EF}"/>
-                </a:ext>
-              </a:extLst>
-            </p:cNvPr>
-            <p:cNvSpPr/>
-            <p:nvPr/>
-          </p:nvSpPr>
-          <p:spPr>
-            <a:xfrm>
-              <a:off x="1908139" y="4281693"/>
-              <a:ext cx="110307" cy="410875"/>
-            </a:xfrm>
-            <a:prstGeom prst="roundRect">
-              <a:avLst/>
-            </a:prstGeom>
-            <a:solidFill>
-              <a:srgbClr val="7030A0"/>
-            </a:solidFill>
-            <a:ln>
-              <a:noFill/>
-            </a:ln>
-          </p:spPr>
-          <p:style>
-            <a:lnRef idx="2">
-              <a:schemeClr val="accent1">
-                <a:shade val="15000"/>
-              </a:schemeClr>
-            </a:lnRef>
-            <a:fillRef idx="1">
-              <a:schemeClr val="accent1"/>
-            </a:fillRef>
-            <a:effectRef idx="0">
-              <a:schemeClr val="accent1"/>
-            </a:effectRef>
-            <a:fontRef idx="minor">
-              <a:schemeClr val="lt1"/>
-            </a:fontRef>
-          </p:style>
-          <p:txBody>
-            <a:bodyPr rtlCol="0" anchor="ctr"/>
-            <a:lstStyle/>
-            <a:p>
-              <a:pPr algn="ctr"/>
-              <a:endParaRPr lang="de-DE"/>
-            </a:p>
-          </p:txBody>
-        </p:sp>
-        <p:sp>
-          <p:nvSpPr>
-            <p:cNvPr id="40" name="Rectangle: Rounded Corners 39">
-              <a:extLst>
-                <a:ext uri="{FF2B5EF4-FFF2-40B4-BE49-F238E27FC236}">
-                  <a16:creationId xmlns:a16="http://schemas.microsoft.com/office/drawing/2014/main" id="{77EE074C-EEA4-47D1-6A96-DB6766A99B87}"/>
-                </a:ext>
-              </a:extLst>
-            </p:cNvPr>
-            <p:cNvSpPr/>
-            <p:nvPr/>
-          </p:nvSpPr>
-          <p:spPr>
-            <a:xfrm>
-              <a:off x="2119752" y="4281693"/>
-              <a:ext cx="110307" cy="410875"/>
-            </a:xfrm>
-            <a:prstGeom prst="roundRect">
-              <a:avLst/>
-            </a:prstGeom>
-            <a:solidFill>
-              <a:srgbClr val="7030A0"/>
-            </a:solidFill>
-            <a:ln>
-              <a:noFill/>
-            </a:ln>
-          </p:spPr>
-          <p:style>
-            <a:lnRef idx="2">
-              <a:schemeClr val="accent1">
-                <a:shade val="15000"/>
-              </a:schemeClr>
-            </a:lnRef>
-            <a:fillRef idx="1">
-              <a:schemeClr val="accent1"/>
-            </a:fillRef>
-            <a:effectRef idx="0">
-              <a:schemeClr val="accent1"/>
-            </a:effectRef>
-            <a:fontRef idx="minor">
-              <a:schemeClr val="lt1"/>
-            </a:fontRef>
-          </p:style>
-          <p:txBody>
-            <a:bodyPr rtlCol="0" anchor="ctr"/>
-            <a:lstStyle/>
-            <a:p>
-              <a:pPr algn="ctr"/>
-              <a:endParaRPr lang="de-DE"/>
-            </a:p>
-          </p:txBody>
-        </p:sp>
-        <p:sp>
-          <p:nvSpPr>
-            <p:cNvPr id="41" name="Rectangle: Rounded Corners 40">
-              <a:extLst>
-                <a:ext uri="{FF2B5EF4-FFF2-40B4-BE49-F238E27FC236}">
-                  <a16:creationId xmlns:a16="http://schemas.microsoft.com/office/drawing/2014/main" id="{E0B5DB4F-5F71-944C-E2A0-D8D0C8A09744}"/>
-                </a:ext>
-              </a:extLst>
-            </p:cNvPr>
-            <p:cNvSpPr/>
-            <p:nvPr/>
-          </p:nvSpPr>
-          <p:spPr>
-            <a:xfrm>
-              <a:off x="2120324" y="4138649"/>
-              <a:ext cx="109735" cy="143045"/>
-            </a:xfrm>
-            <a:prstGeom prst="roundRect">
-              <a:avLst>
-                <a:gd name="adj" fmla="val 13802"/>
-              </a:avLst>
-            </a:prstGeom>
-            <a:solidFill>
-              <a:srgbClr val="002060"/>
-            </a:solidFill>
-            <a:ln>
-              <a:noFill/>
-            </a:ln>
-          </p:spPr>
-          <p:style>
-            <a:lnRef idx="2">
-              <a:schemeClr val="accent4">
-                <a:shade val="15000"/>
-              </a:schemeClr>
-            </a:lnRef>
-            <a:fillRef idx="1">
-              <a:schemeClr val="accent4"/>
-            </a:fillRef>
-            <a:effectRef idx="0">
-              <a:schemeClr val="accent4"/>
-            </a:effectRef>
-            <a:fontRef idx="minor">
-              <a:schemeClr val="lt1"/>
-            </a:fontRef>
-          </p:style>
-          <p:txBody>
-            <a:bodyPr rtlCol="0" anchor="ctr"/>
-            <a:lstStyle/>
-            <a:p>
-              <a:pPr algn="ctr"/>
-              <a:endParaRPr lang="de-DE"/>
-            </a:p>
-          </p:txBody>
-        </p:sp>
-        <p:sp>
-          <p:nvSpPr>
-            <p:cNvPr id="42" name="Rectangle: Rounded Corners 41">
-              <a:extLst>
-                <a:ext uri="{FF2B5EF4-FFF2-40B4-BE49-F238E27FC236}">
-                  <a16:creationId xmlns:a16="http://schemas.microsoft.com/office/drawing/2014/main" id="{DAA25870-C362-953E-369B-197C47CEEF5D}"/>
-                </a:ext>
-              </a:extLst>
-            </p:cNvPr>
-            <p:cNvSpPr/>
-            <p:nvPr/>
-          </p:nvSpPr>
-          <p:spPr>
-            <a:xfrm>
-              <a:off x="1911597" y="4138649"/>
-              <a:ext cx="106850" cy="143045"/>
-            </a:xfrm>
-            <a:prstGeom prst="roundRect">
-              <a:avLst>
-                <a:gd name="adj" fmla="val 13802"/>
-              </a:avLst>
-            </a:prstGeom>
-            <a:solidFill>
-              <a:srgbClr val="002060"/>
-            </a:solidFill>
-            <a:ln>
-              <a:noFill/>
-            </a:ln>
-          </p:spPr>
-          <p:style>
-            <a:lnRef idx="2">
-              <a:schemeClr val="accent4">
-                <a:shade val="15000"/>
-              </a:schemeClr>
-            </a:lnRef>
-            <a:fillRef idx="1">
-              <a:schemeClr val="accent4"/>
-            </a:fillRef>
-            <a:effectRef idx="0">
-              <a:schemeClr val="accent4"/>
-            </a:effectRef>
-            <a:fontRef idx="minor">
-              <a:schemeClr val="lt1"/>
-            </a:fontRef>
-          </p:style>
-          <p:txBody>
-            <a:bodyPr rtlCol="0" anchor="ctr"/>
-            <a:lstStyle/>
-            <a:p>
-              <a:pPr algn="ctr"/>
-              <a:endParaRPr lang="de-DE" dirty="0"/>
-            </a:p>
-          </p:txBody>
-        </p:sp>
-        <p:sp>
-          <p:nvSpPr>
-            <p:cNvPr id="43" name="Rectangle: Rounded Corners 42">
-              <a:extLst>
-                <a:ext uri="{FF2B5EF4-FFF2-40B4-BE49-F238E27FC236}">
-                  <a16:creationId xmlns:a16="http://schemas.microsoft.com/office/drawing/2014/main" id="{6C11A12D-75F0-D367-94B8-0509035B7D85}"/>
-                </a:ext>
-              </a:extLst>
-            </p:cNvPr>
-            <p:cNvSpPr/>
-            <p:nvPr/>
-          </p:nvSpPr>
-          <p:spPr>
-            <a:xfrm>
-              <a:off x="1699543" y="4143719"/>
-              <a:ext cx="110306" cy="143045"/>
-            </a:xfrm>
-            <a:prstGeom prst="roundRect">
-              <a:avLst>
-                <a:gd name="adj" fmla="val 13802"/>
-              </a:avLst>
-            </a:prstGeom>
-            <a:solidFill>
-              <a:srgbClr val="002060"/>
-            </a:solidFill>
-            <a:ln>
-              <a:noFill/>
-            </a:ln>
-          </p:spPr>
-          <p:style>
-            <a:lnRef idx="2">
-              <a:schemeClr val="accent4">
-                <a:shade val="15000"/>
-              </a:schemeClr>
-            </a:lnRef>
-            <a:fillRef idx="1">
-              <a:schemeClr val="accent4"/>
-            </a:fillRef>
-            <a:effectRef idx="0">
-              <a:schemeClr val="accent4"/>
-            </a:effectRef>
-            <a:fontRef idx="minor">
-              <a:schemeClr val="lt1"/>
-            </a:fontRef>
-          </p:style>
-          <p:txBody>
-            <a:bodyPr rtlCol="0" anchor="ctr"/>
-            <a:lstStyle/>
-            <a:p>
-              <a:pPr algn="ctr"/>
-              <a:endParaRPr lang="de-DE"/>
-            </a:p>
-          </p:txBody>
-        </p:sp>
-        <p:sp>
-          <p:nvSpPr>
-            <p:cNvPr id="44" name="Rectangle: Rounded Corners 43">
-              <a:extLst>
-                <a:ext uri="{FF2B5EF4-FFF2-40B4-BE49-F238E27FC236}">
-                  <a16:creationId xmlns:a16="http://schemas.microsoft.com/office/drawing/2014/main" id="{7FF0B6F0-1C76-75BE-CB64-E1BC78EBDC5A}"/>
-                </a:ext>
-              </a:extLst>
-            </p:cNvPr>
-            <p:cNvSpPr/>
-            <p:nvPr/>
-          </p:nvSpPr>
-          <p:spPr>
-            <a:xfrm>
-              <a:off x="1490463" y="4143719"/>
-              <a:ext cx="113573" cy="143045"/>
-            </a:xfrm>
-            <a:prstGeom prst="roundRect">
-              <a:avLst>
-                <a:gd name="adj" fmla="val 13802"/>
-              </a:avLst>
-            </a:prstGeom>
-            <a:solidFill>
-              <a:srgbClr val="002060"/>
-            </a:solidFill>
-            <a:ln>
-              <a:noFill/>
-            </a:ln>
-          </p:spPr>
-          <p:style>
-            <a:lnRef idx="2">
-              <a:schemeClr val="accent4">
-                <a:shade val="15000"/>
-              </a:schemeClr>
-            </a:lnRef>
-            <a:fillRef idx="1">
-              <a:schemeClr val="accent4"/>
-            </a:fillRef>
-            <a:effectRef idx="0">
-              <a:schemeClr val="accent4"/>
-            </a:effectRef>
-            <a:fontRef idx="minor">
-              <a:schemeClr val="lt1"/>
-            </a:fontRef>
-          </p:style>
-          <p:txBody>
-            <a:bodyPr rtlCol="0" anchor="ctr"/>
-            <a:lstStyle/>
-            <a:p>
-              <a:pPr algn="ctr"/>
-              <a:endParaRPr lang="de-DE"/>
-            </a:p>
-          </p:txBody>
-        </p:sp>
-        <p:sp>
-          <p:nvSpPr>
-            <p:cNvPr id="45" name="Rectangle: Rounded Corners 44">
-              <a:extLst>
-                <a:ext uri="{FF2B5EF4-FFF2-40B4-BE49-F238E27FC236}">
-                  <a16:creationId xmlns:a16="http://schemas.microsoft.com/office/drawing/2014/main" id="{220E5658-EFFA-6012-8E63-3F515E5AA773}"/>
-                </a:ext>
-              </a:extLst>
-            </p:cNvPr>
-            <p:cNvSpPr/>
-            <p:nvPr/>
-          </p:nvSpPr>
-          <p:spPr>
-            <a:xfrm>
-              <a:off x="1291511" y="4143718"/>
-              <a:ext cx="113817" cy="143045"/>
-            </a:xfrm>
-            <a:prstGeom prst="roundRect">
-              <a:avLst>
-                <a:gd name="adj" fmla="val 13802"/>
-              </a:avLst>
-            </a:prstGeom>
-            <a:solidFill>
-              <a:srgbClr val="002060"/>
-            </a:solidFill>
-            <a:ln>
-              <a:noFill/>
-            </a:ln>
-          </p:spPr>
-          <p:style>
-            <a:lnRef idx="2">
-              <a:schemeClr val="accent4">
-                <a:shade val="15000"/>
-              </a:schemeClr>
-            </a:lnRef>
-            <a:fillRef idx="1">
-              <a:schemeClr val="accent4"/>
-            </a:fillRef>
-            <a:effectRef idx="0">
-              <a:schemeClr val="accent4"/>
-            </a:effectRef>
-            <a:fontRef idx="minor">
-              <a:schemeClr val="lt1"/>
-            </a:fontRef>
-          </p:style>
-          <p:txBody>
-            <a:bodyPr rtlCol="0" anchor="ctr"/>
-            <a:lstStyle/>
-            <a:p>
-              <a:pPr algn="ctr"/>
-              <a:endParaRPr lang="de-DE" dirty="0"/>
-            </a:p>
-          </p:txBody>
-        </p:sp>
-      </p:grpSp>
     </p:spTree>
     <p:extLst>
       <p:ext uri="{BB962C8B-B14F-4D97-AF65-F5344CB8AC3E}">
-        <p14:creationId xmlns:p14="http://schemas.microsoft.com/office/powerpoint/2010/main" val="4142083666"/>
+        <p14:creationId xmlns:p14="http://schemas.microsoft.com/office/powerpoint/2010/main" val="2042412790"/>
       </p:ext>
     </p:extLst>
   </p:cSld>
@@ -8666,6 +3547,234 @@
 </file>
 
 <file path=ppt/slides/slide3.xml><?xml version="1.0" encoding="utf-8"?>
+<p:sld xmlns:a="http://schemas.openxmlformats.org/drawingml/2006/main" xmlns:r="http://schemas.openxmlformats.org/officeDocument/2006/relationships" xmlns:p="http://schemas.openxmlformats.org/presentationml/2006/main">
+  <p:cSld>
+    <p:spTree>
+      <p:nvGrpSpPr>
+        <p:cNvPr id="1" name=""/>
+        <p:cNvGrpSpPr/>
+        <p:nvPr/>
+      </p:nvGrpSpPr>
+      <p:grpSpPr>
+        <a:xfrm>
+          <a:off x="0" y="0"/>
+          <a:ext cx="0" cy="0"/>
+          <a:chOff x="0" y="0"/>
+          <a:chExt cx="0" cy="0"/>
+        </a:xfrm>
+      </p:grpSpPr>
+      <p:sp>
+        <p:nvSpPr>
+          <p:cNvPr id="2" name="Title 1">
+            <a:extLst>
+              <a:ext uri="{FF2B5EF4-FFF2-40B4-BE49-F238E27FC236}">
+                <a16:creationId xmlns:a16="http://schemas.microsoft.com/office/drawing/2014/main" id="{A8192CF1-76D1-5C81-20F2-C25A57BF24E3}"/>
+              </a:ext>
+            </a:extLst>
+          </p:cNvPr>
+          <p:cNvSpPr>
+            <a:spLocks noGrp="1"/>
+          </p:cNvSpPr>
+          <p:nvPr>
+            <p:ph type="title"/>
+          </p:nvPr>
+        </p:nvSpPr>
+        <p:spPr/>
+        <p:txBody>
+          <a:bodyPr/>
+          <a:lstStyle/>
+          <a:p>
+            <a:r>
+              <a:rPr lang="en-US" dirty="0"/>
+              <a:t>Local Changes </a:t>
+            </a:r>
+            <a:endParaRPr lang="de-DE" dirty="0"/>
+          </a:p>
+        </p:txBody>
+      </p:sp>
+      <p:sp>
+        <p:nvSpPr>
+          <p:cNvPr id="3" name="Content Placeholder 2">
+            <a:extLst>
+              <a:ext uri="{FF2B5EF4-FFF2-40B4-BE49-F238E27FC236}">
+                <a16:creationId xmlns:a16="http://schemas.microsoft.com/office/drawing/2014/main" id="{4F2CF269-43B6-84E7-0177-5A85278DD294}"/>
+              </a:ext>
+            </a:extLst>
+          </p:cNvPr>
+          <p:cNvSpPr>
+            <a:spLocks noGrp="1"/>
+          </p:cNvSpPr>
+          <p:nvPr>
+            <p:ph idx="1"/>
+          </p:nvPr>
+        </p:nvSpPr>
+        <p:spPr/>
+        <p:txBody>
+          <a:bodyPr/>
+          <a:lstStyle/>
+          <a:p>
+            <a:pPr lvl="1"/>
+            <a:endParaRPr lang="en-US" dirty="0"/>
+          </a:p>
+          <a:p>
+            <a:pPr lvl="1"/>
+            <a:endParaRPr lang="en-US" dirty="0"/>
+          </a:p>
+          <a:p>
+            <a:endParaRPr lang="en-US" dirty="0"/>
+          </a:p>
+          <a:p>
+            <a:endParaRPr lang="en-US" dirty="0"/>
+          </a:p>
+          <a:p>
+            <a:endParaRPr lang="en-US" dirty="0"/>
+          </a:p>
+          <a:p>
+            <a:endParaRPr lang="de-DE" dirty="0"/>
+          </a:p>
+        </p:txBody>
+      </p:sp>
+    </p:spTree>
+    <p:extLst>
+      <p:ext uri="{BB962C8B-B14F-4D97-AF65-F5344CB8AC3E}">
+        <p14:creationId xmlns:p14="http://schemas.microsoft.com/office/powerpoint/2010/main" val="260772120"/>
+      </p:ext>
+    </p:extLst>
+  </p:cSld>
+  <p:clrMapOvr>
+    <a:masterClrMapping/>
+  </p:clrMapOvr>
+</p:sld>
+</file>
+
+<file path=ppt/slides/slide4.xml><?xml version="1.0" encoding="utf-8"?>
+<p:sld xmlns:a="http://schemas.openxmlformats.org/drawingml/2006/main" xmlns:r="http://schemas.openxmlformats.org/officeDocument/2006/relationships" xmlns:p="http://schemas.openxmlformats.org/presentationml/2006/main">
+  <p:cSld>
+    <p:spTree>
+      <p:nvGrpSpPr>
+        <p:cNvPr id="1" name=""/>
+        <p:cNvGrpSpPr/>
+        <p:nvPr/>
+      </p:nvGrpSpPr>
+      <p:grpSpPr>
+        <a:xfrm>
+          <a:off x="0" y="0"/>
+          <a:ext cx="0" cy="0"/>
+          <a:chOff x="0" y="0"/>
+          <a:chExt cx="0" cy="0"/>
+        </a:xfrm>
+      </p:grpSpPr>
+      <p:sp>
+        <p:nvSpPr>
+          <p:cNvPr id="2" name="Title 1">
+            <a:extLst>
+              <a:ext uri="{FF2B5EF4-FFF2-40B4-BE49-F238E27FC236}">
+                <a16:creationId xmlns:a16="http://schemas.microsoft.com/office/drawing/2014/main" id="{A8192CF1-76D1-5C81-20F2-C25A57BF24E3}"/>
+              </a:ext>
+            </a:extLst>
+          </p:cNvPr>
+          <p:cNvSpPr>
+            <a:spLocks noGrp="1"/>
+          </p:cNvSpPr>
+          <p:nvPr>
+            <p:ph type="title"/>
+          </p:nvPr>
+        </p:nvSpPr>
+        <p:spPr/>
+        <p:txBody>
+          <a:bodyPr/>
+          <a:lstStyle/>
+          <a:p>
+            <a:r>
+              <a:rPr lang="en-US" dirty="0"/>
+              <a:t>Local Changes </a:t>
+            </a:r>
+            <a:endParaRPr lang="de-DE" dirty="0"/>
+          </a:p>
+        </p:txBody>
+      </p:sp>
+      <p:sp>
+        <p:nvSpPr>
+          <p:cNvPr id="3" name="Content Placeholder 2">
+            <a:extLst>
+              <a:ext uri="{FF2B5EF4-FFF2-40B4-BE49-F238E27FC236}">
+                <a16:creationId xmlns:a16="http://schemas.microsoft.com/office/drawing/2014/main" id="{4F2CF269-43B6-84E7-0177-5A85278DD294}"/>
+              </a:ext>
+            </a:extLst>
+          </p:cNvPr>
+          <p:cNvSpPr>
+            <a:spLocks noGrp="1"/>
+          </p:cNvSpPr>
+          <p:nvPr>
+            <p:ph idx="1"/>
+          </p:nvPr>
+        </p:nvSpPr>
+        <p:spPr/>
+        <p:txBody>
+          <a:bodyPr/>
+          <a:lstStyle/>
+          <a:p>
+            <a:r>
+              <a:rPr lang="en-US" dirty="0"/>
+              <a:t>In temporal direction</a:t>
+            </a:r>
+          </a:p>
+          <a:p>
+            <a:r>
+              <a:rPr lang="en-US" dirty="0"/>
+              <a:t>Refers to the change in,</a:t>
+            </a:r>
+          </a:p>
+          <a:p>
+            <a:pPr lvl="1"/>
+            <a:r>
+              <a:rPr lang="en-US" dirty="0"/>
+              <a:t>local scale, shift, rotation etc.</a:t>
+            </a:r>
+          </a:p>
+          <a:p>
+            <a:pPr lvl="1"/>
+            <a:r>
+              <a:rPr lang="en-US" dirty="0"/>
+              <a:t>local Illumination, brightness, contrast etc.</a:t>
+            </a:r>
+          </a:p>
+          <a:p>
+            <a:pPr lvl="1"/>
+            <a:endParaRPr lang="en-US" dirty="0"/>
+          </a:p>
+          <a:p>
+            <a:pPr lvl="1"/>
+            <a:endParaRPr lang="en-US" dirty="0"/>
+          </a:p>
+          <a:p>
+            <a:endParaRPr lang="en-US" dirty="0"/>
+          </a:p>
+          <a:p>
+            <a:endParaRPr lang="en-US" dirty="0"/>
+          </a:p>
+          <a:p>
+            <a:endParaRPr lang="en-US" dirty="0"/>
+          </a:p>
+          <a:p>
+            <a:endParaRPr lang="de-DE" dirty="0"/>
+          </a:p>
+        </p:txBody>
+      </p:sp>
+    </p:spTree>
+    <p:extLst>
+      <p:ext uri="{BB962C8B-B14F-4D97-AF65-F5344CB8AC3E}">
+        <p14:creationId xmlns:p14="http://schemas.microsoft.com/office/powerpoint/2010/main" val="1188118608"/>
+      </p:ext>
+    </p:extLst>
+  </p:cSld>
+  <p:clrMapOvr>
+    <a:masterClrMapping/>
+  </p:clrMapOvr>
+</p:sld>
+</file>
+
+<file path=ppt/slides/slide5.xml><?xml version="1.0" encoding="utf-8"?>
 <p:sld xmlns:a="http://schemas.openxmlformats.org/drawingml/2006/main" xmlns:r="http://schemas.openxmlformats.org/officeDocument/2006/relationships" xmlns:p="http://schemas.openxmlformats.org/presentationml/2006/main">
   <p:cSld>
     <p:spTree>
@@ -8730,18 +3839,18 @@
           <a:p>
             <a:pPr algn="ctr"/>
             <a:r>
-              <a:rPr lang="en-US" sz="900" dirty="0"/>
+              <a:rPr lang="en-US" sz="1200" dirty="0"/>
               <a:t>Feature Encoder (Spatial Attention) (</a:t>
             </a:r>
             <a:r>
-              <a:rPr lang="en-US" sz="900" dirty="0" err="1"/>
+              <a:rPr lang="en-US" sz="1200" dirty="0" err="1"/>
               <a:t>ViT</a:t>
             </a:r>
             <a:r>
-              <a:rPr lang="en-US" sz="900" dirty="0"/>
+              <a:rPr lang="en-US" sz="1200" dirty="0"/>
               <a:t>)</a:t>
             </a:r>
-            <a:endParaRPr lang="de-DE" sz="900" dirty="0"/>
+            <a:endParaRPr lang="de-DE" sz="1200" dirty="0"/>
           </a:p>
         </p:txBody>
       </p:sp>
@@ -8798,10 +3907,10 @@
           <a:p>
             <a:pPr algn="ctr"/>
             <a:r>
-              <a:rPr lang="en-US" sz="900" dirty="0"/>
+              <a:rPr lang="en-US" sz="1100" dirty="0"/>
               <a:t>Transformer Decoder (Custom)</a:t>
             </a:r>
-            <a:endParaRPr lang="de-DE" sz="900" dirty="0"/>
+            <a:endParaRPr lang="de-DE" sz="1100" dirty="0"/>
           </a:p>
         </p:txBody>
       </p:sp>
@@ -8955,10 +4064,10 @@
           <a:p>
             <a:pPr algn="ctr"/>
             <a:r>
-              <a:rPr lang="en-US" sz="1100" dirty="0"/>
+              <a:rPr lang="en-US" sz="1200" dirty="0"/>
               <a:t>Encoder (Temporal Attention)</a:t>
             </a:r>
-            <a:endParaRPr lang="de-DE" sz="1100" dirty="0"/>
+            <a:endParaRPr lang="de-DE" sz="1200" dirty="0"/>
           </a:p>
         </p:txBody>
       </p:sp>
@@ -9582,13 +4691,21 @@
         </p:nvSpPr>
         <p:spPr>
           <a:xfrm>
-            <a:off x="6331225" y="1841974"/>
-            <a:ext cx="971872" cy="215444"/>
+            <a:off x="6327593" y="1734252"/>
+            <a:ext cx="751935" cy="430887"/>
           </a:xfrm>
           <a:prstGeom prst="rect">
             <a:avLst/>
           </a:prstGeom>
           <a:noFill/>
+          <a:ln>
+            <a:solidFill>
+              <a:schemeClr val="bg2">
+                <a:lumMod val="10000"/>
+              </a:schemeClr>
+            </a:solidFill>
+            <a:prstDash val="sysDash"/>
+          </a:ln>
         </p:spPr>
         <p:txBody>
           <a:bodyPr wrap="square" rtlCol="0">
@@ -9597,10 +4714,10 @@
           <a:lstStyle/>
           <a:p>
             <a:r>
-              <a:rPr lang="en-US" sz="800" dirty="0"/>
+              <a:rPr lang="en-US" sz="1100" dirty="0"/>
               <a:t>Root joint features</a:t>
             </a:r>
-            <a:endParaRPr lang="de-DE" sz="800" dirty="0"/>
+            <a:endParaRPr lang="de-DE" sz="1100" dirty="0"/>
           </a:p>
         </p:txBody>
       </p:sp>
@@ -9618,13 +4735,21 @@
         </p:nvSpPr>
         <p:spPr>
           <a:xfrm>
-            <a:off x="3797994" y="2061308"/>
-            <a:ext cx="1062314" cy="215444"/>
+            <a:off x="3963210" y="1970191"/>
+            <a:ext cx="792943" cy="400110"/>
           </a:xfrm>
           <a:prstGeom prst="rect">
             <a:avLst/>
           </a:prstGeom>
           <a:noFill/>
+          <a:ln>
+            <a:solidFill>
+              <a:schemeClr val="bg2">
+                <a:lumMod val="10000"/>
+              </a:schemeClr>
+            </a:solidFill>
+            <a:prstDash val="sysDash"/>
+          </a:ln>
         </p:spPr>
         <p:txBody>
           <a:bodyPr wrap="square" rtlCol="0">
@@ -9633,10 +4758,10 @@
           <a:lstStyle/>
           <a:p>
             <a:r>
-              <a:rPr lang="en-US" sz="800" dirty="0"/>
+              <a:rPr lang="en-US" sz="1000" dirty="0"/>
               <a:t>Local image features</a:t>
             </a:r>
-            <a:endParaRPr lang="de-DE" sz="800" dirty="0"/>
+            <a:endParaRPr lang="de-DE" sz="1000" dirty="0"/>
           </a:p>
         </p:txBody>
       </p:sp>
@@ -9654,7 +4779,7 @@
         </p:nvSpPr>
         <p:spPr>
           <a:xfrm>
-            <a:off x="3899645" y="4589148"/>
+            <a:off x="3890874" y="4497714"/>
             <a:ext cx="1098259" cy="252575"/>
           </a:xfrm>
           <a:prstGeom prst="rect">
@@ -9707,14 +4832,15 @@
           </p:cNvPr>
           <p:cNvCxnSpPr>
             <a:cxnSpLocks/>
+            <a:stCxn id="6" idx="2"/>
             <a:endCxn id="139" idx="0"/>
           </p:cNvCxnSpPr>
           <p:nvPr/>
         </p:nvCxnSpPr>
         <p:spPr>
           <a:xfrm>
-            <a:off x="4447349" y="4239775"/>
-            <a:ext cx="1426" cy="349373"/>
+            <a:off x="4439015" y="4221440"/>
+            <a:ext cx="989" cy="276274"/>
           </a:xfrm>
           <a:prstGeom prst="straightConnector1">
             <a:avLst/>
@@ -10847,8 +5973,8 @@
         </p:nvSpPr>
         <p:spPr>
           <a:xfrm>
-            <a:off x="4727616" y="1040473"/>
-            <a:ext cx="1914198" cy="623534"/>
+            <a:off x="4718104" y="1040752"/>
+            <a:ext cx="1914198" cy="630105"/>
           </a:xfrm>
           <a:prstGeom prst="roundRect">
             <a:avLst>
@@ -10881,10 +6007,10 @@
           <a:p>
             <a:pPr algn="ctr"/>
             <a:r>
-              <a:rPr lang="en-US" sz="900" dirty="0"/>
+              <a:rPr lang="en-US" sz="1200" dirty="0"/>
               <a:t>Pose Encoder (GCN or Transformer-based)</a:t>
             </a:r>
-            <a:endParaRPr lang="de-DE" sz="900" dirty="0"/>
+            <a:endParaRPr lang="de-DE" sz="1200" dirty="0"/>
           </a:p>
         </p:txBody>
       </p:sp>
@@ -10939,10 +6065,10 @@
           <a:p>
             <a:pPr algn="ctr"/>
             <a:r>
-              <a:rPr lang="en-US" sz="1100" dirty="0"/>
+              <a:rPr lang="en-US" sz="1200" dirty="0"/>
               <a:t>Encoder (Temporal Attention)</a:t>
             </a:r>
-            <a:endParaRPr lang="de-DE" sz="1100" dirty="0"/>
+            <a:endParaRPr lang="de-DE" sz="1200" dirty="0"/>
           </a:p>
         </p:txBody>
       </p:sp>
@@ -12054,7 +7180,7 @@
         </p:nvGrpSpPr>
         <p:grpSpPr>
           <a:xfrm>
-            <a:off x="4087887" y="5136707"/>
+            <a:off x="4079553" y="4987197"/>
             <a:ext cx="718924" cy="664390"/>
             <a:chOff x="6659247" y="145507"/>
             <a:chExt cx="897219" cy="829161"/>
@@ -13921,7 +9047,7 @@
         </p:nvCxnSpPr>
         <p:spPr>
           <a:xfrm>
-            <a:off x="4448775" y="4841723"/>
+            <a:off x="4440004" y="4750289"/>
             <a:ext cx="0" cy="227018"/>
           </a:xfrm>
           <a:prstGeom prst="straightConnector1">
@@ -13958,17 +9084,19 @@
           <p:cNvCxnSpPr>
             <a:cxnSpLocks/>
             <a:stCxn id="127" idx="1"/>
-            <a:endCxn id="160" idx="0"/>
+            <a:endCxn id="160" idx="2"/>
           </p:cNvCxnSpPr>
           <p:nvPr/>
         </p:nvCxnSpPr>
         <p:spPr>
-          <a:xfrm flipH="1">
-            <a:off x="3513240" y="2169030"/>
-            <a:ext cx="284754" cy="0"/>
+          <a:xfrm rot="10800000">
+            <a:off x="3615900" y="2169030"/>
+            <a:ext cx="347310" cy="1216"/>
           </a:xfrm>
-          <a:prstGeom prst="straightConnector1">
-            <a:avLst/>
+          <a:prstGeom prst="bentConnector3">
+            <a:avLst>
+              <a:gd name="adj1" fmla="val 50000"/>
+            </a:avLst>
           </a:prstGeom>
           <a:ln>
             <a:prstDash val="dash"/>
@@ -14010,10 +9138,12 @@
         <p:spPr>
           <a:xfrm flipV="1">
             <a:off x="6147011" y="1949696"/>
-            <a:ext cx="184214" cy="3"/>
+            <a:ext cx="180582" cy="3"/>
           </a:xfrm>
-          <a:prstGeom prst="straightConnector1">
-            <a:avLst/>
+          <a:prstGeom prst="bentConnector3">
+            <a:avLst>
+              <a:gd name="adj1" fmla="val 50000"/>
+            </a:avLst>
           </a:prstGeom>
           <a:ln>
             <a:prstDash val="dash"/>
@@ -14050,13 +9180,21 @@
         </p:nvSpPr>
         <p:spPr>
           <a:xfrm>
-            <a:off x="3788402" y="1841975"/>
-            <a:ext cx="1112024" cy="215444"/>
+            <a:off x="2087717" y="4423946"/>
+            <a:ext cx="880917" cy="400110"/>
           </a:xfrm>
           <a:prstGeom prst="rect">
             <a:avLst/>
           </a:prstGeom>
           <a:noFill/>
+          <a:ln>
+            <a:solidFill>
+              <a:schemeClr val="bg2">
+                <a:lumMod val="10000"/>
+              </a:schemeClr>
+            </a:solidFill>
+            <a:prstDash val="sysDash"/>
+          </a:ln>
         </p:spPr>
         <p:txBody>
           <a:bodyPr wrap="square" rtlCol="0">
@@ -14065,10 +9203,10 @@
           <a:lstStyle/>
           <a:p>
             <a:r>
-              <a:rPr lang="en-US" sz="800" dirty="0"/>
+              <a:rPr lang="en-US" sz="1000" dirty="0"/>
               <a:t>Global image features</a:t>
             </a:r>
-            <a:endParaRPr lang="de-DE" sz="800" dirty="0"/>
+            <a:endParaRPr lang="de-DE" sz="1000" dirty="0"/>
           </a:p>
         </p:txBody>
       </p:sp>
@@ -14083,17 +9221,17 @@
           </p:cNvPr>
           <p:cNvCxnSpPr>
             <a:cxnSpLocks/>
-            <a:stCxn id="353" idx="1"/>
-            <a:endCxn id="161" idx="2"/>
+            <a:stCxn id="353" idx="0"/>
+            <a:endCxn id="135" idx="0"/>
           </p:cNvCxnSpPr>
           <p:nvPr/>
         </p:nvCxnSpPr>
         <p:spPr>
-          <a:xfrm flipH="1">
-            <a:off x="3615899" y="1949697"/>
-            <a:ext cx="172503" cy="0"/>
+          <a:xfrm rot="5400000" flipH="1" flipV="1">
+            <a:off x="1371514" y="3106360"/>
+            <a:ext cx="2474249" cy="160925"/>
           </a:xfrm>
-          <a:prstGeom prst="straightConnector1">
+          <a:prstGeom prst="bentConnector2">
             <a:avLst/>
           </a:prstGeom>
           <a:ln>
@@ -14131,13 +9269,21 @@
         </p:nvSpPr>
         <p:spPr>
           <a:xfrm>
-            <a:off x="6331225" y="2057418"/>
-            <a:ext cx="1796012" cy="215444"/>
+            <a:off x="5793105" y="4336667"/>
+            <a:ext cx="973370" cy="430887"/>
           </a:xfrm>
           <a:prstGeom prst="rect">
             <a:avLst/>
           </a:prstGeom>
           <a:noFill/>
+          <a:ln>
+            <a:solidFill>
+              <a:schemeClr val="bg2">
+                <a:lumMod val="10000"/>
+              </a:schemeClr>
+            </a:solidFill>
+            <a:prstDash val="sysDash"/>
+          </a:ln>
         </p:spPr>
         <p:txBody>
           <a:bodyPr wrap="square" rtlCol="0">
@@ -14146,10 +9292,10 @@
           <a:lstStyle/>
           <a:p>
             <a:r>
-              <a:rPr lang="en-US" sz="800" dirty="0"/>
+              <a:rPr lang="en-US" sz="1100" dirty="0"/>
               <a:t>Root-relative pose features</a:t>
             </a:r>
-            <a:endParaRPr lang="de-DE" sz="800" dirty="0"/>
+            <a:endParaRPr lang="de-DE" sz="1100" dirty="0"/>
           </a:p>
         </p:txBody>
       </p:sp>
@@ -14165,16 +9311,16 @@
           <p:cNvCxnSpPr>
             <a:cxnSpLocks/>
             <a:stCxn id="250" idx="2"/>
-            <a:endCxn id="359" idx="1"/>
+            <a:endCxn id="359" idx="0"/>
           </p:cNvCxnSpPr>
           <p:nvPr/>
         </p:nvCxnSpPr>
         <p:spPr>
-          <a:xfrm flipV="1">
-            <a:off x="6147011" y="2165140"/>
-            <a:ext cx="184214" cy="3893"/>
+          <a:xfrm>
+            <a:off x="6147011" y="2169033"/>
+            <a:ext cx="132779" cy="2167634"/>
           </a:xfrm>
-          <a:prstGeom prst="straightConnector1">
+          <a:prstGeom prst="bentConnector2">
             <a:avLst/>
           </a:prstGeom>
           <a:ln>
@@ -14212,8 +9358,8 @@
         </p:nvSpPr>
         <p:spPr>
           <a:xfrm>
-            <a:off x="3893284" y="2524860"/>
-            <a:ext cx="1084110" cy="215444"/>
+            <a:off x="3740983" y="2502592"/>
+            <a:ext cx="1396064" cy="261610"/>
           </a:xfrm>
           <a:prstGeom prst="rect">
             <a:avLst/>
@@ -14227,10 +9373,10 @@
           <a:lstStyle/>
           <a:p>
             <a:r>
-              <a:rPr lang="en-US" sz="800" dirty="0"/>
+              <a:rPr lang="en-US" sz="1100" dirty="0"/>
               <a:t>Targets &amp; Predictions</a:t>
             </a:r>
-            <a:endParaRPr lang="de-DE" sz="800" dirty="0"/>
+            <a:endParaRPr lang="de-DE" sz="1100" dirty="0"/>
           </a:p>
         </p:txBody>
       </p:sp>
